--- a/Whiteboard design session/WDS trainer presentation - Azure Stack.pptx
+++ b/Whiteboard design session/WDS trainer presentation - Azure Stack.pptx
@@ -6,47 +6,42 @@
     <p:sldMasterId id="2147483665" r:id="rId5"/>
   </p:sldMasterIdLst>
   <p:notesMasterIdLst>
-    <p:notesMasterId r:id="rId44"/>
+    <p:notesMasterId r:id="rId39"/>
   </p:notesMasterIdLst>
   <p:sldIdLst>
     <p:sldId id="300" r:id="rId6"/>
     <p:sldId id="323" r:id="rId7"/>
     <p:sldId id="302" r:id="rId8"/>
     <p:sldId id="259" r:id="rId9"/>
-    <p:sldId id="363" r:id="rId10"/>
-    <p:sldId id="324" r:id="rId11"/>
-    <p:sldId id="354" r:id="rId12"/>
-    <p:sldId id="327" r:id="rId13"/>
-    <p:sldId id="361" r:id="rId14"/>
-    <p:sldId id="326" r:id="rId15"/>
-    <p:sldId id="330" r:id="rId16"/>
-    <p:sldId id="364" r:id="rId17"/>
-    <p:sldId id="303" r:id="rId18"/>
-    <p:sldId id="365" r:id="rId19"/>
-    <p:sldId id="331" r:id="rId20"/>
-    <p:sldId id="305" r:id="rId21"/>
-    <p:sldId id="320" r:id="rId22"/>
-    <p:sldId id="322" r:id="rId23"/>
-    <p:sldId id="321" r:id="rId24"/>
-    <p:sldId id="317" r:id="rId25"/>
-    <p:sldId id="338" r:id="rId26"/>
-    <p:sldId id="343" r:id="rId27"/>
-    <p:sldId id="357" r:id="rId28"/>
-    <p:sldId id="340" r:id="rId29"/>
-    <p:sldId id="366" r:id="rId30"/>
-    <p:sldId id="359" r:id="rId31"/>
-    <p:sldId id="360" r:id="rId32"/>
-    <p:sldId id="358" r:id="rId33"/>
-    <p:sldId id="362" r:id="rId34"/>
-    <p:sldId id="342" r:id="rId35"/>
-    <p:sldId id="356" r:id="rId36"/>
-    <p:sldId id="349" r:id="rId37"/>
-    <p:sldId id="352" r:id="rId38"/>
-    <p:sldId id="353" r:id="rId39"/>
-    <p:sldId id="351" r:id="rId40"/>
-    <p:sldId id="367" r:id="rId41"/>
-    <p:sldId id="318" r:id="rId42"/>
-    <p:sldId id="315" r:id="rId43"/>
+    <p:sldId id="324" r:id="rId10"/>
+    <p:sldId id="354" r:id="rId11"/>
+    <p:sldId id="327" r:id="rId12"/>
+    <p:sldId id="361" r:id="rId13"/>
+    <p:sldId id="326" r:id="rId14"/>
+    <p:sldId id="330" r:id="rId15"/>
+    <p:sldId id="303" r:id="rId16"/>
+    <p:sldId id="331" r:id="rId17"/>
+    <p:sldId id="305" r:id="rId18"/>
+    <p:sldId id="320" r:id="rId19"/>
+    <p:sldId id="322" r:id="rId20"/>
+    <p:sldId id="321" r:id="rId21"/>
+    <p:sldId id="317" r:id="rId22"/>
+    <p:sldId id="338" r:id="rId23"/>
+    <p:sldId id="343" r:id="rId24"/>
+    <p:sldId id="357" r:id="rId25"/>
+    <p:sldId id="340" r:id="rId26"/>
+    <p:sldId id="359" r:id="rId27"/>
+    <p:sldId id="360" r:id="rId28"/>
+    <p:sldId id="358" r:id="rId29"/>
+    <p:sldId id="362" r:id="rId30"/>
+    <p:sldId id="342" r:id="rId31"/>
+    <p:sldId id="356" r:id="rId32"/>
+    <p:sldId id="349" r:id="rId33"/>
+    <p:sldId id="352" r:id="rId34"/>
+    <p:sldId id="353" r:id="rId35"/>
+    <p:sldId id="351" r:id="rId36"/>
+    <p:sldId id="318" r:id="rId37"/>
+    <p:sldId id="315" r:id="rId38"/>
   </p:sldIdLst>
   <p:sldSz cx="12192000" cy="6858000"/>
   <p:notesSz cx="6858000" cy="9144000"/>
@@ -269,7 +264,7 @@
           <a:p>
             <a:fld id="{52A13B17-C506-4D51-BB37-16B365906619}" type="datetimeFigureOut">
               <a:rPr lang="en-US" smtClean="0"/>
-              <a:t>10/15/2019</a:t>
+              <a:t>11/21/2018</a:t>
             </a:fld>
             <a:endParaRPr lang="en-US" dirty="0"/>
           </a:p>
@@ -874,7 +869,7 @@
     </p:spTree>
     <p:extLst>
       <p:ext uri="{BB962C8B-B14F-4D97-AF65-F5344CB8AC3E}">
-        <p14:creationId xmlns:p14="http://schemas.microsoft.com/office/powerpoint/2010/main" val="3403332790"/>
+        <p14:creationId xmlns:p14="http://schemas.microsoft.com/office/powerpoint/2010/main" val="2356007107"/>
       </p:ext>
     </p:extLst>
   </p:cSld>
@@ -958,7 +953,7 @@
     </p:spTree>
     <p:extLst>
       <p:ext uri="{BB962C8B-B14F-4D97-AF65-F5344CB8AC3E}">
-        <p14:creationId xmlns:p14="http://schemas.microsoft.com/office/powerpoint/2010/main" val="2356007107"/>
+        <p14:creationId xmlns:p14="http://schemas.microsoft.com/office/powerpoint/2010/main" val="3292433888"/>
       </p:ext>
     </p:extLst>
   </p:cSld>
@@ -1042,7 +1037,7 @@
     </p:spTree>
     <p:extLst>
       <p:ext uri="{BB962C8B-B14F-4D97-AF65-F5344CB8AC3E}">
-        <p14:creationId xmlns:p14="http://schemas.microsoft.com/office/powerpoint/2010/main" val="1703179171"/>
+        <p14:creationId xmlns:p14="http://schemas.microsoft.com/office/powerpoint/2010/main" val="3994004887"/>
       </p:ext>
     </p:extLst>
   </p:cSld>
@@ -1126,7 +1121,7 @@
     </p:spTree>
     <p:extLst>
       <p:ext uri="{BB962C8B-B14F-4D97-AF65-F5344CB8AC3E}">
-        <p14:creationId xmlns:p14="http://schemas.microsoft.com/office/powerpoint/2010/main" val="3292433888"/>
+        <p14:creationId xmlns:p14="http://schemas.microsoft.com/office/powerpoint/2010/main" val="1267405105"/>
       </p:ext>
     </p:extLst>
   </p:cSld>
@@ -1210,7 +1205,7 @@
     </p:spTree>
     <p:extLst>
       <p:ext uri="{BB962C8B-B14F-4D97-AF65-F5344CB8AC3E}">
-        <p14:creationId xmlns:p14="http://schemas.microsoft.com/office/powerpoint/2010/main" val="3983231669"/>
+        <p14:creationId xmlns:p14="http://schemas.microsoft.com/office/powerpoint/2010/main" val="3229744285"/>
       </p:ext>
     </p:extLst>
   </p:cSld>
@@ -1294,7 +1289,7 @@
     </p:spTree>
     <p:extLst>
       <p:ext uri="{BB962C8B-B14F-4D97-AF65-F5344CB8AC3E}">
-        <p14:creationId xmlns:p14="http://schemas.microsoft.com/office/powerpoint/2010/main" val="3994004887"/>
+        <p14:creationId xmlns:p14="http://schemas.microsoft.com/office/powerpoint/2010/main" val="251902611"/>
       </p:ext>
     </p:extLst>
   </p:cSld>
@@ -1378,7 +1373,7 @@
     </p:spTree>
     <p:extLst>
       <p:ext uri="{BB962C8B-B14F-4D97-AF65-F5344CB8AC3E}">
-        <p14:creationId xmlns:p14="http://schemas.microsoft.com/office/powerpoint/2010/main" val="1267405105"/>
+        <p14:creationId xmlns:p14="http://schemas.microsoft.com/office/powerpoint/2010/main" val="1579283386"/>
       </p:ext>
     </p:extLst>
   </p:cSld>
@@ -1462,7 +1457,7 @@
     </p:spTree>
     <p:extLst>
       <p:ext uri="{BB962C8B-B14F-4D97-AF65-F5344CB8AC3E}">
-        <p14:creationId xmlns:p14="http://schemas.microsoft.com/office/powerpoint/2010/main" val="3229744285"/>
+        <p14:creationId xmlns:p14="http://schemas.microsoft.com/office/powerpoint/2010/main" val="647674203"/>
       </p:ext>
     </p:extLst>
   </p:cSld>
@@ -1546,7 +1541,7 @@
     </p:spTree>
     <p:extLst>
       <p:ext uri="{BB962C8B-B14F-4D97-AF65-F5344CB8AC3E}">
-        <p14:creationId xmlns:p14="http://schemas.microsoft.com/office/powerpoint/2010/main" val="251902611"/>
+        <p14:creationId xmlns:p14="http://schemas.microsoft.com/office/powerpoint/2010/main" val="3732585128"/>
       </p:ext>
     </p:extLst>
   </p:cSld>
@@ -1630,7 +1625,7 @@
     </p:spTree>
     <p:extLst>
       <p:ext uri="{BB962C8B-B14F-4D97-AF65-F5344CB8AC3E}">
-        <p14:creationId xmlns:p14="http://schemas.microsoft.com/office/powerpoint/2010/main" val="1579283386"/>
+        <p14:creationId xmlns:p14="http://schemas.microsoft.com/office/powerpoint/2010/main" val="3866924809"/>
       </p:ext>
     </p:extLst>
   </p:cSld>
@@ -1798,7 +1793,7 @@
     </p:spTree>
     <p:extLst>
       <p:ext uri="{BB962C8B-B14F-4D97-AF65-F5344CB8AC3E}">
-        <p14:creationId xmlns:p14="http://schemas.microsoft.com/office/powerpoint/2010/main" val="647674203"/>
+        <p14:creationId xmlns:p14="http://schemas.microsoft.com/office/powerpoint/2010/main" val="122040222"/>
       </p:ext>
     </p:extLst>
   </p:cSld>
@@ -1882,7 +1877,7 @@
     </p:spTree>
     <p:extLst>
       <p:ext uri="{BB962C8B-B14F-4D97-AF65-F5344CB8AC3E}">
-        <p14:creationId xmlns:p14="http://schemas.microsoft.com/office/powerpoint/2010/main" val="3732585128"/>
+        <p14:creationId xmlns:p14="http://schemas.microsoft.com/office/powerpoint/2010/main" val="686217087"/>
       </p:ext>
     </p:extLst>
   </p:cSld>
@@ -1966,7 +1961,7 @@
     </p:spTree>
     <p:extLst>
       <p:ext uri="{BB962C8B-B14F-4D97-AF65-F5344CB8AC3E}">
-        <p14:creationId xmlns:p14="http://schemas.microsoft.com/office/powerpoint/2010/main" val="3866924809"/>
+        <p14:creationId xmlns:p14="http://schemas.microsoft.com/office/powerpoint/2010/main" val="729092707"/>
       </p:ext>
     </p:extLst>
   </p:cSld>
@@ -2050,7 +2045,7 @@
     </p:spTree>
     <p:extLst>
       <p:ext uri="{BB962C8B-B14F-4D97-AF65-F5344CB8AC3E}">
-        <p14:creationId xmlns:p14="http://schemas.microsoft.com/office/powerpoint/2010/main" val="122040222"/>
+        <p14:creationId xmlns:p14="http://schemas.microsoft.com/office/powerpoint/2010/main" val="3293172015"/>
       </p:ext>
     </p:extLst>
   </p:cSld>
@@ -2134,7 +2129,7 @@
     </p:spTree>
     <p:extLst>
       <p:ext uri="{BB962C8B-B14F-4D97-AF65-F5344CB8AC3E}">
-        <p14:creationId xmlns:p14="http://schemas.microsoft.com/office/powerpoint/2010/main" val="686217087"/>
+        <p14:creationId xmlns:p14="http://schemas.microsoft.com/office/powerpoint/2010/main" val="2711918252"/>
       </p:ext>
     </p:extLst>
   </p:cSld>
@@ -2188,6 +2183,79 @@
           <a:bodyPr/>
           <a:lstStyle/>
           <a:p>
+            <a:r>
+              <a:rPr lang="en-US" sz="1200" kern="1200" dirty="0">
+                <a:solidFill>
+                  <a:schemeClr val="tx1"/>
+                </a:solidFill>
+                <a:effectLst/>
+                <a:latin typeface="+mn-lt"/>
+                <a:ea typeface="+mn-ea"/>
+                <a:cs typeface="+mn-cs"/>
+              </a:rPr>
+              <a:t>Azure Resource Manager templates can be used to deploy supported services to both Azure Public and Azure Stack. </a:t>
+            </a:r>
+          </a:p>
+          <a:p>
+            <a:r>
+              <a:rPr lang="en-US" sz="1200" kern="1200" dirty="0">
+                <a:solidFill>
+                  <a:schemeClr val="tx1"/>
+                </a:solidFill>
+                <a:effectLst/>
+                <a:latin typeface="+mn-lt"/>
+                <a:ea typeface="+mn-ea"/>
+                <a:cs typeface="+mn-cs"/>
+              </a:rPr>
+              <a:t>A hybrid continuous integration/continuous delivery(CI/CD) pipeline enables you to build, test, and deploy your app to multiple clouds. A hybrid CI/CD pipeline can help you:</a:t>
+            </a:r>
+          </a:p>
+          <a:p>
+            <a:pPr lvl="0"/>
+            <a:r>
+              <a:rPr lang="en-US" sz="1200" kern="1200" dirty="0">
+                <a:solidFill>
+                  <a:schemeClr val="tx1"/>
+                </a:solidFill>
+                <a:effectLst/>
+                <a:latin typeface="+mn-lt"/>
+                <a:ea typeface="+mn-ea"/>
+                <a:cs typeface="+mn-cs"/>
+              </a:rPr>
+              <a:t>Initiate a new build based on code commits to your Visual Studio Team Services (VSTS) repository.</a:t>
+            </a:r>
+          </a:p>
+          <a:p>
+            <a:pPr lvl="0"/>
+            <a:r>
+              <a:rPr lang="en-US" sz="1200" kern="1200" dirty="0">
+                <a:solidFill>
+                  <a:schemeClr val="tx1"/>
+                </a:solidFill>
+                <a:effectLst/>
+                <a:latin typeface="+mn-lt"/>
+                <a:ea typeface="+mn-ea"/>
+                <a:cs typeface="+mn-cs"/>
+              </a:rPr>
+              <a:t>Automatically deploy your newly built code to Azure for user acceptance testing.</a:t>
+            </a:r>
+          </a:p>
+          <a:p>
+            <a:pPr lvl="0"/>
+            <a:r>
+              <a:rPr lang="en-US" sz="1200" kern="1200" dirty="0">
+                <a:solidFill>
+                  <a:schemeClr val="tx1"/>
+                </a:solidFill>
+                <a:effectLst/>
+                <a:latin typeface="+mn-lt"/>
+                <a:ea typeface="+mn-ea"/>
+                <a:cs typeface="+mn-cs"/>
+              </a:rPr>
+              <a:t>Once your code has passed testing, automatically deploy to Azure Stack.</a:t>
+            </a:r>
+          </a:p>
+          <a:p>
             <a:endParaRPr lang="en-US" dirty="0"/>
           </a:p>
         </p:txBody>
@@ -2218,7 +2286,7 @@
     </p:spTree>
     <p:extLst>
       <p:ext uri="{BB962C8B-B14F-4D97-AF65-F5344CB8AC3E}">
-        <p14:creationId xmlns:p14="http://schemas.microsoft.com/office/powerpoint/2010/main" val="950409368"/>
+        <p14:creationId xmlns:p14="http://schemas.microsoft.com/office/powerpoint/2010/main" val="4073144030"/>
       </p:ext>
     </p:extLst>
   </p:cSld>
@@ -2272,6 +2340,33 @@
           <a:bodyPr/>
           <a:lstStyle/>
           <a:p>
+            <a:pPr lvl="0"/>
+            <a:r>
+              <a:rPr lang="en-US" sz="1200" kern="1200" dirty="0">
+                <a:solidFill>
+                  <a:schemeClr val="tx1"/>
+                </a:solidFill>
+                <a:effectLst/>
+                <a:latin typeface="+mn-lt"/>
+                <a:ea typeface="+mn-ea"/>
+                <a:cs typeface="+mn-cs"/>
+              </a:rPr>
+              <a:t>The initial proof of concept will start with providing a S2S VPN between the virtual network the Azure Web App is connected to and Azure Stack and another S2S Gateway between the Azure Stack Datacenter in FT and the Contoso Regional HQ. </a:t>
+            </a:r>
+          </a:p>
+          <a:p>
+            <a:r>
+              <a:rPr lang="en-US" sz="1200" kern="1200" dirty="0">
+                <a:solidFill>
+                  <a:schemeClr val="tx1"/>
+                </a:solidFill>
+                <a:effectLst/>
+                <a:latin typeface="+mn-lt"/>
+                <a:ea typeface="+mn-ea"/>
+                <a:cs typeface="+mn-cs"/>
+              </a:rPr>
+              <a:t>For the future, both S2S and ExpressRoute will be configured for routing using BGP ensuring the best connections possible and one set of configurations for routing.  FT will provide the Public ASN number for the routes from their datacenter network in Dallas.  FT will also configure the BGP connections between their datacenter and the new routers on-premises at the Contoso Dallas office. Contoso’s Public IP Space will be leveraged along with the addition of public IP Space from FT.</a:t>
+            </a:r>
             <a:endParaRPr lang="en-US" dirty="0"/>
           </a:p>
         </p:txBody>
@@ -2302,7 +2397,7 @@
     </p:spTree>
     <p:extLst>
       <p:ext uri="{BB962C8B-B14F-4D97-AF65-F5344CB8AC3E}">
-        <p14:creationId xmlns:p14="http://schemas.microsoft.com/office/powerpoint/2010/main" val="729092707"/>
+        <p14:creationId xmlns:p14="http://schemas.microsoft.com/office/powerpoint/2010/main" val="3168858057"/>
       </p:ext>
     </p:extLst>
   </p:cSld>
@@ -2386,7 +2481,7 @@
     </p:spTree>
     <p:extLst>
       <p:ext uri="{BB962C8B-B14F-4D97-AF65-F5344CB8AC3E}">
-        <p14:creationId xmlns:p14="http://schemas.microsoft.com/office/powerpoint/2010/main" val="3293172015"/>
+        <p14:creationId xmlns:p14="http://schemas.microsoft.com/office/powerpoint/2010/main" val="2317620794"/>
       </p:ext>
     </p:extLst>
   </p:cSld>
@@ -2470,7 +2565,7 @@
     </p:spTree>
     <p:extLst>
       <p:ext uri="{BB962C8B-B14F-4D97-AF65-F5344CB8AC3E}">
-        <p14:creationId xmlns:p14="http://schemas.microsoft.com/office/powerpoint/2010/main" val="2711918252"/>
+        <p14:creationId xmlns:p14="http://schemas.microsoft.com/office/powerpoint/2010/main" val="2666464400"/>
       </p:ext>
     </p:extLst>
   </p:cSld>
@@ -2524,79 +2619,6 @@
           <a:bodyPr/>
           <a:lstStyle/>
           <a:p>
-            <a:r>
-              <a:rPr lang="en-US" sz="1200" kern="1200" dirty="0">
-                <a:solidFill>
-                  <a:schemeClr val="tx1"/>
-                </a:solidFill>
-                <a:effectLst/>
-                <a:latin typeface="+mn-lt"/>
-                <a:ea typeface="+mn-ea"/>
-                <a:cs typeface="+mn-cs"/>
-              </a:rPr>
-              <a:t>Azure Resource Manager templates can be used to deploy supported services to both Azure Public and Azure Stack. </a:t>
-            </a:r>
-          </a:p>
-          <a:p>
-            <a:r>
-              <a:rPr lang="en-US" sz="1200" kern="1200" dirty="0">
-                <a:solidFill>
-                  <a:schemeClr val="tx1"/>
-                </a:solidFill>
-                <a:effectLst/>
-                <a:latin typeface="+mn-lt"/>
-                <a:ea typeface="+mn-ea"/>
-                <a:cs typeface="+mn-cs"/>
-              </a:rPr>
-              <a:t>A hybrid continuous integration/continuous delivery(CI/CD) pipeline enables you to build, test, and deploy your app to multiple clouds. A hybrid CI/CD pipeline can help you:</a:t>
-            </a:r>
-          </a:p>
-          <a:p>
-            <a:pPr lvl="0"/>
-            <a:r>
-              <a:rPr lang="en-US" sz="1200" kern="1200" dirty="0">
-                <a:solidFill>
-                  <a:schemeClr val="tx1"/>
-                </a:solidFill>
-                <a:effectLst/>
-                <a:latin typeface="+mn-lt"/>
-                <a:ea typeface="+mn-ea"/>
-                <a:cs typeface="+mn-cs"/>
-              </a:rPr>
-              <a:t>Initiate a new build based on code commits to your Visual Studio Team Services (VSTS) repository.</a:t>
-            </a:r>
-          </a:p>
-          <a:p>
-            <a:pPr lvl="0"/>
-            <a:r>
-              <a:rPr lang="en-US" sz="1200" kern="1200" dirty="0">
-                <a:solidFill>
-                  <a:schemeClr val="tx1"/>
-                </a:solidFill>
-                <a:effectLst/>
-                <a:latin typeface="+mn-lt"/>
-                <a:ea typeface="+mn-ea"/>
-                <a:cs typeface="+mn-cs"/>
-              </a:rPr>
-              <a:t>Automatically deploy your newly built code to Azure for user acceptance testing.</a:t>
-            </a:r>
-          </a:p>
-          <a:p>
-            <a:pPr lvl="0"/>
-            <a:r>
-              <a:rPr lang="en-US" sz="1200" kern="1200" dirty="0">
-                <a:solidFill>
-                  <a:schemeClr val="tx1"/>
-                </a:solidFill>
-                <a:effectLst/>
-                <a:latin typeface="+mn-lt"/>
-                <a:ea typeface="+mn-ea"/>
-                <a:cs typeface="+mn-cs"/>
-              </a:rPr>
-              <a:t>Once your code has passed testing, automatically deploy to Azure Stack.</a:t>
-            </a:r>
-          </a:p>
-          <a:p>
             <a:endParaRPr lang="en-US" dirty="0"/>
           </a:p>
         </p:txBody>
@@ -2627,7 +2649,7 @@
     </p:spTree>
     <p:extLst>
       <p:ext uri="{BB962C8B-B14F-4D97-AF65-F5344CB8AC3E}">
-        <p14:creationId xmlns:p14="http://schemas.microsoft.com/office/powerpoint/2010/main" val="4073144030"/>
+        <p14:creationId xmlns:p14="http://schemas.microsoft.com/office/powerpoint/2010/main" val="552729278"/>
       </p:ext>
     </p:extLst>
   </p:cSld>
@@ -2765,33 +2787,6 @@
           <a:bodyPr/>
           <a:lstStyle/>
           <a:p>
-            <a:pPr lvl="0"/>
-            <a:r>
-              <a:rPr lang="en-US" sz="1200" kern="1200" dirty="0">
-                <a:solidFill>
-                  <a:schemeClr val="tx1"/>
-                </a:solidFill>
-                <a:effectLst/>
-                <a:latin typeface="+mn-lt"/>
-                <a:ea typeface="+mn-ea"/>
-                <a:cs typeface="+mn-cs"/>
-              </a:rPr>
-              <a:t>The initial proof of concept will start with providing a S2S VPN between the virtual network the Azure Web App is connected to and Azure Stack and another S2S Gateway between the Azure Stack Datacenter in FT and the Contoso Regional HQ. </a:t>
-            </a:r>
-          </a:p>
-          <a:p>
-            <a:r>
-              <a:rPr lang="en-US" sz="1200" kern="1200" dirty="0">
-                <a:solidFill>
-                  <a:schemeClr val="tx1"/>
-                </a:solidFill>
-                <a:effectLst/>
-                <a:latin typeface="+mn-lt"/>
-                <a:ea typeface="+mn-ea"/>
-                <a:cs typeface="+mn-cs"/>
-              </a:rPr>
-              <a:t>For the future, both S2S and ExpressRoute will be configured for routing using BGP ensuring the best connections possible and one set of configurations for routing.  FT will provide the Public ASN number for the routes from their datacenter network in Dallas.  FT will also configure the BGP connections between their datacenter and the new routers on-premises at the Contoso Dallas office. Contoso’s Public IP Space will be leveraged along with the addition of public IP Space from FT.</a:t>
-            </a:r>
             <a:endParaRPr lang="en-US" dirty="0"/>
           </a:p>
         </p:txBody>
@@ -2822,7 +2817,7 @@
     </p:spTree>
     <p:extLst>
       <p:ext uri="{BB962C8B-B14F-4D97-AF65-F5344CB8AC3E}">
-        <p14:creationId xmlns:p14="http://schemas.microsoft.com/office/powerpoint/2010/main" val="3168858057"/>
+        <p14:creationId xmlns:p14="http://schemas.microsoft.com/office/powerpoint/2010/main" val="1286020422"/>
       </p:ext>
     </p:extLst>
   </p:cSld>
@@ -2906,7 +2901,7 @@
     </p:spTree>
     <p:extLst>
       <p:ext uri="{BB962C8B-B14F-4D97-AF65-F5344CB8AC3E}">
-        <p14:creationId xmlns:p14="http://schemas.microsoft.com/office/powerpoint/2010/main" val="2317620794"/>
+        <p14:creationId xmlns:p14="http://schemas.microsoft.com/office/powerpoint/2010/main" val="930945961"/>
       </p:ext>
     </p:extLst>
   </p:cSld>
@@ -2990,7 +2985,7 @@
     </p:spTree>
     <p:extLst>
       <p:ext uri="{BB962C8B-B14F-4D97-AF65-F5344CB8AC3E}">
-        <p14:creationId xmlns:p14="http://schemas.microsoft.com/office/powerpoint/2010/main" val="2666464400"/>
+        <p14:creationId xmlns:p14="http://schemas.microsoft.com/office/powerpoint/2010/main" val="671285550"/>
       </p:ext>
     </p:extLst>
   </p:cSld>
@@ -3001,426 +2996,6 @@
 </file>
 
 <file path=ppt/notesSlides/notesSlide33.xml><?xml version="1.0" encoding="utf-8"?>
-<p:notes xmlns:a="http://schemas.openxmlformats.org/drawingml/2006/main" xmlns:r="http://schemas.openxmlformats.org/officeDocument/2006/relationships" xmlns:p="http://schemas.openxmlformats.org/presentationml/2006/main">
-  <p:cSld>
-    <p:spTree>
-      <p:nvGrpSpPr>
-        <p:cNvPr id="1" name=""/>
-        <p:cNvGrpSpPr/>
-        <p:nvPr/>
-      </p:nvGrpSpPr>
-      <p:grpSpPr>
-        <a:xfrm>
-          <a:off x="0" y="0"/>
-          <a:ext cx="0" cy="0"/>
-          <a:chOff x="0" y="0"/>
-          <a:chExt cx="0" cy="0"/>
-        </a:xfrm>
-      </p:grpSpPr>
-      <p:sp>
-        <p:nvSpPr>
-          <p:cNvPr id="2" name="Slide Image Placeholder 1"/>
-          <p:cNvSpPr>
-            <a:spLocks noGrp="1" noRot="1" noChangeAspect="1"/>
-          </p:cNvSpPr>
-          <p:nvPr>
-            <p:ph type="sldImg"/>
-          </p:nvPr>
-        </p:nvSpPr>
-        <p:spPr/>
-      </p:sp>
-      <p:sp>
-        <p:nvSpPr>
-          <p:cNvPr id="3" name="Notes Placeholder 2"/>
-          <p:cNvSpPr>
-            <a:spLocks noGrp="1"/>
-          </p:cNvSpPr>
-          <p:nvPr>
-            <p:ph type="body" idx="1"/>
-          </p:nvPr>
-        </p:nvSpPr>
-        <p:spPr/>
-        <p:txBody>
-          <a:bodyPr/>
-          <a:lstStyle/>
-          <a:p>
-            <a:endParaRPr lang="en-US" dirty="0"/>
-          </a:p>
-        </p:txBody>
-      </p:sp>
-      <p:sp>
-        <p:nvSpPr>
-          <p:cNvPr id="4" name="Slide Number Placeholder 3"/>
-          <p:cNvSpPr>
-            <a:spLocks noGrp="1"/>
-          </p:cNvSpPr>
-          <p:nvPr>
-            <p:ph type="sldNum" sz="quarter" idx="10"/>
-          </p:nvPr>
-        </p:nvSpPr>
-        <p:spPr/>
-        <p:txBody>
-          <a:bodyPr/>
-          <a:lstStyle/>
-          <a:p>
-            <a:fld id="{0998D5BB-B127-481F-BC0A-2F77C576BB34}" type="slidenum">
-              <a:rPr lang="en-US" smtClean="0"/>
-              <a:t>33</a:t>
-            </a:fld>
-            <a:endParaRPr lang="en-US" dirty="0"/>
-          </a:p>
-        </p:txBody>
-      </p:sp>
-    </p:spTree>
-    <p:extLst>
-      <p:ext uri="{BB962C8B-B14F-4D97-AF65-F5344CB8AC3E}">
-        <p14:creationId xmlns:p14="http://schemas.microsoft.com/office/powerpoint/2010/main" val="552729278"/>
-      </p:ext>
-    </p:extLst>
-  </p:cSld>
-  <p:clrMapOvr>
-    <a:masterClrMapping/>
-  </p:clrMapOvr>
-</p:notes>
-</file>
-
-<file path=ppt/notesSlides/notesSlide34.xml><?xml version="1.0" encoding="utf-8"?>
-<p:notes xmlns:a="http://schemas.openxmlformats.org/drawingml/2006/main" xmlns:r="http://schemas.openxmlformats.org/officeDocument/2006/relationships" xmlns:p="http://schemas.openxmlformats.org/presentationml/2006/main">
-  <p:cSld>
-    <p:spTree>
-      <p:nvGrpSpPr>
-        <p:cNvPr id="1" name=""/>
-        <p:cNvGrpSpPr/>
-        <p:nvPr/>
-      </p:nvGrpSpPr>
-      <p:grpSpPr>
-        <a:xfrm>
-          <a:off x="0" y="0"/>
-          <a:ext cx="0" cy="0"/>
-          <a:chOff x="0" y="0"/>
-          <a:chExt cx="0" cy="0"/>
-        </a:xfrm>
-      </p:grpSpPr>
-      <p:sp>
-        <p:nvSpPr>
-          <p:cNvPr id="2" name="Slide Image Placeholder 1"/>
-          <p:cNvSpPr>
-            <a:spLocks noGrp="1" noRot="1" noChangeAspect="1"/>
-          </p:cNvSpPr>
-          <p:nvPr>
-            <p:ph type="sldImg"/>
-          </p:nvPr>
-        </p:nvSpPr>
-        <p:spPr/>
-      </p:sp>
-      <p:sp>
-        <p:nvSpPr>
-          <p:cNvPr id="3" name="Notes Placeholder 2"/>
-          <p:cNvSpPr>
-            <a:spLocks noGrp="1"/>
-          </p:cNvSpPr>
-          <p:nvPr>
-            <p:ph type="body" idx="1"/>
-          </p:nvPr>
-        </p:nvSpPr>
-        <p:spPr/>
-        <p:txBody>
-          <a:bodyPr/>
-          <a:lstStyle/>
-          <a:p>
-            <a:endParaRPr lang="en-US" dirty="0"/>
-          </a:p>
-        </p:txBody>
-      </p:sp>
-      <p:sp>
-        <p:nvSpPr>
-          <p:cNvPr id="4" name="Slide Number Placeholder 3"/>
-          <p:cNvSpPr>
-            <a:spLocks noGrp="1"/>
-          </p:cNvSpPr>
-          <p:nvPr>
-            <p:ph type="sldNum" sz="quarter" idx="10"/>
-          </p:nvPr>
-        </p:nvSpPr>
-        <p:spPr/>
-        <p:txBody>
-          <a:bodyPr/>
-          <a:lstStyle/>
-          <a:p>
-            <a:fld id="{0998D5BB-B127-481F-BC0A-2F77C576BB34}" type="slidenum">
-              <a:rPr lang="en-US" smtClean="0"/>
-              <a:t>34</a:t>
-            </a:fld>
-            <a:endParaRPr lang="en-US" dirty="0"/>
-          </a:p>
-        </p:txBody>
-      </p:sp>
-    </p:spTree>
-    <p:extLst>
-      <p:ext uri="{BB962C8B-B14F-4D97-AF65-F5344CB8AC3E}">
-        <p14:creationId xmlns:p14="http://schemas.microsoft.com/office/powerpoint/2010/main" val="1286020422"/>
-      </p:ext>
-    </p:extLst>
-  </p:cSld>
-  <p:clrMapOvr>
-    <a:masterClrMapping/>
-  </p:clrMapOvr>
-</p:notes>
-</file>
-
-<file path=ppt/notesSlides/notesSlide35.xml><?xml version="1.0" encoding="utf-8"?>
-<p:notes xmlns:a="http://schemas.openxmlformats.org/drawingml/2006/main" xmlns:r="http://schemas.openxmlformats.org/officeDocument/2006/relationships" xmlns:p="http://schemas.openxmlformats.org/presentationml/2006/main">
-  <p:cSld>
-    <p:spTree>
-      <p:nvGrpSpPr>
-        <p:cNvPr id="1" name=""/>
-        <p:cNvGrpSpPr/>
-        <p:nvPr/>
-      </p:nvGrpSpPr>
-      <p:grpSpPr>
-        <a:xfrm>
-          <a:off x="0" y="0"/>
-          <a:ext cx="0" cy="0"/>
-          <a:chOff x="0" y="0"/>
-          <a:chExt cx="0" cy="0"/>
-        </a:xfrm>
-      </p:grpSpPr>
-      <p:sp>
-        <p:nvSpPr>
-          <p:cNvPr id="2" name="Slide Image Placeholder 1"/>
-          <p:cNvSpPr>
-            <a:spLocks noGrp="1" noRot="1" noChangeAspect="1"/>
-          </p:cNvSpPr>
-          <p:nvPr>
-            <p:ph type="sldImg"/>
-          </p:nvPr>
-        </p:nvSpPr>
-        <p:spPr/>
-      </p:sp>
-      <p:sp>
-        <p:nvSpPr>
-          <p:cNvPr id="3" name="Notes Placeholder 2"/>
-          <p:cNvSpPr>
-            <a:spLocks noGrp="1"/>
-          </p:cNvSpPr>
-          <p:nvPr>
-            <p:ph type="body" idx="1"/>
-          </p:nvPr>
-        </p:nvSpPr>
-        <p:spPr/>
-        <p:txBody>
-          <a:bodyPr/>
-          <a:lstStyle/>
-          <a:p>
-            <a:endParaRPr lang="en-US" dirty="0"/>
-          </a:p>
-        </p:txBody>
-      </p:sp>
-      <p:sp>
-        <p:nvSpPr>
-          <p:cNvPr id="4" name="Slide Number Placeholder 3"/>
-          <p:cNvSpPr>
-            <a:spLocks noGrp="1"/>
-          </p:cNvSpPr>
-          <p:nvPr>
-            <p:ph type="sldNum" sz="quarter" idx="10"/>
-          </p:nvPr>
-        </p:nvSpPr>
-        <p:spPr/>
-        <p:txBody>
-          <a:bodyPr/>
-          <a:lstStyle/>
-          <a:p>
-            <a:fld id="{0998D5BB-B127-481F-BC0A-2F77C576BB34}" type="slidenum">
-              <a:rPr lang="en-US" smtClean="0"/>
-              <a:t>35</a:t>
-            </a:fld>
-            <a:endParaRPr lang="en-US" dirty="0"/>
-          </a:p>
-        </p:txBody>
-      </p:sp>
-    </p:spTree>
-    <p:extLst>
-      <p:ext uri="{BB962C8B-B14F-4D97-AF65-F5344CB8AC3E}">
-        <p14:creationId xmlns:p14="http://schemas.microsoft.com/office/powerpoint/2010/main" val="930945961"/>
-      </p:ext>
-    </p:extLst>
-  </p:cSld>
-  <p:clrMapOvr>
-    <a:masterClrMapping/>
-  </p:clrMapOvr>
-</p:notes>
-</file>
-
-<file path=ppt/notesSlides/notesSlide36.xml><?xml version="1.0" encoding="utf-8"?>
-<p:notes xmlns:a="http://schemas.openxmlformats.org/drawingml/2006/main" xmlns:r="http://schemas.openxmlformats.org/officeDocument/2006/relationships" xmlns:p="http://schemas.openxmlformats.org/presentationml/2006/main">
-  <p:cSld>
-    <p:spTree>
-      <p:nvGrpSpPr>
-        <p:cNvPr id="1" name=""/>
-        <p:cNvGrpSpPr/>
-        <p:nvPr/>
-      </p:nvGrpSpPr>
-      <p:grpSpPr>
-        <a:xfrm>
-          <a:off x="0" y="0"/>
-          <a:ext cx="0" cy="0"/>
-          <a:chOff x="0" y="0"/>
-          <a:chExt cx="0" cy="0"/>
-        </a:xfrm>
-      </p:grpSpPr>
-      <p:sp>
-        <p:nvSpPr>
-          <p:cNvPr id="2" name="Slide Image Placeholder 1"/>
-          <p:cNvSpPr>
-            <a:spLocks noGrp="1" noRot="1" noChangeAspect="1"/>
-          </p:cNvSpPr>
-          <p:nvPr>
-            <p:ph type="sldImg"/>
-          </p:nvPr>
-        </p:nvSpPr>
-        <p:spPr/>
-      </p:sp>
-      <p:sp>
-        <p:nvSpPr>
-          <p:cNvPr id="3" name="Notes Placeholder 2"/>
-          <p:cNvSpPr>
-            <a:spLocks noGrp="1"/>
-          </p:cNvSpPr>
-          <p:nvPr>
-            <p:ph type="body" idx="1"/>
-          </p:nvPr>
-        </p:nvSpPr>
-        <p:spPr/>
-        <p:txBody>
-          <a:bodyPr/>
-          <a:lstStyle/>
-          <a:p>
-            <a:endParaRPr lang="en-US" dirty="0"/>
-          </a:p>
-        </p:txBody>
-      </p:sp>
-      <p:sp>
-        <p:nvSpPr>
-          <p:cNvPr id="4" name="Slide Number Placeholder 3"/>
-          <p:cNvSpPr>
-            <a:spLocks noGrp="1"/>
-          </p:cNvSpPr>
-          <p:nvPr>
-            <p:ph type="sldNum" sz="quarter" idx="10"/>
-          </p:nvPr>
-        </p:nvSpPr>
-        <p:spPr/>
-        <p:txBody>
-          <a:bodyPr/>
-          <a:lstStyle/>
-          <a:p>
-            <a:fld id="{0998D5BB-B127-481F-BC0A-2F77C576BB34}" type="slidenum">
-              <a:rPr lang="en-US" smtClean="0"/>
-              <a:t>36</a:t>
-            </a:fld>
-            <a:endParaRPr lang="en-US" dirty="0"/>
-          </a:p>
-        </p:txBody>
-      </p:sp>
-    </p:spTree>
-    <p:extLst>
-      <p:ext uri="{BB962C8B-B14F-4D97-AF65-F5344CB8AC3E}">
-        <p14:creationId xmlns:p14="http://schemas.microsoft.com/office/powerpoint/2010/main" val="3083286019"/>
-      </p:ext>
-    </p:extLst>
-  </p:cSld>
-  <p:clrMapOvr>
-    <a:masterClrMapping/>
-  </p:clrMapOvr>
-</p:notes>
-</file>
-
-<file path=ppt/notesSlides/notesSlide37.xml><?xml version="1.0" encoding="utf-8"?>
-<p:notes xmlns:a="http://schemas.openxmlformats.org/drawingml/2006/main" xmlns:r="http://schemas.openxmlformats.org/officeDocument/2006/relationships" xmlns:p="http://schemas.openxmlformats.org/presentationml/2006/main">
-  <p:cSld>
-    <p:spTree>
-      <p:nvGrpSpPr>
-        <p:cNvPr id="1" name=""/>
-        <p:cNvGrpSpPr/>
-        <p:nvPr/>
-      </p:nvGrpSpPr>
-      <p:grpSpPr>
-        <a:xfrm>
-          <a:off x="0" y="0"/>
-          <a:ext cx="0" cy="0"/>
-          <a:chOff x="0" y="0"/>
-          <a:chExt cx="0" cy="0"/>
-        </a:xfrm>
-      </p:grpSpPr>
-      <p:sp>
-        <p:nvSpPr>
-          <p:cNvPr id="2" name="Slide Image Placeholder 1"/>
-          <p:cNvSpPr>
-            <a:spLocks noGrp="1" noRot="1" noChangeAspect="1"/>
-          </p:cNvSpPr>
-          <p:nvPr>
-            <p:ph type="sldImg"/>
-          </p:nvPr>
-        </p:nvSpPr>
-        <p:spPr/>
-      </p:sp>
-      <p:sp>
-        <p:nvSpPr>
-          <p:cNvPr id="3" name="Notes Placeholder 2"/>
-          <p:cNvSpPr>
-            <a:spLocks noGrp="1"/>
-          </p:cNvSpPr>
-          <p:nvPr>
-            <p:ph type="body" idx="1"/>
-          </p:nvPr>
-        </p:nvSpPr>
-        <p:spPr/>
-        <p:txBody>
-          <a:bodyPr/>
-          <a:lstStyle/>
-          <a:p>
-            <a:endParaRPr lang="en-US" dirty="0"/>
-          </a:p>
-        </p:txBody>
-      </p:sp>
-      <p:sp>
-        <p:nvSpPr>
-          <p:cNvPr id="4" name="Slide Number Placeholder 3"/>
-          <p:cNvSpPr>
-            <a:spLocks noGrp="1"/>
-          </p:cNvSpPr>
-          <p:nvPr>
-            <p:ph type="sldNum" sz="quarter" idx="10"/>
-          </p:nvPr>
-        </p:nvSpPr>
-        <p:spPr/>
-        <p:txBody>
-          <a:bodyPr/>
-          <a:lstStyle/>
-          <a:p>
-            <a:fld id="{0998D5BB-B127-481F-BC0A-2F77C576BB34}" type="slidenum">
-              <a:rPr lang="en-US" smtClean="0"/>
-              <a:t>37</a:t>
-            </a:fld>
-            <a:endParaRPr lang="en-US" dirty="0"/>
-          </a:p>
-        </p:txBody>
-      </p:sp>
-    </p:spTree>
-    <p:extLst>
-      <p:ext uri="{BB962C8B-B14F-4D97-AF65-F5344CB8AC3E}">
-        <p14:creationId xmlns:p14="http://schemas.microsoft.com/office/powerpoint/2010/main" val="671285550"/>
-      </p:ext>
-    </p:extLst>
-  </p:cSld>
-  <p:clrMapOvr>
-    <a:masterClrMapping/>
-  </p:clrMapOvr>
-</p:notes>
-</file>
-
-<file path=ppt/notesSlides/notesSlide38.xml><?xml version="1.0" encoding="utf-8"?>
 <p:notes xmlns:a="http://schemas.openxmlformats.org/drawingml/2006/main" xmlns:r="http://schemas.openxmlformats.org/officeDocument/2006/relationships" xmlns:p="http://schemas.openxmlformats.org/presentationml/2006/main">
   <p:cSld>
     <p:spTree>
@@ -3527,7 +3102,7 @@
                   <a:prstClr val="black"/>
                 </a:solidFill>
               </a:rPr>
-              <a:t>10/15/2019 4:35 PM</a:t>
+              <a:t>11/21/2018 6:44 AM</a:t>
             </a:fld>
             <a:endParaRPr lang="en-US" dirty="0">
               <a:solidFill>
@@ -3559,7 +3134,7 @@
                 </a:solidFill>
               </a:rPr>
               <a:pPr/>
-              <a:t>38</a:t>
+              <a:t>33</a:t>
             </a:fld>
             <a:endParaRPr lang="en-US" dirty="0">
               <a:solidFill>
@@ -3778,7 +3353,7 @@
     </p:spTree>
     <p:extLst>
       <p:ext uri="{BB962C8B-B14F-4D97-AF65-F5344CB8AC3E}">
-        <p14:creationId xmlns:p14="http://schemas.microsoft.com/office/powerpoint/2010/main" val="3921200300"/>
+        <p14:creationId xmlns:p14="http://schemas.microsoft.com/office/powerpoint/2010/main" val="1254679210"/>
       </p:ext>
     </p:extLst>
   </p:cSld>
@@ -3862,7 +3437,7 @@
     </p:spTree>
     <p:extLst>
       <p:ext uri="{BB962C8B-B14F-4D97-AF65-F5344CB8AC3E}">
-        <p14:creationId xmlns:p14="http://schemas.microsoft.com/office/powerpoint/2010/main" val="1254679210"/>
+        <p14:creationId xmlns:p14="http://schemas.microsoft.com/office/powerpoint/2010/main" val="160435089"/>
       </p:ext>
     </p:extLst>
   </p:cSld>
@@ -3946,7 +3521,7 @@
     </p:spTree>
     <p:extLst>
       <p:ext uri="{BB962C8B-B14F-4D97-AF65-F5344CB8AC3E}">
-        <p14:creationId xmlns:p14="http://schemas.microsoft.com/office/powerpoint/2010/main" val="160435089"/>
+        <p14:creationId xmlns:p14="http://schemas.microsoft.com/office/powerpoint/2010/main" val="4030087272"/>
       </p:ext>
     </p:extLst>
   </p:cSld>
@@ -4030,7 +3605,7 @@
     </p:spTree>
     <p:extLst>
       <p:ext uri="{BB962C8B-B14F-4D97-AF65-F5344CB8AC3E}">
-        <p14:creationId xmlns:p14="http://schemas.microsoft.com/office/powerpoint/2010/main" val="4030087272"/>
+        <p14:creationId xmlns:p14="http://schemas.microsoft.com/office/powerpoint/2010/main" val="1548624346"/>
       </p:ext>
     </p:extLst>
   </p:cSld>
@@ -4114,7 +3689,7 @@
     </p:spTree>
     <p:extLst>
       <p:ext uri="{BB962C8B-B14F-4D97-AF65-F5344CB8AC3E}">
-        <p14:creationId xmlns:p14="http://schemas.microsoft.com/office/powerpoint/2010/main" val="1548624346"/>
+        <p14:creationId xmlns:p14="http://schemas.microsoft.com/office/powerpoint/2010/main" val="3403332790"/>
       </p:ext>
     </p:extLst>
   </p:cSld>
@@ -4379,7 +3954,7 @@
       </p:transition>
     </mc:Fallback>
   </mc:AlternateContent>
-  <p:extLst>
+  <p:extLst mod="1">
     <p:ext uri="{DCECCB84-F9BA-43D5-87BE-67443E8EF086}">
       <p15:sldGuideLst xmlns:p15="http://schemas.microsoft.com/office/powerpoint/2012/main">
         <p15:guide id="1" pos="288">
@@ -15384,7 +14959,7 @@
       </a:lvl9pPr>
     </p:otherStyle>
   </p:txStyles>
-  <p:extLst>
+  <p:extLst mod="1">
     <p:ext uri="{27BBF7A9-308A-43DC-89C8-2F10F3537804}">
       <p15:sldGuideLst xmlns:p15="http://schemas.microsoft.com/office/powerpoint/2012/main">
         <p15:guide id="1" orient="horz" pos="187">
@@ -15999,7 +15574,7 @@
       </a:lvl9pPr>
     </p:otherStyle>
   </p:txStyles>
-  <p:extLst>
+  <p:extLst mod="1">
     <p:ext uri="{27BBF7A9-308A-43DC-89C8-2F10F3537804}">
       <p15:sldGuideLst xmlns:p15="http://schemas.microsoft.com/office/powerpoint/2012/main">
         <p15:guide id="1" orient="horz" pos="187">
@@ -16280,58 +15855,77 @@
         </p:nvSpPr>
         <p:spPr/>
         <p:txBody>
-          <a:bodyPr/>
+          <a:bodyPr>
+            <a:normAutofit fontScale="90000"/>
+          </a:bodyPr>
           <a:lstStyle/>
           <a:p>
             <a:r>
-              <a:rPr lang="en-US" dirty="0"/>
-              <a:t>Customer situation - Contoso Financial</a:t>
+              <a:rPr lang="en-US" sz="4900" dirty="0">
+                <a:solidFill>
+                  <a:schemeClr val="tx1"/>
+                </a:solidFill>
+                <a:cs typeface="Segoe UI" panose="020B0502040204020203" pitchFamily="34" charset="0"/>
+              </a:rPr>
+              <a:t>Customer needs</a:t>
             </a:r>
             <a:br>
-              <a:rPr lang="en-US" dirty="0"/>
+              <a:rPr lang="en-US" dirty="0">
+                <a:solidFill>
+                  <a:schemeClr val="tx1"/>
+                </a:solidFill>
+                <a:latin typeface="Segoe UI" panose="020B0502040204020203" pitchFamily="34" charset="0"/>
+              </a:rPr>
             </a:br>
-            <a:br>
-              <a:rPr lang="en-US" dirty="0"/>
-            </a:br>
-            <a:endParaRPr lang="en-US" dirty="0"/>
+            <a:endParaRPr lang="en-US" sz="3236" dirty="0">
+              <a:solidFill>
+                <a:schemeClr val="tx1"/>
+              </a:solidFill>
+              <a:latin typeface="Segoe UI" panose="020B0502040204020203" pitchFamily="34" charset="0"/>
+            </a:endParaRPr>
           </a:p>
         </p:txBody>
       </p:sp>
       <p:sp>
         <p:nvSpPr>
-          <p:cNvPr id="5" name="Text Placeholder 4">
+          <p:cNvPr id="9" name="TextBox 8">
             <a:extLst>
               <a:ext uri="{FF2B5EF4-FFF2-40B4-BE49-F238E27FC236}">
-                <a16:creationId xmlns:a16="http://schemas.microsoft.com/office/drawing/2014/main" id="{5198A72B-D72C-4F52-8D74-C6093B508DAA}"/>
+                <a16:creationId xmlns:a16="http://schemas.microsoft.com/office/drawing/2014/main" id="{1436F8EA-C4FB-4C98-AEB1-08DF6713D14E}"/>
               </a:ext>
             </a:extLst>
           </p:cNvPr>
-          <p:cNvSpPr>
-            <a:spLocks noGrp="1"/>
-          </p:cNvSpPr>
-          <p:nvPr>
-            <p:ph type="body" sz="quarter" idx="10"/>
-          </p:nvPr>
+          <p:cNvSpPr txBox="1"/>
+          <p:nvPr/>
         </p:nvSpPr>
         <p:spPr>
           <a:xfrm>
-            <a:off x="269239" y="1227814"/>
-            <a:ext cx="11653523" cy="5991320"/>
+            <a:off x="353216" y="1401673"/>
+            <a:ext cx="11215396" cy="5333768"/>
           </a:xfrm>
+          <a:prstGeom prst="rect">
+            <a:avLst/>
+          </a:prstGeom>
+          <a:noFill/>
         </p:spPr>
         <p:txBody>
-          <a:bodyPr/>
+          <a:bodyPr wrap="square" lIns="182880" tIns="146304" rIns="182880" bIns="146304" rtlCol="0">
+            <a:spAutoFit/>
+          </a:bodyPr>
           <a:lstStyle/>
           <a:p>
-            <a:pPr marL="457200" indent="-457200">
+            <a:pPr marL="514350" indent="-514350">
+              <a:lnSpc>
+                <a:spcPct val="90000"/>
+              </a:lnSpc>
               <a:spcAft>
                 <a:spcPts val="600"/>
               </a:spcAft>
-              <a:buFont typeface="Arial" panose="020B0604020202020204" pitchFamily="34" charset="0"/>
-              <a:buChar char="•"/>
+              <a:buFont typeface="+mj-lt"/>
+              <a:buAutoNum type="arabicPeriod"/>
             </a:pPr>
             <a:r>
-              <a:rPr lang="en-US" sz="3200" dirty="0">
+              <a:rPr lang="en-US" sz="2800" dirty="0">
                 <a:gradFill>
                   <a:gsLst>
                     <a:gs pos="2917">
@@ -16343,17 +15937,21 @@
                   </a:gsLst>
                   <a:lin ang="5400000" scaled="0"/>
                 </a:gradFill>
+                <a:latin typeface="+mj-lt"/>
               </a:rPr>
-              <a:t>During the planning stages, the corporate compliance team determined that customer data cannot reside in the Azure public cloud.</a:t>
-            </a:r>
-          </a:p>
-          <a:p>
-            <a:pPr marL="571500" indent="-571500">
+              <a:t>Design a hybrid-cloud architecture that is native Azure end-to-end without the need for hosting the application in a Contoso owned datacenter.</a:t>
+            </a:r>
+          </a:p>
+          <a:p>
+            <a:pPr marL="514350" indent="-514350">
+              <a:lnSpc>
+                <a:spcPct val="90000"/>
+              </a:lnSpc>
               <a:spcAft>
                 <a:spcPts val="600"/>
               </a:spcAft>
-              <a:buFont typeface="Arial" panose="020B0604020202020204" pitchFamily="34" charset="0"/>
-              <a:buChar char="•"/>
+              <a:buFont typeface="+mj-lt"/>
+              <a:buAutoNum type="arabicPeriod"/>
             </a:pPr>
             <a:endParaRPr lang="en-US" sz="2800" dirty="0">
               <a:gradFill>
@@ -16367,18 +15965,22 @@
                 </a:gsLst>
                 <a:lin ang="5400000" scaled="0"/>
               </a:gradFill>
+              <a:latin typeface="+mj-lt"/>
             </a:endParaRPr>
           </a:p>
           <a:p>
-            <a:pPr marL="571500" indent="-571500">
+            <a:pPr marL="514350" indent="-514350">
+              <a:lnSpc>
+                <a:spcPct val="90000"/>
+              </a:lnSpc>
               <a:spcAft>
                 <a:spcPts val="600"/>
               </a:spcAft>
-              <a:buFont typeface="Arial" panose="020B0604020202020204" pitchFamily="34" charset="0"/>
-              <a:buChar char="•"/>
+              <a:buFont typeface="+mj-lt"/>
+              <a:buAutoNum type="arabicPeriod"/>
             </a:pPr>
             <a:r>
-              <a:rPr lang="en-US" sz="3200" dirty="0">
+              <a:rPr lang="en-US" sz="2800" dirty="0">
                 <a:gradFill>
                   <a:gsLst>
                     <a:gs pos="2917">
@@ -16390,12 +15992,71 @@
                   </a:gsLst>
                   <a:lin ang="5400000" scaled="0"/>
                 </a:gradFill>
+                <a:latin typeface="+mj-lt"/>
               </a:rPr>
-              <a:t>“This was a cause for great concern, as this means Contoso may not be able to move to cloud-based services as fast as we initially envisioned” says Max Rubin VP of Network engineering.</a:t>
+              <a:t>The design should ensure that customer data is not stored in the Azure Cloud while also allowing future applications to be easily deployed in Azure with access to custom data regardless of where they are deployed.</a:t>
+            </a:r>
+          </a:p>
+          <a:p>
+            <a:pPr marL="514350" indent="-514350">
+              <a:lnSpc>
+                <a:spcPct val="90000"/>
+              </a:lnSpc>
+              <a:spcAft>
+                <a:spcPts val="600"/>
+              </a:spcAft>
+              <a:buFont typeface="+mj-lt"/>
+              <a:buAutoNum type="arabicPeriod"/>
+            </a:pPr>
+            <a:endParaRPr lang="en-US" sz="2800" dirty="0">
+              <a:gradFill>
+                <a:gsLst>
+                  <a:gs pos="2917">
+                    <a:schemeClr val="tx1"/>
+                  </a:gs>
+                  <a:gs pos="30000">
+                    <a:schemeClr val="tx1"/>
+                  </a:gs>
+                </a:gsLst>
+                <a:lin ang="5400000" scaled="0"/>
+              </a:gradFill>
+              <a:latin typeface="+mj-lt"/>
+            </a:endParaRPr>
+          </a:p>
+          <a:p>
+            <a:pPr marL="514350" indent="-514350">
+              <a:lnSpc>
+                <a:spcPct val="90000"/>
+              </a:lnSpc>
+              <a:spcAft>
+                <a:spcPts val="600"/>
+              </a:spcAft>
+              <a:buFont typeface="+mj-lt"/>
+              <a:buAutoNum type="arabicPeriod"/>
+            </a:pPr>
+            <a:r>
+              <a:rPr lang="en-US" sz="2800" dirty="0">
+                <a:gradFill>
+                  <a:gsLst>
+                    <a:gs pos="2917">
+                      <a:schemeClr val="tx1"/>
+                    </a:gs>
+                    <a:gs pos="30000">
+                      <a:schemeClr val="tx1"/>
+                    </a:gs>
+                  </a:gsLst>
+                  <a:lin ang="5400000" scaled="0"/>
+                </a:gradFill>
+                <a:latin typeface="+mj-lt"/>
+              </a:rPr>
+              <a:t>Deploy the Application in a secure manner as to allow for the frontend applications to access the backend customer data.</a:t>
             </a:r>
           </a:p>
           <a:p>
             <a:pPr>
+              <a:lnSpc>
+                <a:spcPct val="90000"/>
+              </a:lnSpc>
               <a:spcAft>
                 <a:spcPts val="600"/>
               </a:spcAft>
@@ -16414,40 +16075,12 @@
               </a:gradFill>
             </a:endParaRPr>
           </a:p>
-          <a:p>
-            <a:pPr marL="571500" indent="-571500">
-              <a:spcAft>
-                <a:spcPts val="600"/>
-              </a:spcAft>
-              <a:buFont typeface="Arial" panose="020B0604020202020204" pitchFamily="34" charset="0"/>
-              <a:buChar char="•"/>
-            </a:pPr>
-            <a:r>
-              <a:rPr lang="en-US" sz="3200" dirty="0">
-                <a:gradFill>
-                  <a:gsLst>
-                    <a:gs pos="2917">
-                      <a:schemeClr val="tx1"/>
-                    </a:gs>
-                    <a:gs pos="30000">
-                      <a:schemeClr val="tx1"/>
-                    </a:gs>
-                  </a:gsLst>
-                  <a:lin ang="5400000" scaled="0"/>
-                </a:gradFill>
-              </a:rPr>
-              <a:t>Doreen Newton took on the challenge to investigate alternatives by turning to FusionTumo.</a:t>
-            </a:r>
-          </a:p>
-          <a:p>
-            <a:endParaRPr lang="en-US" dirty="0"/>
-          </a:p>
         </p:txBody>
       </p:sp>
     </p:spTree>
     <p:extLst>
       <p:ext uri="{BB962C8B-B14F-4D97-AF65-F5344CB8AC3E}">
-        <p14:creationId xmlns:p14="http://schemas.microsoft.com/office/powerpoint/2010/main" val="3858583010"/>
+        <p14:creationId xmlns:p14="http://schemas.microsoft.com/office/powerpoint/2010/main" val="2215405278"/>
       </p:ext>
     </p:extLst>
   </p:cSld>
@@ -16539,8 +16172,8 @@
         </p:nvSpPr>
         <p:spPr>
           <a:xfrm>
-            <a:off x="353216" y="1401673"/>
-            <a:ext cx="11215396" cy="5333768"/>
+            <a:off x="269240" y="1478723"/>
+            <a:ext cx="11720596" cy="4869025"/>
           </a:xfrm>
           <a:prstGeom prst="rect">
             <a:avLst/>
@@ -16561,7 +16194,7 @@
                 <a:spcPts val="600"/>
               </a:spcAft>
               <a:buFont typeface="+mj-lt"/>
-              <a:buAutoNum type="arabicPeriod"/>
+              <a:buAutoNum type="arabicPeriod" startAt="4"/>
             </a:pPr>
             <a:r>
               <a:rPr lang="en-US" sz="2800" dirty="0">
@@ -16576,9 +16209,8 @@
                   </a:gsLst>
                   <a:lin ang="5400000" scaled="0"/>
                 </a:gradFill>
-                <a:latin typeface="+mj-lt"/>
               </a:rPr>
-              <a:t>Design a hybrid-cloud architecture that is native Azure end-to-end without the need for hosting the application in a Contoso owned datacenter.</a:t>
+              <a:t>Establish direct connectivity from the new regional headquarters in Dallas to the deployments. This will allow communication with existing systems and reporting until the rest of Contoso’s services and moved to Azure in the future.</a:t>
             </a:r>
           </a:p>
           <a:p>
@@ -16590,115 +16222,7 @@
                 <a:spcPts val="600"/>
               </a:spcAft>
               <a:buFont typeface="+mj-lt"/>
-              <a:buAutoNum type="arabicPeriod"/>
-            </a:pPr>
-            <a:endParaRPr lang="en-US" sz="2800" dirty="0">
-              <a:gradFill>
-                <a:gsLst>
-                  <a:gs pos="2917">
-                    <a:schemeClr val="tx1"/>
-                  </a:gs>
-                  <a:gs pos="30000">
-                    <a:schemeClr val="tx1"/>
-                  </a:gs>
-                </a:gsLst>
-                <a:lin ang="5400000" scaled="0"/>
-              </a:gradFill>
-              <a:latin typeface="+mj-lt"/>
-            </a:endParaRPr>
-          </a:p>
-          <a:p>
-            <a:pPr marL="514350" indent="-514350">
-              <a:lnSpc>
-                <a:spcPct val="90000"/>
-              </a:lnSpc>
-              <a:spcAft>
-                <a:spcPts val="600"/>
-              </a:spcAft>
-              <a:buFont typeface="+mj-lt"/>
-              <a:buAutoNum type="arabicPeriod"/>
-            </a:pPr>
-            <a:r>
-              <a:rPr lang="en-US" sz="2800" dirty="0">
-                <a:gradFill>
-                  <a:gsLst>
-                    <a:gs pos="2917">
-                      <a:schemeClr val="tx1"/>
-                    </a:gs>
-                    <a:gs pos="30000">
-                      <a:schemeClr val="tx1"/>
-                    </a:gs>
-                  </a:gsLst>
-                  <a:lin ang="5400000" scaled="0"/>
-                </a:gradFill>
-                <a:latin typeface="+mj-lt"/>
-              </a:rPr>
-              <a:t>The design should ensure that customer data is not stored in the Azure Cloud while also allowing future applications to be easily deployed in Azure with access to custom data regardless of where they are deployed.</a:t>
-            </a:r>
-          </a:p>
-          <a:p>
-            <a:pPr marL="514350" indent="-514350">
-              <a:lnSpc>
-                <a:spcPct val="90000"/>
-              </a:lnSpc>
-              <a:spcAft>
-                <a:spcPts val="600"/>
-              </a:spcAft>
-              <a:buFont typeface="+mj-lt"/>
-              <a:buAutoNum type="arabicPeriod"/>
-            </a:pPr>
-            <a:endParaRPr lang="en-US" sz="2800" dirty="0">
-              <a:gradFill>
-                <a:gsLst>
-                  <a:gs pos="2917">
-                    <a:schemeClr val="tx1"/>
-                  </a:gs>
-                  <a:gs pos="30000">
-                    <a:schemeClr val="tx1"/>
-                  </a:gs>
-                </a:gsLst>
-                <a:lin ang="5400000" scaled="0"/>
-              </a:gradFill>
-              <a:latin typeface="+mj-lt"/>
-            </a:endParaRPr>
-          </a:p>
-          <a:p>
-            <a:pPr marL="514350" indent="-514350">
-              <a:lnSpc>
-                <a:spcPct val="90000"/>
-              </a:lnSpc>
-              <a:spcAft>
-                <a:spcPts val="600"/>
-              </a:spcAft>
-              <a:buFont typeface="+mj-lt"/>
-              <a:buAutoNum type="arabicPeriod"/>
-            </a:pPr>
-            <a:r>
-              <a:rPr lang="en-US" sz="2800" dirty="0">
-                <a:gradFill>
-                  <a:gsLst>
-                    <a:gs pos="2917">
-                      <a:schemeClr val="tx1"/>
-                    </a:gs>
-                    <a:gs pos="30000">
-                      <a:schemeClr val="tx1"/>
-                    </a:gs>
-                  </a:gsLst>
-                  <a:lin ang="5400000" scaled="0"/>
-                </a:gradFill>
-                <a:latin typeface="+mj-lt"/>
-              </a:rPr>
-              <a:t>Deploy the application in a secure manner as to allow for the frontend applications to access the backend customer data.</a:t>
-            </a:r>
-          </a:p>
-          <a:p>
-            <a:pPr>
-              <a:lnSpc>
-                <a:spcPct val="90000"/>
-              </a:lnSpc>
-              <a:spcAft>
-                <a:spcPts val="600"/>
-              </a:spcAft>
+              <a:buAutoNum type="arabicPeriod" startAt="4"/>
             </a:pPr>
             <a:endParaRPr lang="en-US" sz="2800" dirty="0">
               <a:gradFill>
@@ -16714,12 +16238,93 @@
               </a:gradFill>
             </a:endParaRPr>
           </a:p>
+          <a:p>
+            <a:pPr marL="514350" indent="-514350">
+              <a:lnSpc>
+                <a:spcPct val="90000"/>
+              </a:lnSpc>
+              <a:spcAft>
+                <a:spcPts val="600"/>
+              </a:spcAft>
+              <a:buFont typeface="+mj-lt"/>
+              <a:buAutoNum type="arabicPeriod" startAt="4"/>
+            </a:pPr>
+            <a:r>
+              <a:rPr lang="en-US" sz="2800" dirty="0">
+                <a:gradFill>
+                  <a:gsLst>
+                    <a:gs pos="2917">
+                      <a:schemeClr val="tx1"/>
+                    </a:gs>
+                    <a:gs pos="30000">
+                      <a:schemeClr val="tx1"/>
+                    </a:gs>
+                  </a:gsLst>
+                  <a:lin ang="5400000" scaled="0"/>
+                </a:gradFill>
+              </a:rPr>
+              <a:t>Allow for a consistent application deployment model using Azure ARM Templates and CI/CD.</a:t>
+            </a:r>
+          </a:p>
+          <a:p>
+            <a:pPr marL="514350" indent="-514350">
+              <a:lnSpc>
+                <a:spcPct val="90000"/>
+              </a:lnSpc>
+              <a:spcAft>
+                <a:spcPts val="600"/>
+              </a:spcAft>
+              <a:buFont typeface="+mj-lt"/>
+              <a:buAutoNum type="arabicPeriod" startAt="4"/>
+            </a:pPr>
+            <a:endParaRPr lang="en-US" sz="2800" dirty="0">
+              <a:gradFill>
+                <a:gsLst>
+                  <a:gs pos="2917">
+                    <a:schemeClr val="tx1"/>
+                  </a:gs>
+                  <a:gs pos="30000">
+                    <a:schemeClr val="tx1"/>
+                  </a:gs>
+                </a:gsLst>
+                <a:lin ang="5400000" scaled="0"/>
+              </a:gradFill>
+            </a:endParaRPr>
+          </a:p>
+          <a:p>
+            <a:pPr marL="514350" indent="-514350">
+              <a:lnSpc>
+                <a:spcPct val="90000"/>
+              </a:lnSpc>
+              <a:spcAft>
+                <a:spcPts val="600"/>
+              </a:spcAft>
+              <a:buFont typeface="+mj-lt"/>
+              <a:buAutoNum type="arabicPeriod" startAt="4"/>
+            </a:pPr>
+            <a:r>
+              <a:rPr lang="en-US" sz="2800" dirty="0">
+                <a:gradFill>
+                  <a:gsLst>
+                    <a:gs pos="2917">
+                      <a:schemeClr val="tx1"/>
+                    </a:gs>
+                    <a:gs pos="30000">
+                      <a:schemeClr val="tx1"/>
+                    </a:gs>
+                  </a:gsLst>
+                  <a:lin ang="5400000" scaled="0"/>
+                </a:gradFill>
+              </a:rPr>
+              <a:t>Detail the Taxonomy that will be leveraged for the hybrid-cloud including the Resource Providers (RP). This includes Tenants, Regions, Subscriptions, Offers, Plans, Services and Quota.</a:t>
+            </a:r>
+          </a:p>
         </p:txBody>
       </p:sp>
     </p:spTree>
     <p:extLst>
       <p:ext uri="{BB962C8B-B14F-4D97-AF65-F5344CB8AC3E}">
-        <p14:creationId xmlns:p14="http://schemas.microsoft.com/office/powerpoint/2010/main" val="2215405278"/>
+        <p14:creationId xmlns:p14="http://schemas.microsoft.com/office/powerpoint/2010/main" val="3923265977"/>
       </p:ext>
     </p:extLst>
   </p:cSld>
@@ -16778,7 +16383,15 @@
                 </a:solidFill>
                 <a:cs typeface="Segoe UI" panose="020B0502040204020203" pitchFamily="34" charset="0"/>
               </a:rPr>
-              <a:t>Customer needs</a:t>
+              <a:t>Customer </a:t>
+            </a:r>
+            <a:r>
+              <a:rPr lang="en-US" sz="4900" dirty="0">
+                <a:solidFill>
+                  <a:schemeClr val="tx1"/>
+                </a:solidFill>
+              </a:rPr>
+              <a:t>objections</a:t>
             </a:r>
             <a:br>
               <a:rPr lang="en-US" dirty="0">
@@ -16811,949 +16424,8 @@
         </p:nvSpPr>
         <p:spPr>
           <a:xfrm>
-            <a:off x="269240" y="1478723"/>
-            <a:ext cx="11720596" cy="4869025"/>
-          </a:xfrm>
-          <a:prstGeom prst="rect">
-            <a:avLst/>
-          </a:prstGeom>
-          <a:noFill/>
-        </p:spPr>
-        <p:txBody>
-          <a:bodyPr wrap="square" lIns="182880" tIns="146304" rIns="182880" bIns="146304" rtlCol="0">
-            <a:spAutoFit/>
-          </a:bodyPr>
-          <a:lstStyle/>
-          <a:p>
-            <a:pPr marL="514350" indent="-514350">
-              <a:lnSpc>
-                <a:spcPct val="90000"/>
-              </a:lnSpc>
-              <a:spcAft>
-                <a:spcPts val="600"/>
-              </a:spcAft>
-              <a:buFont typeface="+mj-lt"/>
-              <a:buAutoNum type="arabicPeriod" startAt="4"/>
-            </a:pPr>
-            <a:r>
-              <a:rPr lang="en-US" sz="2800" dirty="0">
-                <a:gradFill>
-                  <a:gsLst>
-                    <a:gs pos="2917">
-                      <a:schemeClr val="tx1"/>
-                    </a:gs>
-                    <a:gs pos="30000">
-                      <a:schemeClr val="tx1"/>
-                    </a:gs>
-                  </a:gsLst>
-                  <a:lin ang="5400000" scaled="0"/>
-                </a:gradFill>
-              </a:rPr>
-              <a:t>Establish direct connectivity from the new regional headquarters in Dallas to the deployments. This will allow communication with existing systems and reporting until the rest of Contoso’s services and moved to Azure in the future.</a:t>
-            </a:r>
-          </a:p>
-          <a:p>
-            <a:pPr marL="514350" indent="-514350">
-              <a:lnSpc>
-                <a:spcPct val="90000"/>
-              </a:lnSpc>
-              <a:spcAft>
-                <a:spcPts val="600"/>
-              </a:spcAft>
-              <a:buFont typeface="+mj-lt"/>
-              <a:buAutoNum type="arabicPeriod" startAt="4"/>
-            </a:pPr>
-            <a:endParaRPr lang="en-US" sz="2800" dirty="0">
-              <a:gradFill>
-                <a:gsLst>
-                  <a:gs pos="2917">
-                    <a:schemeClr val="tx1"/>
-                  </a:gs>
-                  <a:gs pos="30000">
-                    <a:schemeClr val="tx1"/>
-                  </a:gs>
-                </a:gsLst>
-                <a:lin ang="5400000" scaled="0"/>
-              </a:gradFill>
-            </a:endParaRPr>
-          </a:p>
-          <a:p>
-            <a:pPr marL="514350" indent="-514350">
-              <a:lnSpc>
-                <a:spcPct val="90000"/>
-              </a:lnSpc>
-              <a:spcAft>
-                <a:spcPts val="600"/>
-              </a:spcAft>
-              <a:buFont typeface="+mj-lt"/>
-              <a:buAutoNum type="arabicPeriod" startAt="4"/>
-            </a:pPr>
-            <a:r>
-              <a:rPr lang="en-US" sz="2800" dirty="0">
-                <a:gradFill>
-                  <a:gsLst>
-                    <a:gs pos="2917">
-                      <a:schemeClr val="tx1"/>
-                    </a:gs>
-                    <a:gs pos="30000">
-                      <a:schemeClr val="tx1"/>
-                    </a:gs>
-                  </a:gsLst>
-                  <a:lin ang="5400000" scaled="0"/>
-                </a:gradFill>
-              </a:rPr>
-              <a:t>Allow for a consistent application deployment model using Azure ARM Templates and CI/CD.</a:t>
-            </a:r>
-          </a:p>
-          <a:p>
-            <a:pPr marL="514350" indent="-514350">
-              <a:lnSpc>
-                <a:spcPct val="90000"/>
-              </a:lnSpc>
-              <a:spcAft>
-                <a:spcPts val="600"/>
-              </a:spcAft>
-              <a:buFont typeface="+mj-lt"/>
-              <a:buAutoNum type="arabicPeriod" startAt="4"/>
-            </a:pPr>
-            <a:endParaRPr lang="en-US" sz="2800" dirty="0">
-              <a:gradFill>
-                <a:gsLst>
-                  <a:gs pos="2917">
-                    <a:schemeClr val="tx1"/>
-                  </a:gs>
-                  <a:gs pos="30000">
-                    <a:schemeClr val="tx1"/>
-                  </a:gs>
-                </a:gsLst>
-                <a:lin ang="5400000" scaled="0"/>
-              </a:gradFill>
-            </a:endParaRPr>
-          </a:p>
-          <a:p>
-            <a:pPr marL="514350" indent="-514350">
-              <a:lnSpc>
-                <a:spcPct val="90000"/>
-              </a:lnSpc>
-              <a:spcAft>
-                <a:spcPts val="600"/>
-              </a:spcAft>
-              <a:buFont typeface="+mj-lt"/>
-              <a:buAutoNum type="arabicPeriod" startAt="4"/>
-            </a:pPr>
-            <a:r>
-              <a:rPr lang="en-US" sz="2800" dirty="0">
-                <a:gradFill>
-                  <a:gsLst>
-                    <a:gs pos="2917">
-                      <a:schemeClr val="tx1"/>
-                    </a:gs>
-                    <a:gs pos="30000">
-                      <a:schemeClr val="tx1"/>
-                    </a:gs>
-                  </a:gsLst>
-                  <a:lin ang="5400000" scaled="0"/>
-                </a:gradFill>
-              </a:rPr>
-              <a:t>Detail the Taxonomy that will be leveraged for the hybrid-cloud including the Resource Providers (RP). This includes Tenants, Regions, Subscriptions, Offers, Plans, Services and Quota.</a:t>
-            </a:r>
-          </a:p>
-        </p:txBody>
-      </p:sp>
-    </p:spTree>
-    <p:extLst>
-      <p:ext uri="{BB962C8B-B14F-4D97-AF65-F5344CB8AC3E}">
-        <p14:creationId xmlns:p14="http://schemas.microsoft.com/office/powerpoint/2010/main" val="4155581035"/>
-      </p:ext>
-    </p:extLst>
-  </p:cSld>
-  <p:clrMapOvr>
-    <a:masterClrMapping/>
-  </p:clrMapOvr>
-  <mc:AlternateContent xmlns:mc="http://schemas.openxmlformats.org/markup-compatibility/2006" xmlns:p14="http://schemas.microsoft.com/office/powerpoint/2010/main">
-    <mc:Choice Requires="p14">
-      <p:transition p14:dur="0"/>
-    </mc:Choice>
-    <mc:Fallback xmlns="">
-      <p:transition/>
-    </mc:Fallback>
-  </mc:AlternateContent>
-</p:sld>
-</file>
-
-<file path=ppt/slides/slide13.xml><?xml version="1.0" encoding="utf-8"?>
-<p:sld xmlns:a="http://schemas.openxmlformats.org/drawingml/2006/main" xmlns:r="http://schemas.openxmlformats.org/officeDocument/2006/relationships" xmlns:p="http://schemas.openxmlformats.org/presentationml/2006/main">
-  <p:cSld>
-    <p:spTree>
-      <p:nvGrpSpPr>
-        <p:cNvPr id="1" name=""/>
-        <p:cNvGrpSpPr/>
-        <p:nvPr/>
-      </p:nvGrpSpPr>
-      <p:grpSpPr>
-        <a:xfrm>
-          <a:off x="0" y="0"/>
-          <a:ext cx="0" cy="0"/>
-          <a:chOff x="0" y="0"/>
-          <a:chExt cx="0" cy="0"/>
-        </a:xfrm>
-      </p:grpSpPr>
-      <p:sp>
-        <p:nvSpPr>
-          <p:cNvPr id="2" name="Title 1"/>
-          <p:cNvSpPr>
-            <a:spLocks noGrp="1"/>
-          </p:cNvSpPr>
-          <p:nvPr>
-            <p:ph type="title"/>
-          </p:nvPr>
-        </p:nvSpPr>
-        <p:spPr/>
-        <p:txBody>
-          <a:bodyPr>
-            <a:normAutofit fontScale="90000"/>
-          </a:bodyPr>
-          <a:lstStyle/>
-          <a:p>
-            <a:r>
-              <a:rPr lang="en-US" sz="4900" dirty="0">
-                <a:solidFill>
-                  <a:schemeClr val="tx1"/>
-                </a:solidFill>
-                <a:cs typeface="Segoe UI" panose="020B0502040204020203" pitchFamily="34" charset="0"/>
-              </a:rPr>
-              <a:t>Customer needs</a:t>
-            </a:r>
-            <a:br>
-              <a:rPr lang="en-US" dirty="0">
-                <a:solidFill>
-                  <a:schemeClr val="tx1"/>
-                </a:solidFill>
-                <a:latin typeface="Segoe UI" panose="020B0502040204020203" pitchFamily="34" charset="0"/>
-              </a:rPr>
-            </a:br>
-            <a:endParaRPr lang="en-US" sz="3236" dirty="0">
-              <a:solidFill>
-                <a:schemeClr val="tx1"/>
-              </a:solidFill>
-              <a:latin typeface="Segoe UI" panose="020B0502040204020203" pitchFamily="34" charset="0"/>
-            </a:endParaRPr>
-          </a:p>
-        </p:txBody>
-      </p:sp>
-      <p:sp>
-        <p:nvSpPr>
-          <p:cNvPr id="9" name="TextBox 8">
-            <a:extLst>
-              <a:ext uri="{FF2B5EF4-FFF2-40B4-BE49-F238E27FC236}">
-                <a16:creationId xmlns:a16="http://schemas.microsoft.com/office/drawing/2014/main" id="{1436F8EA-C4FB-4C98-AEB1-08DF6713D14E}"/>
-              </a:ext>
-            </a:extLst>
-          </p:cNvPr>
-          <p:cNvSpPr txBox="1"/>
-          <p:nvPr/>
-        </p:nvSpPr>
-        <p:spPr>
-          <a:xfrm>
-            <a:off x="269240" y="1478723"/>
-            <a:ext cx="11720596" cy="4481227"/>
-          </a:xfrm>
-          <a:prstGeom prst="rect">
-            <a:avLst/>
-          </a:prstGeom>
-          <a:noFill/>
-        </p:spPr>
-        <p:txBody>
-          <a:bodyPr wrap="square" lIns="182880" tIns="146304" rIns="182880" bIns="146304" rtlCol="0">
-            <a:spAutoFit/>
-          </a:bodyPr>
-          <a:lstStyle/>
-          <a:p>
-            <a:pPr marL="514350" indent="-514350">
-              <a:lnSpc>
-                <a:spcPct val="90000"/>
-              </a:lnSpc>
-              <a:spcAft>
-                <a:spcPts val="600"/>
-              </a:spcAft>
-              <a:buFont typeface="+mj-lt"/>
-              <a:buAutoNum type="arabicPeriod" startAt="7"/>
-            </a:pPr>
-            <a:r>
-              <a:rPr lang="en-US" sz="2800" dirty="0">
-                <a:gradFill>
-                  <a:gsLst>
-                    <a:gs pos="2917">
-                      <a:schemeClr val="tx1"/>
-                    </a:gs>
-                    <a:gs pos="30000">
-                      <a:schemeClr val="tx1"/>
-                    </a:gs>
-                  </a:gsLst>
-                  <a:lin ang="5400000" scaled="0"/>
-                </a:gradFill>
-              </a:rPr>
-              <a:t>Design an integration model that would allow resource access for both Contoso and </a:t>
-            </a:r>
-            <a:r>
-              <a:rPr lang="en-US" sz="2800" dirty="0" err="1">
-                <a:gradFill>
-                  <a:gsLst>
-                    <a:gs pos="2917">
-                      <a:schemeClr val="tx1"/>
-                    </a:gs>
-                    <a:gs pos="30000">
-                      <a:schemeClr val="tx1"/>
-                    </a:gs>
-                  </a:gsLst>
-                  <a:lin ang="5400000" scaled="0"/>
-                </a:gradFill>
-              </a:rPr>
-              <a:t>Fabrikam</a:t>
-            </a:r>
-            <a:r>
-              <a:rPr lang="en-US" sz="2800" dirty="0">
-                <a:gradFill>
-                  <a:gsLst>
-                    <a:gs pos="2917">
-                      <a:schemeClr val="tx1"/>
-                    </a:gs>
-                    <a:gs pos="30000">
-                      <a:schemeClr val="tx1"/>
-                    </a:gs>
-                  </a:gsLst>
-                  <a:lin ang="5400000" scaled="0"/>
-                </a:gradFill>
-              </a:rPr>
-              <a:t> users.</a:t>
-            </a:r>
-          </a:p>
-          <a:p>
-            <a:pPr marL="514350" indent="-514350">
-              <a:lnSpc>
-                <a:spcPct val="90000"/>
-              </a:lnSpc>
-              <a:spcAft>
-                <a:spcPts val="600"/>
-              </a:spcAft>
-              <a:buFont typeface="+mj-lt"/>
-              <a:buAutoNum type="arabicPeriod" startAt="7"/>
-            </a:pPr>
-            <a:endParaRPr lang="en-US" sz="2800" dirty="0">
-              <a:gradFill>
-                <a:gsLst>
-                  <a:gs pos="2917">
-                    <a:schemeClr val="tx1"/>
-                  </a:gs>
-                  <a:gs pos="30000">
-                    <a:schemeClr val="tx1"/>
-                  </a:gs>
-                </a:gsLst>
-                <a:lin ang="5400000" scaled="0"/>
-              </a:gradFill>
-            </a:endParaRPr>
-          </a:p>
-          <a:p>
-            <a:pPr marL="514350" indent="-514350">
-              <a:lnSpc>
-                <a:spcPct val="90000"/>
-              </a:lnSpc>
-              <a:spcAft>
-                <a:spcPts val="600"/>
-              </a:spcAft>
-              <a:buFont typeface="+mj-lt"/>
-              <a:buAutoNum type="arabicPeriod" startAt="7"/>
-            </a:pPr>
-            <a:r>
-              <a:rPr lang="en-US" sz="2800" dirty="0">
-                <a:gradFill>
-                  <a:gsLst>
-                    <a:gs pos="2917">
-                      <a:schemeClr val="tx1"/>
-                    </a:gs>
-                    <a:gs pos="30000">
-                      <a:schemeClr val="tx1"/>
-                    </a:gs>
-                  </a:gsLst>
-                  <a:lin ang="5400000" scaled="0"/>
-                </a:gradFill>
-              </a:rPr>
-              <a:t>Propose a self-service approach that will allow Contoso and </a:t>
-            </a:r>
-            <a:r>
-              <a:rPr lang="en-US" sz="2800" dirty="0" err="1">
-                <a:gradFill>
-                  <a:gsLst>
-                    <a:gs pos="2917">
-                      <a:schemeClr val="tx1"/>
-                    </a:gs>
-                    <a:gs pos="30000">
-                      <a:schemeClr val="tx1"/>
-                    </a:gs>
-                  </a:gsLst>
-                  <a:lin ang="5400000" scaled="0"/>
-                </a:gradFill>
-              </a:rPr>
-              <a:t>Fabrikam</a:t>
-            </a:r>
-            <a:r>
-              <a:rPr lang="en-US" sz="2800" dirty="0">
-                <a:gradFill>
-                  <a:gsLst>
-                    <a:gs pos="2917">
-                      <a:schemeClr val="tx1"/>
-                    </a:gs>
-                    <a:gs pos="30000">
-                      <a:schemeClr val="tx1"/>
-                    </a:gs>
-                  </a:gsLst>
-                  <a:lin ang="5400000" scaled="0"/>
-                </a:gradFill>
-              </a:rPr>
-              <a:t> developers provision their own resources from the service catalog offered by infrastructure teams. The scope of resources available in service catalog must be controlled centrally, with an oversight by designated Contoso and </a:t>
-            </a:r>
-            <a:r>
-              <a:rPr lang="en-US" sz="2800" dirty="0" err="1">
-                <a:gradFill>
-                  <a:gsLst>
-                    <a:gs pos="2917">
-                      <a:schemeClr val="tx1"/>
-                    </a:gs>
-                    <a:gs pos="30000">
-                      <a:schemeClr val="tx1"/>
-                    </a:gs>
-                  </a:gsLst>
-                  <a:lin ang="5400000" scaled="0"/>
-                </a:gradFill>
-              </a:rPr>
-              <a:t>Fabrikam</a:t>
-            </a:r>
-            <a:r>
-              <a:rPr lang="en-US" sz="2800" dirty="0">
-                <a:gradFill>
-                  <a:gsLst>
-                    <a:gs pos="2917">
-                      <a:schemeClr val="tx1"/>
-                    </a:gs>
-                    <a:gs pos="30000">
-                      <a:schemeClr val="tx1"/>
-                    </a:gs>
-                  </a:gsLst>
-                  <a:lin ang="5400000" scaled="0"/>
-                </a:gradFill>
-              </a:rPr>
-              <a:t> administrators.</a:t>
-            </a:r>
-          </a:p>
-          <a:p>
-            <a:pPr marL="514350" indent="-514350">
-              <a:lnSpc>
-                <a:spcPct val="90000"/>
-              </a:lnSpc>
-              <a:spcAft>
-                <a:spcPts val="600"/>
-              </a:spcAft>
-              <a:buFont typeface="+mj-lt"/>
-              <a:buAutoNum type="arabicPeriod" startAt="7"/>
-            </a:pPr>
-            <a:endParaRPr lang="en-US" sz="2800" dirty="0">
-              <a:gradFill>
-                <a:gsLst>
-                  <a:gs pos="2917">
-                    <a:schemeClr val="tx1"/>
-                  </a:gs>
-                  <a:gs pos="30000">
-                    <a:schemeClr val="tx1"/>
-                  </a:gs>
-                </a:gsLst>
-                <a:lin ang="5400000" scaled="0"/>
-              </a:gradFill>
-            </a:endParaRPr>
-          </a:p>
-          <a:p>
-            <a:pPr>
-              <a:lnSpc>
-                <a:spcPct val="90000"/>
-              </a:lnSpc>
-              <a:spcAft>
-                <a:spcPts val="600"/>
-              </a:spcAft>
-            </a:pPr>
-            <a:endParaRPr lang="en-US" sz="2800" dirty="0">
-              <a:gradFill>
-                <a:gsLst>
-                  <a:gs pos="2917">
-                    <a:schemeClr val="tx1"/>
-                  </a:gs>
-                  <a:gs pos="30000">
-                    <a:schemeClr val="tx1"/>
-                  </a:gs>
-                </a:gsLst>
-                <a:lin ang="5400000" scaled="0"/>
-              </a:gradFill>
-            </a:endParaRPr>
-          </a:p>
-        </p:txBody>
-      </p:sp>
-    </p:spTree>
-    <p:extLst>
-      <p:ext uri="{BB962C8B-B14F-4D97-AF65-F5344CB8AC3E}">
-        <p14:creationId xmlns:p14="http://schemas.microsoft.com/office/powerpoint/2010/main" val="3923265977"/>
-      </p:ext>
-    </p:extLst>
-  </p:cSld>
-  <p:clrMapOvr>
-    <a:masterClrMapping/>
-  </p:clrMapOvr>
-  <mc:AlternateContent xmlns:mc="http://schemas.openxmlformats.org/markup-compatibility/2006" xmlns:p14="http://schemas.microsoft.com/office/powerpoint/2010/main">
-    <mc:Choice Requires="p14">
-      <p:transition p14:dur="0"/>
-    </mc:Choice>
-    <mc:Fallback xmlns="">
-      <p:transition/>
-    </mc:Fallback>
-  </mc:AlternateContent>
-</p:sld>
-</file>
-
-<file path=ppt/slides/slide14.xml><?xml version="1.0" encoding="utf-8"?>
-<p:sld xmlns:a="http://schemas.openxmlformats.org/drawingml/2006/main" xmlns:r="http://schemas.openxmlformats.org/officeDocument/2006/relationships" xmlns:p="http://schemas.openxmlformats.org/presentationml/2006/main">
-  <p:cSld>
-    <p:spTree>
-      <p:nvGrpSpPr>
-        <p:cNvPr id="1" name=""/>
-        <p:cNvGrpSpPr/>
-        <p:nvPr/>
-      </p:nvGrpSpPr>
-      <p:grpSpPr>
-        <a:xfrm>
-          <a:off x="0" y="0"/>
-          <a:ext cx="0" cy="0"/>
-          <a:chOff x="0" y="0"/>
-          <a:chExt cx="0" cy="0"/>
-        </a:xfrm>
-      </p:grpSpPr>
-      <p:sp>
-        <p:nvSpPr>
-          <p:cNvPr id="2" name="Title 1"/>
-          <p:cNvSpPr>
-            <a:spLocks noGrp="1"/>
-          </p:cNvSpPr>
-          <p:nvPr>
-            <p:ph type="title"/>
-          </p:nvPr>
-        </p:nvSpPr>
-        <p:spPr/>
-        <p:txBody>
-          <a:bodyPr>
-            <a:normAutofit fontScale="90000"/>
-          </a:bodyPr>
-          <a:lstStyle/>
-          <a:p>
-            <a:r>
-              <a:rPr lang="en-US" sz="4900" dirty="0">
-                <a:solidFill>
-                  <a:schemeClr val="tx1"/>
-                </a:solidFill>
-                <a:cs typeface="Segoe UI" panose="020B0502040204020203" pitchFamily="34" charset="0"/>
-              </a:rPr>
-              <a:t>Customer needs</a:t>
-            </a:r>
-            <a:br>
-              <a:rPr lang="en-US" dirty="0">
-                <a:solidFill>
-                  <a:schemeClr val="tx1"/>
-                </a:solidFill>
-                <a:latin typeface="Segoe UI" panose="020B0502040204020203" pitchFamily="34" charset="0"/>
-              </a:rPr>
-            </a:br>
-            <a:endParaRPr lang="en-US" sz="3236" dirty="0">
-              <a:solidFill>
-                <a:schemeClr val="tx1"/>
-              </a:solidFill>
-              <a:latin typeface="Segoe UI" panose="020B0502040204020203" pitchFamily="34" charset="0"/>
-            </a:endParaRPr>
-          </a:p>
-        </p:txBody>
-      </p:sp>
-      <p:sp>
-        <p:nvSpPr>
-          <p:cNvPr id="9" name="TextBox 8">
-            <a:extLst>
-              <a:ext uri="{FF2B5EF4-FFF2-40B4-BE49-F238E27FC236}">
-                <a16:creationId xmlns:a16="http://schemas.microsoft.com/office/drawing/2014/main" id="{1436F8EA-C4FB-4C98-AEB1-08DF6713D14E}"/>
-              </a:ext>
-            </a:extLst>
-          </p:cNvPr>
-          <p:cNvSpPr txBox="1"/>
-          <p:nvPr/>
-        </p:nvSpPr>
-        <p:spPr>
-          <a:xfrm>
-            <a:off x="269240" y="1478723"/>
-            <a:ext cx="11720596" cy="5798510"/>
-          </a:xfrm>
-          <a:prstGeom prst="rect">
-            <a:avLst/>
-          </a:prstGeom>
-          <a:noFill/>
-        </p:spPr>
-        <p:txBody>
-          <a:bodyPr wrap="square" lIns="182880" tIns="146304" rIns="182880" bIns="146304" rtlCol="0">
-            <a:spAutoFit/>
-          </a:bodyPr>
-          <a:lstStyle/>
-          <a:p>
-            <a:pPr marL="514350" indent="-514350">
-              <a:lnSpc>
-                <a:spcPct val="90000"/>
-              </a:lnSpc>
-              <a:spcAft>
-                <a:spcPts val="600"/>
-              </a:spcAft>
-              <a:buFont typeface="+mj-lt"/>
-              <a:buAutoNum type="arabicPeriod" startAt="9"/>
-            </a:pPr>
-            <a:r>
-              <a:rPr lang="en-US" sz="2800" dirty="0">
-                <a:gradFill>
-                  <a:gsLst>
-                    <a:gs pos="2917">
-                      <a:schemeClr val="tx1"/>
-                    </a:gs>
-                    <a:gs pos="30000">
-                      <a:schemeClr val="tx1"/>
-                    </a:gs>
-                  </a:gsLst>
-                  <a:lin ang="5400000" scaled="0"/>
-                </a:gradFill>
-              </a:rPr>
-              <a:t>Recommend a procedure for delegation of permissions that would not only allow designated </a:t>
-            </a:r>
-            <a:r>
-              <a:rPr lang="en-US" sz="2800" dirty="0" err="1">
-                <a:gradFill>
-                  <a:gsLst>
-                    <a:gs pos="2917">
-                      <a:schemeClr val="tx1"/>
-                    </a:gs>
-                    <a:gs pos="30000">
-                      <a:schemeClr val="tx1"/>
-                    </a:gs>
-                  </a:gsLst>
-                  <a:lin ang="5400000" scaled="0"/>
-                </a:gradFill>
-              </a:rPr>
-              <a:t>Fabrikam</a:t>
-            </a:r>
-            <a:r>
-              <a:rPr lang="en-US" sz="2800" dirty="0">
-                <a:gradFill>
-                  <a:gsLst>
-                    <a:gs pos="2917">
-                      <a:schemeClr val="tx1"/>
-                    </a:gs>
-                    <a:gs pos="30000">
-                      <a:schemeClr val="tx1"/>
-                    </a:gs>
-                  </a:gsLst>
-                  <a:lin ang="5400000" scaled="0"/>
-                </a:gradFill>
-              </a:rPr>
-              <a:t> IT admins to manage Contoso infrastructure but also account for the need to provide limited access to the Contoso internal audit team.</a:t>
-            </a:r>
-          </a:p>
-          <a:p>
-            <a:pPr marL="514350" indent="-514350">
-              <a:lnSpc>
-                <a:spcPct val="90000"/>
-              </a:lnSpc>
-              <a:spcAft>
-                <a:spcPts val="600"/>
-              </a:spcAft>
-              <a:buFont typeface="+mj-lt"/>
-              <a:buAutoNum type="arabicPeriod" startAt="9"/>
-            </a:pPr>
-            <a:endParaRPr lang="en-US" sz="2800" dirty="0">
-              <a:gradFill>
-                <a:gsLst>
-                  <a:gs pos="2917">
-                    <a:schemeClr val="tx1"/>
-                  </a:gs>
-                  <a:gs pos="30000">
-                    <a:schemeClr val="tx1"/>
-                  </a:gs>
-                </a:gsLst>
-                <a:lin ang="5400000" scaled="0"/>
-              </a:gradFill>
-            </a:endParaRPr>
-          </a:p>
-          <a:p>
-            <a:pPr marL="514350" indent="-514350">
-              <a:lnSpc>
-                <a:spcPct val="90000"/>
-              </a:lnSpc>
-              <a:spcAft>
-                <a:spcPts val="600"/>
-              </a:spcAft>
-              <a:buFont typeface="+mj-lt"/>
-              <a:buAutoNum type="arabicPeriod" startAt="9"/>
-            </a:pPr>
-            <a:r>
-              <a:rPr lang="en-US" sz="2800" dirty="0">
-                <a:gradFill>
-                  <a:gsLst>
-                    <a:gs pos="2917">
-                      <a:schemeClr val="tx1"/>
-                    </a:gs>
-                    <a:gs pos="30000">
-                      <a:schemeClr val="tx1"/>
-                    </a:gs>
-                  </a:gsLst>
-                  <a:lin ang="5400000" scaled="0"/>
-                </a:gradFill>
-              </a:rPr>
-              <a:t>Suggest a methodology that would facilitate implementing corporate standards by automating the process of resource provisioning and configuration.</a:t>
-            </a:r>
-          </a:p>
-          <a:p>
-            <a:pPr marL="514350" indent="-514350">
-              <a:lnSpc>
-                <a:spcPct val="90000"/>
-              </a:lnSpc>
-              <a:spcAft>
-                <a:spcPts val="600"/>
-              </a:spcAft>
-              <a:buFont typeface="+mj-lt"/>
-              <a:buAutoNum type="arabicPeriod" startAt="9"/>
-            </a:pPr>
-            <a:endParaRPr lang="en-US" sz="2800" dirty="0">
-              <a:gradFill>
-                <a:gsLst>
-                  <a:gs pos="2917">
-                    <a:schemeClr val="tx1"/>
-                  </a:gs>
-                  <a:gs pos="30000">
-                    <a:schemeClr val="tx1"/>
-                  </a:gs>
-                </a:gsLst>
-                <a:lin ang="5400000" scaled="0"/>
-              </a:gradFill>
-            </a:endParaRPr>
-          </a:p>
-          <a:p>
-            <a:pPr marL="514350" indent="-514350">
-              <a:lnSpc>
-                <a:spcPct val="90000"/>
-              </a:lnSpc>
-              <a:spcAft>
-                <a:spcPts val="600"/>
-              </a:spcAft>
-              <a:buFont typeface="+mj-lt"/>
-              <a:buAutoNum type="arabicPeriod" startAt="9"/>
-            </a:pPr>
-            <a:r>
-              <a:rPr lang="en-US" sz="2800" dirty="0">
-                <a:gradFill>
-                  <a:gsLst>
-                    <a:gs pos="2917">
-                      <a:schemeClr val="tx1"/>
-                    </a:gs>
-                    <a:gs pos="30000">
-                      <a:schemeClr val="tx1"/>
-                    </a:gs>
-                  </a:gsLst>
-                  <a:lin ang="5400000" scaled="0"/>
-                </a:gradFill>
-              </a:rPr>
-              <a:t>Document standard operational tasks such as </a:t>
-            </a:r>
-            <a:r>
-              <a:rPr lang="en-US" sz="2800" dirty="0" err="1">
-                <a:gradFill>
-                  <a:gsLst>
-                    <a:gs pos="2917">
-                      <a:schemeClr val="tx1"/>
-                    </a:gs>
-                    <a:gs pos="30000">
-                      <a:schemeClr val="tx1"/>
-                    </a:gs>
-                  </a:gsLst>
-                  <a:lin ang="5400000" scaled="0"/>
-                </a:gradFill>
-              </a:rPr>
-              <a:t>infrastruture</a:t>
-            </a:r>
-            <a:r>
-              <a:rPr lang="en-US" sz="2800" dirty="0">
-                <a:gradFill>
-                  <a:gsLst>
-                    <a:gs pos="2917">
-                      <a:schemeClr val="tx1"/>
-                    </a:gs>
-                    <a:gs pos="30000">
-                      <a:schemeClr val="tx1"/>
-                    </a:gs>
-                  </a:gsLst>
-                  <a:lin ang="5400000" scaled="0"/>
-                </a:gradFill>
-              </a:rPr>
-              <a:t> backup and log collection.</a:t>
-            </a:r>
-          </a:p>
-          <a:p>
-            <a:pPr>
-              <a:lnSpc>
-                <a:spcPct val="90000"/>
-              </a:lnSpc>
-              <a:spcAft>
-                <a:spcPts val="600"/>
-              </a:spcAft>
-            </a:pPr>
-            <a:endParaRPr lang="en-US" sz="2800" dirty="0">
-              <a:gradFill>
-                <a:gsLst>
-                  <a:gs pos="2917">
-                    <a:schemeClr val="tx1"/>
-                  </a:gs>
-                  <a:gs pos="30000">
-                    <a:schemeClr val="tx1"/>
-                  </a:gs>
-                </a:gsLst>
-                <a:lin ang="5400000" scaled="0"/>
-              </a:gradFill>
-            </a:endParaRPr>
-          </a:p>
-          <a:p>
-            <a:pPr>
-              <a:lnSpc>
-                <a:spcPct val="90000"/>
-              </a:lnSpc>
-              <a:spcAft>
-                <a:spcPts val="600"/>
-              </a:spcAft>
-            </a:pPr>
-            <a:endParaRPr lang="en-US" sz="2800" dirty="0">
-              <a:gradFill>
-                <a:gsLst>
-                  <a:gs pos="2917">
-                    <a:schemeClr val="tx1"/>
-                  </a:gs>
-                  <a:gs pos="30000">
-                    <a:schemeClr val="tx1"/>
-                  </a:gs>
-                </a:gsLst>
-                <a:lin ang="5400000" scaled="0"/>
-              </a:gradFill>
-            </a:endParaRPr>
-          </a:p>
-        </p:txBody>
-      </p:sp>
-    </p:spTree>
-    <p:extLst>
-      <p:ext uri="{BB962C8B-B14F-4D97-AF65-F5344CB8AC3E}">
-        <p14:creationId xmlns:p14="http://schemas.microsoft.com/office/powerpoint/2010/main" val="1761950625"/>
-      </p:ext>
-    </p:extLst>
-  </p:cSld>
-  <p:clrMapOvr>
-    <a:masterClrMapping/>
-  </p:clrMapOvr>
-  <mc:AlternateContent xmlns:mc="http://schemas.openxmlformats.org/markup-compatibility/2006" xmlns:p14="http://schemas.microsoft.com/office/powerpoint/2010/main">
-    <mc:Choice Requires="p14">
-      <p:transition p14:dur="0"/>
-    </mc:Choice>
-    <mc:Fallback xmlns="">
-      <p:transition/>
-    </mc:Fallback>
-  </mc:AlternateContent>
-</p:sld>
-</file>
-
-<file path=ppt/slides/slide15.xml><?xml version="1.0" encoding="utf-8"?>
-<p:sld xmlns:a="http://schemas.openxmlformats.org/drawingml/2006/main" xmlns:r="http://schemas.openxmlformats.org/officeDocument/2006/relationships" xmlns:p="http://schemas.openxmlformats.org/presentationml/2006/main">
-  <p:cSld>
-    <p:spTree>
-      <p:nvGrpSpPr>
-        <p:cNvPr id="1" name=""/>
-        <p:cNvGrpSpPr/>
-        <p:nvPr/>
-      </p:nvGrpSpPr>
-      <p:grpSpPr>
-        <a:xfrm>
-          <a:off x="0" y="0"/>
-          <a:ext cx="0" cy="0"/>
-          <a:chOff x="0" y="0"/>
-          <a:chExt cx="0" cy="0"/>
-        </a:xfrm>
-      </p:grpSpPr>
-      <p:sp>
-        <p:nvSpPr>
-          <p:cNvPr id="2" name="Title 1"/>
-          <p:cNvSpPr>
-            <a:spLocks noGrp="1"/>
-          </p:cNvSpPr>
-          <p:nvPr>
-            <p:ph type="title"/>
-          </p:nvPr>
-        </p:nvSpPr>
-        <p:spPr/>
-        <p:txBody>
-          <a:bodyPr>
-            <a:normAutofit fontScale="90000"/>
-          </a:bodyPr>
-          <a:lstStyle/>
-          <a:p>
-            <a:r>
-              <a:rPr lang="en-US" sz="4900" dirty="0">
-                <a:solidFill>
-                  <a:schemeClr val="tx1"/>
-                </a:solidFill>
-                <a:cs typeface="Segoe UI" panose="020B0502040204020203" pitchFamily="34" charset="0"/>
-              </a:rPr>
-              <a:t>Customer </a:t>
-            </a:r>
-            <a:r>
-              <a:rPr lang="en-US" sz="4900" dirty="0">
-                <a:solidFill>
-                  <a:schemeClr val="tx1"/>
-                </a:solidFill>
-              </a:rPr>
-              <a:t>objections</a:t>
-            </a:r>
-            <a:br>
-              <a:rPr lang="en-US" dirty="0">
-                <a:solidFill>
-                  <a:schemeClr val="tx1"/>
-                </a:solidFill>
-                <a:latin typeface="Segoe UI" panose="020B0502040204020203" pitchFamily="34" charset="0"/>
-              </a:rPr>
-            </a:br>
-            <a:endParaRPr lang="en-US" sz="3236" dirty="0">
-              <a:solidFill>
-                <a:schemeClr val="tx1"/>
-              </a:solidFill>
-              <a:latin typeface="Segoe UI" panose="020B0502040204020203" pitchFamily="34" charset="0"/>
-            </a:endParaRPr>
-          </a:p>
-        </p:txBody>
-      </p:sp>
-      <p:sp>
-        <p:nvSpPr>
-          <p:cNvPr id="9" name="TextBox 8">
-            <a:extLst>
-              <a:ext uri="{FF2B5EF4-FFF2-40B4-BE49-F238E27FC236}">
-                <a16:creationId xmlns:a16="http://schemas.microsoft.com/office/drawing/2014/main" id="{1436F8EA-C4FB-4C98-AEB1-08DF6713D14E}"/>
-              </a:ext>
-            </a:extLst>
-          </p:cNvPr>
-          <p:cNvSpPr txBox="1"/>
-          <p:nvPr/>
-        </p:nvSpPr>
-        <p:spPr>
-          <a:xfrm>
-            <a:off x="339499" y="995560"/>
-            <a:ext cx="12044658" cy="5896999"/>
+            <a:off x="339499" y="1114828"/>
+            <a:ext cx="12044658" cy="4745915"/>
           </a:xfrm>
           <a:prstGeom prst="rect">
             <a:avLst/>
@@ -17966,117 +16638,6 @@
               <a:t>One of the key reasons Contoso wants to go to the cloud is to take advantage of tools and services for automated deployments and application development. Will Azure Stack make it where we have to use two sets of skillsets?</a:t>
             </a:r>
           </a:p>
-          <a:p>
-            <a:pPr marL="514350" indent="-514350">
-              <a:lnSpc>
-                <a:spcPct val="90000"/>
-              </a:lnSpc>
-              <a:spcAft>
-                <a:spcPts val="600"/>
-              </a:spcAft>
-              <a:buFont typeface="+mj-lt"/>
-              <a:buAutoNum type="arabicPeriod"/>
-            </a:pPr>
-            <a:endParaRPr lang="en-US" sz="2400" dirty="0">
-              <a:gradFill>
-                <a:gsLst>
-                  <a:gs pos="2917">
-                    <a:schemeClr val="tx1"/>
-                  </a:gs>
-                  <a:gs pos="30000">
-                    <a:schemeClr val="tx1"/>
-                  </a:gs>
-                </a:gsLst>
-                <a:lin ang="5400000" scaled="0"/>
-              </a:gradFill>
-              <a:latin typeface="Segoe UI Semilight" panose="020B0402040204020203" pitchFamily="34" charset="0"/>
-              <a:cs typeface="Segoe UI Semilight" panose="020B0402040204020203" pitchFamily="34" charset="0"/>
-            </a:endParaRPr>
-          </a:p>
-          <a:p>
-            <a:pPr marL="514350" indent="-514350">
-              <a:lnSpc>
-                <a:spcPct val="90000"/>
-              </a:lnSpc>
-              <a:spcAft>
-                <a:spcPts val="600"/>
-              </a:spcAft>
-              <a:buFont typeface="+mj-lt"/>
-              <a:buAutoNum type="arabicPeriod"/>
-            </a:pPr>
-            <a:r>
-              <a:rPr lang="en-US" sz="2400" dirty="0" err="1">
-                <a:gradFill>
-                  <a:gsLst>
-                    <a:gs pos="2917">
-                      <a:schemeClr val="tx1"/>
-                    </a:gs>
-                    <a:gs pos="30000">
-                      <a:schemeClr val="tx1"/>
-                    </a:gs>
-                  </a:gsLst>
-                  <a:lin ang="5400000" scaled="0"/>
-                </a:gradFill>
-                <a:latin typeface="Segoe UI Semilight" panose="020B0402040204020203" pitchFamily="34" charset="0"/>
-                <a:cs typeface="Segoe UI Semilight" panose="020B0402040204020203" pitchFamily="34" charset="0"/>
-              </a:rPr>
-              <a:t>Fabrikam</a:t>
-            </a:r>
-            <a:r>
-              <a:rPr lang="en-US" sz="2400" dirty="0">
-                <a:gradFill>
-                  <a:gsLst>
-                    <a:gs pos="2917">
-                      <a:schemeClr val="tx1"/>
-                    </a:gs>
-                    <a:gs pos="30000">
-                      <a:schemeClr val="tx1"/>
-                    </a:gs>
-                  </a:gsLst>
-                  <a:lin ang="5400000" scaled="0"/>
-                </a:gradFill>
-                <a:latin typeface="Segoe UI Semilight" panose="020B0402040204020203" pitchFamily="34" charset="0"/>
-                <a:cs typeface="Segoe UI Semilight" panose="020B0402040204020203" pitchFamily="34" charset="0"/>
-              </a:rPr>
-              <a:t> has already its own Azure Active Directory tenant. Will it be necessary to create duplicate accounts for </a:t>
-            </a:r>
-            <a:r>
-              <a:rPr lang="en-US" sz="2400" dirty="0" err="1">
-                <a:gradFill>
-                  <a:gsLst>
-                    <a:gs pos="2917">
-                      <a:schemeClr val="tx1"/>
-                    </a:gs>
-                    <a:gs pos="30000">
-                      <a:schemeClr val="tx1"/>
-                    </a:gs>
-                  </a:gsLst>
-                  <a:lin ang="5400000" scaled="0"/>
-                </a:gradFill>
-                <a:latin typeface="Segoe UI Semilight" panose="020B0402040204020203" pitchFamily="34" charset="0"/>
-                <a:cs typeface="Segoe UI Semilight" panose="020B0402040204020203" pitchFamily="34" charset="0"/>
-              </a:rPr>
-              <a:t>Fabrikam</a:t>
-            </a:r>
-            <a:r>
-              <a:rPr lang="en-US" sz="2400" dirty="0">
-                <a:gradFill>
-                  <a:gsLst>
-                    <a:gs pos="2917">
-                      <a:schemeClr val="tx1"/>
-                    </a:gs>
-                    <a:gs pos="30000">
-                      <a:schemeClr val="tx1"/>
-                    </a:gs>
-                  </a:gsLst>
-                  <a:lin ang="5400000" scaled="0"/>
-                </a:gradFill>
-                <a:latin typeface="Segoe UI Semilight" panose="020B0402040204020203" pitchFamily="34" charset="0"/>
-                <a:cs typeface="Segoe UI Semilight" panose="020B0402040204020203" pitchFamily="34" charset="0"/>
-              </a:rPr>
-              <a:t> users?</a:t>
-            </a:r>
-          </a:p>
         </p:txBody>
       </p:sp>
     </p:spTree>
@@ -18100,7 +16661,7 @@
 </p:sld>
 </file>
 
-<file path=ppt/slides/slide16.xml><?xml version="1.0" encoding="utf-8"?>
+<file path=ppt/slides/slide13.xml><?xml version="1.0" encoding="utf-8"?>
 <p:sld xmlns:a="http://schemas.openxmlformats.org/drawingml/2006/main" xmlns:r="http://schemas.openxmlformats.org/officeDocument/2006/relationships" xmlns:p="http://schemas.openxmlformats.org/presentationml/2006/main">
   <p:cSld>
     <p:spTree>
@@ -18220,7 +16781,7 @@
 </p:sld>
 </file>
 
-<file path=ppt/slides/slide17.xml><?xml version="1.0" encoding="utf-8"?>
+<file path=ppt/slides/slide14.xml><?xml version="1.0" encoding="utf-8"?>
 <p:sld xmlns:a="http://schemas.openxmlformats.org/drawingml/2006/main" xmlns:r="http://schemas.openxmlformats.org/officeDocument/2006/relationships" xmlns:p="http://schemas.openxmlformats.org/presentationml/2006/main">
   <p:cSld>
     <p:spTree>
@@ -18770,7 +17331,7 @@
 </p:sld>
 </file>
 
-<file path=ppt/slides/slide18.xml><?xml version="1.0" encoding="utf-8"?>
+<file path=ppt/slides/slide15.xml><?xml version="1.0" encoding="utf-8"?>
 <p:sld xmlns:a="http://schemas.openxmlformats.org/drawingml/2006/main" xmlns:r="http://schemas.openxmlformats.org/officeDocument/2006/relationships" xmlns:p="http://schemas.openxmlformats.org/presentationml/2006/main">
   <p:cSld>
     <p:spTree>
@@ -19074,7 +17635,7 @@
 </p:sld>
 </file>
 
-<file path=ppt/slides/slide19.xml><?xml version="1.0" encoding="utf-8"?>
+<file path=ppt/slides/slide16.xml><?xml version="1.0" encoding="utf-8"?>
 <p:sld xmlns:a="http://schemas.openxmlformats.org/drawingml/2006/main" xmlns:r="http://schemas.openxmlformats.org/officeDocument/2006/relationships" xmlns:p="http://schemas.openxmlformats.org/presentationml/2006/main">
   <p:cSld>
     <p:spTree>
@@ -19269,127 +17830,7 @@
 </p:sld>
 </file>
 
-<file path=ppt/slides/slide2.xml><?xml version="1.0" encoding="utf-8"?>
-<p:sld xmlns:a="http://schemas.openxmlformats.org/drawingml/2006/main" xmlns:r="http://schemas.openxmlformats.org/officeDocument/2006/relationships" xmlns:p="http://schemas.openxmlformats.org/presentationml/2006/main">
-  <p:cSld>
-    <p:bg>
-      <p:bgPr>
-        <a:solidFill>
-          <a:schemeClr val="bg2"/>
-        </a:solidFill>
-        <a:effectLst/>
-      </p:bgPr>
-    </p:bg>
-    <p:spTree>
-      <p:nvGrpSpPr>
-        <p:cNvPr id="1" name=""/>
-        <p:cNvGrpSpPr/>
-        <p:nvPr/>
-      </p:nvGrpSpPr>
-      <p:grpSpPr>
-        <a:xfrm>
-          <a:off x="0" y="0"/>
-          <a:ext cx="0" cy="0"/>
-          <a:chOff x="0" y="0"/>
-          <a:chExt cx="0" cy="0"/>
-        </a:xfrm>
-      </p:grpSpPr>
-      <p:sp>
-        <p:nvSpPr>
-          <p:cNvPr id="2" name="Title 1"/>
-          <p:cNvSpPr>
-            <a:spLocks noGrp="1"/>
-          </p:cNvSpPr>
-          <p:nvPr>
-            <p:ph type="title"/>
-          </p:nvPr>
-        </p:nvSpPr>
-        <p:spPr/>
-        <p:txBody>
-          <a:bodyPr>
-            <a:normAutofit/>
-          </a:bodyPr>
-          <a:lstStyle/>
-          <a:p>
-            <a:r>
-              <a:rPr lang="en-US" sz="4400" dirty="0">
-                <a:solidFill>
-                  <a:schemeClr val="tx1"/>
-                </a:solidFill>
-                <a:latin typeface="Segoe UI Light" panose="020B0502040204020203" pitchFamily="34" charset="0"/>
-                <a:cs typeface="Segoe UI Light" panose="020B0502040204020203" pitchFamily="34" charset="0"/>
-              </a:rPr>
-              <a:t>Abstract and learning objectives</a:t>
-            </a:r>
-          </a:p>
-        </p:txBody>
-      </p:sp>
-      <p:sp>
-        <p:nvSpPr>
-          <p:cNvPr id="9" name="TextBox 8">
-            <a:extLst>
-              <a:ext uri="{FF2B5EF4-FFF2-40B4-BE49-F238E27FC236}">
-                <a16:creationId xmlns:a16="http://schemas.microsoft.com/office/drawing/2014/main" id="{0F86F9F9-39B5-4CE6-AF48-9ADAE40EA728}"/>
-              </a:ext>
-            </a:extLst>
-          </p:cNvPr>
-          <p:cNvSpPr txBox="1"/>
-          <p:nvPr/>
-        </p:nvSpPr>
-        <p:spPr>
-          <a:xfrm>
-            <a:off x="266920" y="1255752"/>
-            <a:ext cx="10833896" cy="4173450"/>
-          </a:xfrm>
-          <a:prstGeom prst="rect">
-            <a:avLst/>
-          </a:prstGeom>
-          <a:noFill/>
-        </p:spPr>
-        <p:txBody>
-          <a:bodyPr wrap="square" lIns="182880" tIns="146304" rIns="182880" bIns="146304" rtlCol="0">
-            <a:spAutoFit/>
-          </a:bodyPr>
-          <a:lstStyle/>
-          <a:p>
-            <a:r>
-              <a:rPr lang="en-US" sz="2800" dirty="0"/>
-              <a:t>In this whiteboard design session, you will work with a group to design a hybrid cloud architecture using a combination of the Azure public cloud and Azure Stack. This functional architecture will enable customers to leverage their investments in Azure as a "cloud platform," rather than Azure as a "place.“</a:t>
-            </a:r>
-          </a:p>
-          <a:p>
-            <a:endParaRPr lang="en-US" sz="2800" dirty="0"/>
-          </a:p>
-          <a:p>
-            <a:r>
-              <a:rPr lang="en-US" sz="2800" dirty="0"/>
-              <a:t>At the end of the session, you will be able to determine which systems are good candidates for the Azure public cloud, and which are better suited on Azure Stack.</a:t>
-            </a:r>
-          </a:p>
-        </p:txBody>
-      </p:sp>
-    </p:spTree>
-    <p:extLst>
-      <p:ext uri="{BB962C8B-B14F-4D97-AF65-F5344CB8AC3E}">
-        <p14:creationId xmlns:p14="http://schemas.microsoft.com/office/powerpoint/2010/main" val="772880493"/>
-      </p:ext>
-    </p:extLst>
-  </p:cSld>
-  <p:clrMapOvr>
-    <a:masterClrMapping/>
-  </p:clrMapOvr>
-  <mc:AlternateContent xmlns:mc="http://schemas.openxmlformats.org/markup-compatibility/2006" xmlns:p14="http://schemas.microsoft.com/office/powerpoint/2010/main">
-    <mc:Choice Requires="p14">
-      <p:transition p14:dur="0"/>
-    </mc:Choice>
-    <mc:Fallback xmlns="">
-      <p:transition/>
-    </mc:Fallback>
-  </mc:AlternateContent>
-</p:sld>
-</file>
-
-<file path=ppt/slides/slide20.xml><?xml version="1.0" encoding="utf-8"?>
+<file path=ppt/slides/slide17.xml><?xml version="1.0" encoding="utf-8"?>
 <p:sld xmlns:a="http://schemas.openxmlformats.org/drawingml/2006/main" xmlns:r="http://schemas.openxmlformats.org/officeDocument/2006/relationships" xmlns:p="http://schemas.openxmlformats.org/presentationml/2006/main">
   <p:cSld>
     <p:bg>
@@ -19476,7 +17917,7 @@
         <p:spPr>
           <a:xfrm>
             <a:off x="269239" y="1227814"/>
-            <a:ext cx="11653523" cy="4339650"/>
+            <a:ext cx="11653523" cy="3323987"/>
           </a:xfrm>
         </p:spPr>
         <p:txBody>
@@ -19501,24 +17942,6 @@
             <a:r>
               <a:rPr lang="en-US" sz="3600" dirty="0"/>
               <a:t>Contoso Teams:</a:t>
-            </a:r>
-          </a:p>
-          <a:p>
-            <a:pPr lvl="1"/>
-            <a:r>
-              <a:rPr lang="en-US" sz="2400" dirty="0"/>
-              <a:t>Networking, Security, DevOps and Application Owners</a:t>
-            </a:r>
-          </a:p>
-          <a:p>
-            <a:pPr lvl="0"/>
-            <a:r>
-              <a:rPr lang="en-US" sz="3600" dirty="0" err="1"/>
-              <a:t>Fabrikam</a:t>
-            </a:r>
-            <a:r>
-              <a:rPr lang="en-US" sz="3600" dirty="0"/>
-              <a:t> Teams:</a:t>
             </a:r>
           </a:p>
           <a:p>
@@ -19565,7 +17988,7 @@
 </p:sld>
 </file>
 
-<file path=ppt/slides/slide21.xml><?xml version="1.0" encoding="utf-8"?>
+<file path=ppt/slides/slide18.xml><?xml version="1.0" encoding="utf-8"?>
 <p:sld xmlns:a="http://schemas.openxmlformats.org/drawingml/2006/main" xmlns:r="http://schemas.openxmlformats.org/officeDocument/2006/relationships" xmlns:p="http://schemas.openxmlformats.org/presentationml/2006/main">
   <p:cSld>
     <p:spTree>
@@ -19984,7 +18407,7 @@
 </p:sld>
 </file>
 
-<file path=ppt/slides/slide22.xml><?xml version="1.0" encoding="utf-8"?>
+<file path=ppt/slides/slide19.xml><?xml version="1.0" encoding="utf-8"?>
 <p:sld xmlns:a="http://schemas.openxmlformats.org/drawingml/2006/main" xmlns:r="http://schemas.openxmlformats.org/officeDocument/2006/relationships" xmlns:p="http://schemas.openxmlformats.org/presentationml/2006/main">
   <p:cSld>
     <p:spTree>
@@ -20095,7 +18518,127 @@
 </p:sld>
 </file>
 
-<file path=ppt/slides/slide23.xml><?xml version="1.0" encoding="utf-8"?>
+<file path=ppt/slides/slide2.xml><?xml version="1.0" encoding="utf-8"?>
+<p:sld xmlns:a="http://schemas.openxmlformats.org/drawingml/2006/main" xmlns:r="http://schemas.openxmlformats.org/officeDocument/2006/relationships" xmlns:p="http://schemas.openxmlformats.org/presentationml/2006/main">
+  <p:cSld>
+    <p:bg>
+      <p:bgPr>
+        <a:solidFill>
+          <a:schemeClr val="bg2"/>
+        </a:solidFill>
+        <a:effectLst/>
+      </p:bgPr>
+    </p:bg>
+    <p:spTree>
+      <p:nvGrpSpPr>
+        <p:cNvPr id="1" name=""/>
+        <p:cNvGrpSpPr/>
+        <p:nvPr/>
+      </p:nvGrpSpPr>
+      <p:grpSpPr>
+        <a:xfrm>
+          <a:off x="0" y="0"/>
+          <a:ext cx="0" cy="0"/>
+          <a:chOff x="0" y="0"/>
+          <a:chExt cx="0" cy="0"/>
+        </a:xfrm>
+      </p:grpSpPr>
+      <p:sp>
+        <p:nvSpPr>
+          <p:cNvPr id="2" name="Title 1"/>
+          <p:cNvSpPr>
+            <a:spLocks noGrp="1"/>
+          </p:cNvSpPr>
+          <p:nvPr>
+            <p:ph type="title"/>
+          </p:nvPr>
+        </p:nvSpPr>
+        <p:spPr/>
+        <p:txBody>
+          <a:bodyPr>
+            <a:normAutofit/>
+          </a:bodyPr>
+          <a:lstStyle/>
+          <a:p>
+            <a:r>
+              <a:rPr lang="en-US" sz="4400" dirty="0">
+                <a:solidFill>
+                  <a:schemeClr val="tx1"/>
+                </a:solidFill>
+                <a:latin typeface="Segoe UI Light" panose="020B0502040204020203" pitchFamily="34" charset="0"/>
+                <a:cs typeface="Segoe UI Light" panose="020B0502040204020203" pitchFamily="34" charset="0"/>
+              </a:rPr>
+              <a:t>Abstract and learning objectives</a:t>
+            </a:r>
+          </a:p>
+        </p:txBody>
+      </p:sp>
+      <p:sp>
+        <p:nvSpPr>
+          <p:cNvPr id="9" name="TextBox 8">
+            <a:extLst>
+              <a:ext uri="{FF2B5EF4-FFF2-40B4-BE49-F238E27FC236}">
+                <a16:creationId xmlns:a16="http://schemas.microsoft.com/office/drawing/2014/main" id="{0F86F9F9-39B5-4CE6-AF48-9ADAE40EA728}"/>
+              </a:ext>
+            </a:extLst>
+          </p:cNvPr>
+          <p:cNvSpPr txBox="1"/>
+          <p:nvPr/>
+        </p:nvSpPr>
+        <p:spPr>
+          <a:xfrm>
+            <a:off x="266920" y="1255752"/>
+            <a:ext cx="10833896" cy="4173450"/>
+          </a:xfrm>
+          <a:prstGeom prst="rect">
+            <a:avLst/>
+          </a:prstGeom>
+          <a:noFill/>
+        </p:spPr>
+        <p:txBody>
+          <a:bodyPr wrap="square" lIns="182880" tIns="146304" rIns="182880" bIns="146304" rtlCol="0">
+            <a:spAutoFit/>
+          </a:bodyPr>
+          <a:lstStyle/>
+          <a:p>
+            <a:r>
+              <a:rPr lang="en-US" sz="2800" dirty="0"/>
+              <a:t>In this whiteboard design session, you will work with a group to design a hybrid cloud architecture using a combination of the Azure public cloud and Azure Stack. This functional architecture will enable customers to leverage their investments in Azure as a "cloud platform," rather than Azure as a "place.“</a:t>
+            </a:r>
+          </a:p>
+          <a:p>
+            <a:endParaRPr lang="en-US" sz="2800" dirty="0"/>
+          </a:p>
+          <a:p>
+            <a:r>
+              <a:rPr lang="en-US" sz="2800" dirty="0"/>
+              <a:t>At the end of the session, you will be able to determine which systems are good candidates for the Azure public cloud, and which are better suited on Azure Stack.</a:t>
+            </a:r>
+          </a:p>
+        </p:txBody>
+      </p:sp>
+    </p:spTree>
+    <p:extLst>
+      <p:ext uri="{BB962C8B-B14F-4D97-AF65-F5344CB8AC3E}">
+        <p14:creationId xmlns:p14="http://schemas.microsoft.com/office/powerpoint/2010/main" val="772880493"/>
+      </p:ext>
+    </p:extLst>
+  </p:cSld>
+  <p:clrMapOvr>
+    <a:masterClrMapping/>
+  </p:clrMapOvr>
+  <mc:AlternateContent xmlns:mc="http://schemas.openxmlformats.org/markup-compatibility/2006" xmlns:p14="http://schemas.microsoft.com/office/powerpoint/2010/main">
+    <mc:Choice Requires="p14">
+      <p:transition p14:dur="0"/>
+    </mc:Choice>
+    <mc:Fallback xmlns="">
+      <p:transition/>
+    </mc:Fallback>
+  </mc:AlternateContent>
+</p:sld>
+</file>
+
+<file path=ppt/slides/slide20.xml><?xml version="1.0" encoding="utf-8"?>
 <p:sld xmlns:a="http://schemas.openxmlformats.org/drawingml/2006/main" xmlns:r="http://schemas.openxmlformats.org/officeDocument/2006/relationships" xmlns:p="http://schemas.openxmlformats.org/presentationml/2006/main">
   <p:cSld>
     <p:spTree>
@@ -20345,7 +18888,7 @@
 </p:sld>
 </file>
 
-<file path=ppt/slides/slide24.xml><?xml version="1.0" encoding="utf-8"?>
+<file path=ppt/slides/slide21.xml><?xml version="1.0" encoding="utf-8"?>
 <p:sld xmlns:a="http://schemas.openxmlformats.org/drawingml/2006/main" xmlns:r="http://schemas.openxmlformats.org/officeDocument/2006/relationships" xmlns:p="http://schemas.openxmlformats.org/presentationml/2006/main">
   <p:cSld>
     <p:spTree>
@@ -20423,7 +18966,7 @@
         <p:spPr>
           <a:xfrm>
             <a:off x="269240" y="1163813"/>
-            <a:ext cx="11653523" cy="5157566"/>
+            <a:ext cx="11653523" cy="5917774"/>
           </a:xfrm>
         </p:spPr>
         <p:txBody>
@@ -20438,7 +18981,7 @@
             </a:pPr>
             <a:r>
               <a:rPr lang="en-US" sz="3600" dirty="0"/>
-              <a:t>Cloud operators</a:t>
+              <a:t>Cloud operator</a:t>
             </a:r>
           </a:p>
           <a:p>
@@ -20450,44 +18993,6 @@
             <a:r>
               <a:rPr lang="en-US" sz="2800" dirty="0"/>
               <a:t>FT will act in this role as the Service Provider.</a:t>
-            </a:r>
-          </a:p>
-          <a:p>
-            <a:pPr lvl="1">
-              <a:spcAft>
-                <a:spcPts val="600"/>
-              </a:spcAft>
-            </a:pPr>
-            <a:r>
-              <a:rPr lang="en-US" sz="2800" dirty="0"/>
-              <a:t>Through the delegated providers model, Contoso and </a:t>
-            </a:r>
-            <a:r>
-              <a:rPr lang="en-US" sz="2800" dirty="0" err="1"/>
-              <a:t>Fabrikam</a:t>
-            </a:r>
-            <a:r>
-              <a:rPr lang="en-US" sz="2800" dirty="0"/>
-              <a:t> IT staff will be able to create delegated offers and plans</a:t>
-            </a:r>
-          </a:p>
-          <a:p>
-            <a:pPr lvl="1">
-              <a:spcAft>
-                <a:spcPts val="600"/>
-              </a:spcAft>
-            </a:pPr>
-            <a:r>
-              <a:rPr lang="en-US" sz="2800" dirty="0"/>
-              <a:t>FT will be able to leverage built-in and custom Role Based Access Control roles to provide restricted access to the Azure Stack Admin portal to Contoso and </a:t>
-            </a:r>
-            <a:r>
-              <a:rPr lang="en-US" sz="2800" dirty="0" err="1"/>
-              <a:t>Fabrikam</a:t>
-            </a:r>
-            <a:r>
-              <a:rPr lang="en-US" sz="2800" dirty="0"/>
-              <a:t> staff</a:t>
             </a:r>
           </a:p>
           <a:p>
@@ -20499,7 +19004,7 @@
             </a:pPr>
             <a:r>
               <a:rPr lang="en-US" sz="3600" dirty="0"/>
-              <a:t>Regions</a:t>
+              <a:t>Region</a:t>
             </a:r>
           </a:p>
           <a:p>
@@ -20512,6 +19017,64 @@
               <a:rPr lang="en-US" sz="2800" dirty="0"/>
               <a:t>One Azure Stack region will be created in the FT Dallas datacenter.</a:t>
             </a:r>
+          </a:p>
+          <a:p>
+            <a:pPr marL="0" indent="0">
+              <a:spcAft>
+                <a:spcPts val="600"/>
+              </a:spcAft>
+              <a:buNone/>
+            </a:pPr>
+            <a:r>
+              <a:rPr lang="en-US" sz="3600" dirty="0"/>
+              <a:t>Tenant</a:t>
+            </a:r>
+          </a:p>
+          <a:p>
+            <a:pPr lvl="1">
+              <a:spcAft>
+                <a:spcPts val="600"/>
+              </a:spcAft>
+            </a:pPr>
+            <a:r>
+              <a:rPr lang="en-US" sz="2800" dirty="0"/>
+              <a:t>Contoso Financial will be the sole tenet for US Operations.</a:t>
+            </a:r>
+          </a:p>
+          <a:p>
+            <a:pPr lvl="1">
+              <a:spcAft>
+                <a:spcPts val="600"/>
+              </a:spcAft>
+            </a:pPr>
+            <a:r>
+              <a:rPr lang="en-US" sz="2800" dirty="0"/>
+              <a:t>Can expand to other tenants for other countries/regions in the area.</a:t>
+            </a:r>
+          </a:p>
+          <a:p>
+            <a:pPr marL="0" indent="0">
+              <a:spcAft>
+                <a:spcPts val="600"/>
+              </a:spcAft>
+              <a:buNone/>
+            </a:pPr>
+            <a:r>
+              <a:rPr lang="en-US" sz="3600" dirty="0"/>
+              <a:t>Subscriptions</a:t>
+            </a:r>
+          </a:p>
+          <a:p>
+            <a:pPr lvl="1">
+              <a:spcAft>
+                <a:spcPts val="600"/>
+              </a:spcAft>
+            </a:pPr>
+            <a:r>
+              <a:rPr lang="en-US" sz="2800" dirty="0"/>
+              <a:t>There will be at least two subscriptions: development and production.</a:t>
+            </a:r>
+            <a:endParaRPr lang="en-US" sz="2032" dirty="0"/>
           </a:p>
           <a:p>
             <a:pPr lvl="1"/>
@@ -20523,6 +19086,528 @@
     <p:extLst>
       <p:ext uri="{BB962C8B-B14F-4D97-AF65-F5344CB8AC3E}">
         <p14:creationId xmlns:p14="http://schemas.microsoft.com/office/powerpoint/2010/main" val="3502758303"/>
+      </p:ext>
+    </p:extLst>
+  </p:cSld>
+  <p:clrMapOvr>
+    <a:masterClrMapping/>
+  </p:clrMapOvr>
+  <mc:AlternateContent xmlns:mc="http://schemas.openxmlformats.org/markup-compatibility/2006" xmlns:p14="http://schemas.microsoft.com/office/powerpoint/2010/main">
+    <mc:Choice Requires="p14">
+      <p:transition p14:dur="0"/>
+    </mc:Choice>
+    <mc:Fallback xmlns="">
+      <p:transition/>
+    </mc:Fallback>
+  </mc:AlternateContent>
+  <p:timing>
+    <p:tnLst>
+      <p:par>
+        <p:cTn id="1" dur="indefinite" restart="never" nodeType="tmRoot">
+          <p:childTnLst>
+            <p:seq concurrent="1" nextAc="seek">
+              <p:cTn id="2" dur="indefinite" nodeType="mainSeq">
+                <p:childTnLst>
+                  <p:par>
+                    <p:cTn id="3" fill="hold">
+                      <p:stCondLst>
+                        <p:cond delay="indefinite"/>
+                      </p:stCondLst>
+                      <p:childTnLst>
+                        <p:par>
+                          <p:cTn id="4" fill="hold">
+                            <p:stCondLst>
+                              <p:cond delay="0"/>
+                            </p:stCondLst>
+                            <p:childTnLst>
+                              <p:par>
+                                <p:cTn id="5" presetID="1" presetClass="entr" presetSubtype="0" fill="hold" nodeType="clickEffect">
+                                  <p:stCondLst>
+                                    <p:cond delay="0"/>
+                                  </p:stCondLst>
+                                  <p:childTnLst>
+                                    <p:set>
+                                      <p:cBhvr>
+                                        <p:cTn id="6" dur="1" fill="hold">
+                                          <p:stCondLst>
+                                            <p:cond delay="0"/>
+                                          </p:stCondLst>
+                                        </p:cTn>
+                                        <p:tgtEl>
+                                          <p:spTgt spid="5">
+                                            <p:txEl>
+                                              <p:pRg st="0" end="0"/>
+                                            </p:txEl>
+                                          </p:spTgt>
+                                        </p:tgtEl>
+                                        <p:attrNameLst>
+                                          <p:attrName>style.visibility</p:attrName>
+                                        </p:attrNameLst>
+                                      </p:cBhvr>
+                                      <p:to>
+                                        <p:strVal val="visible"/>
+                                      </p:to>
+                                    </p:set>
+                                  </p:childTnLst>
+                                </p:cTn>
+                              </p:par>
+                              <p:par>
+                                <p:cTn id="7" presetID="1" presetClass="entr" presetSubtype="0" fill="hold" nodeType="withEffect">
+                                  <p:stCondLst>
+                                    <p:cond delay="0"/>
+                                  </p:stCondLst>
+                                  <p:childTnLst>
+                                    <p:set>
+                                      <p:cBhvr>
+                                        <p:cTn id="8" dur="1" fill="hold">
+                                          <p:stCondLst>
+                                            <p:cond delay="0"/>
+                                          </p:stCondLst>
+                                        </p:cTn>
+                                        <p:tgtEl>
+                                          <p:spTgt spid="5">
+                                            <p:txEl>
+                                              <p:pRg st="1" end="1"/>
+                                            </p:txEl>
+                                          </p:spTgt>
+                                        </p:tgtEl>
+                                        <p:attrNameLst>
+                                          <p:attrName>style.visibility</p:attrName>
+                                        </p:attrNameLst>
+                                      </p:cBhvr>
+                                      <p:to>
+                                        <p:strVal val="visible"/>
+                                      </p:to>
+                                    </p:set>
+                                  </p:childTnLst>
+                                </p:cTn>
+                              </p:par>
+                            </p:childTnLst>
+                          </p:cTn>
+                        </p:par>
+                      </p:childTnLst>
+                    </p:cTn>
+                  </p:par>
+                  <p:par>
+                    <p:cTn id="9" fill="hold">
+                      <p:stCondLst>
+                        <p:cond delay="indefinite"/>
+                      </p:stCondLst>
+                      <p:childTnLst>
+                        <p:par>
+                          <p:cTn id="10" fill="hold">
+                            <p:stCondLst>
+                              <p:cond delay="0"/>
+                            </p:stCondLst>
+                            <p:childTnLst>
+                              <p:par>
+                                <p:cTn id="11" presetID="1" presetClass="entr" presetSubtype="0" fill="hold" nodeType="clickEffect">
+                                  <p:stCondLst>
+                                    <p:cond delay="0"/>
+                                  </p:stCondLst>
+                                  <p:childTnLst>
+                                    <p:set>
+                                      <p:cBhvr>
+                                        <p:cTn id="12" dur="1" fill="hold">
+                                          <p:stCondLst>
+                                            <p:cond delay="0"/>
+                                          </p:stCondLst>
+                                        </p:cTn>
+                                        <p:tgtEl>
+                                          <p:spTgt spid="5">
+                                            <p:txEl>
+                                              <p:pRg st="2" end="2"/>
+                                            </p:txEl>
+                                          </p:spTgt>
+                                        </p:tgtEl>
+                                        <p:attrNameLst>
+                                          <p:attrName>style.visibility</p:attrName>
+                                        </p:attrNameLst>
+                                      </p:cBhvr>
+                                      <p:to>
+                                        <p:strVal val="visible"/>
+                                      </p:to>
+                                    </p:set>
+                                  </p:childTnLst>
+                                </p:cTn>
+                              </p:par>
+                              <p:par>
+                                <p:cTn id="13" presetID="1" presetClass="entr" presetSubtype="0" fill="hold" nodeType="withEffect">
+                                  <p:stCondLst>
+                                    <p:cond delay="0"/>
+                                  </p:stCondLst>
+                                  <p:childTnLst>
+                                    <p:set>
+                                      <p:cBhvr>
+                                        <p:cTn id="14" dur="1" fill="hold">
+                                          <p:stCondLst>
+                                            <p:cond delay="0"/>
+                                          </p:stCondLst>
+                                        </p:cTn>
+                                        <p:tgtEl>
+                                          <p:spTgt spid="5">
+                                            <p:txEl>
+                                              <p:pRg st="3" end="3"/>
+                                            </p:txEl>
+                                          </p:spTgt>
+                                        </p:tgtEl>
+                                        <p:attrNameLst>
+                                          <p:attrName>style.visibility</p:attrName>
+                                        </p:attrNameLst>
+                                      </p:cBhvr>
+                                      <p:to>
+                                        <p:strVal val="visible"/>
+                                      </p:to>
+                                    </p:set>
+                                  </p:childTnLst>
+                                </p:cTn>
+                              </p:par>
+                            </p:childTnLst>
+                          </p:cTn>
+                        </p:par>
+                      </p:childTnLst>
+                    </p:cTn>
+                  </p:par>
+                  <p:par>
+                    <p:cTn id="15" fill="hold">
+                      <p:stCondLst>
+                        <p:cond delay="indefinite"/>
+                      </p:stCondLst>
+                      <p:childTnLst>
+                        <p:par>
+                          <p:cTn id="16" fill="hold">
+                            <p:stCondLst>
+                              <p:cond delay="0"/>
+                            </p:stCondLst>
+                            <p:childTnLst>
+                              <p:par>
+                                <p:cTn id="17" presetID="1" presetClass="entr" presetSubtype="0" fill="hold" nodeType="clickEffect">
+                                  <p:stCondLst>
+                                    <p:cond delay="0"/>
+                                  </p:stCondLst>
+                                  <p:childTnLst>
+                                    <p:set>
+                                      <p:cBhvr>
+                                        <p:cTn id="18" dur="1" fill="hold">
+                                          <p:stCondLst>
+                                            <p:cond delay="0"/>
+                                          </p:stCondLst>
+                                        </p:cTn>
+                                        <p:tgtEl>
+                                          <p:spTgt spid="5">
+                                            <p:txEl>
+                                              <p:pRg st="4" end="4"/>
+                                            </p:txEl>
+                                          </p:spTgt>
+                                        </p:tgtEl>
+                                        <p:attrNameLst>
+                                          <p:attrName>style.visibility</p:attrName>
+                                        </p:attrNameLst>
+                                      </p:cBhvr>
+                                      <p:to>
+                                        <p:strVal val="visible"/>
+                                      </p:to>
+                                    </p:set>
+                                  </p:childTnLst>
+                                </p:cTn>
+                              </p:par>
+                              <p:par>
+                                <p:cTn id="19" presetID="1" presetClass="entr" presetSubtype="0" fill="hold" nodeType="withEffect">
+                                  <p:stCondLst>
+                                    <p:cond delay="0"/>
+                                  </p:stCondLst>
+                                  <p:childTnLst>
+                                    <p:set>
+                                      <p:cBhvr>
+                                        <p:cTn id="20" dur="1" fill="hold">
+                                          <p:stCondLst>
+                                            <p:cond delay="0"/>
+                                          </p:stCondLst>
+                                        </p:cTn>
+                                        <p:tgtEl>
+                                          <p:spTgt spid="5">
+                                            <p:txEl>
+                                              <p:pRg st="5" end="5"/>
+                                            </p:txEl>
+                                          </p:spTgt>
+                                        </p:tgtEl>
+                                        <p:attrNameLst>
+                                          <p:attrName>style.visibility</p:attrName>
+                                        </p:attrNameLst>
+                                      </p:cBhvr>
+                                      <p:to>
+                                        <p:strVal val="visible"/>
+                                      </p:to>
+                                    </p:set>
+                                  </p:childTnLst>
+                                </p:cTn>
+                              </p:par>
+                              <p:par>
+                                <p:cTn id="21" presetID="1" presetClass="entr" presetSubtype="0" fill="hold" nodeType="withEffect">
+                                  <p:stCondLst>
+                                    <p:cond delay="0"/>
+                                  </p:stCondLst>
+                                  <p:childTnLst>
+                                    <p:set>
+                                      <p:cBhvr>
+                                        <p:cTn id="22" dur="1" fill="hold">
+                                          <p:stCondLst>
+                                            <p:cond delay="0"/>
+                                          </p:stCondLst>
+                                        </p:cTn>
+                                        <p:tgtEl>
+                                          <p:spTgt spid="5">
+                                            <p:txEl>
+                                              <p:pRg st="6" end="6"/>
+                                            </p:txEl>
+                                          </p:spTgt>
+                                        </p:tgtEl>
+                                        <p:attrNameLst>
+                                          <p:attrName>style.visibility</p:attrName>
+                                        </p:attrNameLst>
+                                      </p:cBhvr>
+                                      <p:to>
+                                        <p:strVal val="visible"/>
+                                      </p:to>
+                                    </p:set>
+                                  </p:childTnLst>
+                                </p:cTn>
+                              </p:par>
+                              <p:par>
+                                <p:cTn id="23" presetID="1" presetClass="entr" presetSubtype="0" fill="hold" nodeType="withEffect">
+                                  <p:stCondLst>
+                                    <p:cond delay="0"/>
+                                  </p:stCondLst>
+                                  <p:childTnLst>
+                                    <p:set>
+                                      <p:cBhvr>
+                                        <p:cTn id="24" dur="1" fill="hold">
+                                          <p:stCondLst>
+                                            <p:cond delay="0"/>
+                                          </p:stCondLst>
+                                        </p:cTn>
+                                        <p:tgtEl>
+                                          <p:spTgt spid="5">
+                                            <p:txEl>
+                                              <p:pRg st="8" end="8"/>
+                                            </p:txEl>
+                                          </p:spTgt>
+                                        </p:tgtEl>
+                                        <p:attrNameLst>
+                                          <p:attrName>style.visibility</p:attrName>
+                                        </p:attrNameLst>
+                                      </p:cBhvr>
+                                      <p:to>
+                                        <p:strVal val="visible"/>
+                                      </p:to>
+                                    </p:set>
+                                  </p:childTnLst>
+                                </p:cTn>
+                              </p:par>
+                              <p:par>
+                                <p:cTn id="25" presetID="1" presetClass="entr" presetSubtype="0" fill="hold" nodeType="withEffect">
+                                  <p:stCondLst>
+                                    <p:cond delay="0"/>
+                                  </p:stCondLst>
+                                  <p:childTnLst>
+                                    <p:set>
+                                      <p:cBhvr>
+                                        <p:cTn id="26" dur="1" fill="hold">
+                                          <p:stCondLst>
+                                            <p:cond delay="0"/>
+                                          </p:stCondLst>
+                                        </p:cTn>
+                                        <p:tgtEl>
+                                          <p:spTgt spid="5">
+                                            <p:txEl>
+                                              <p:pRg st="7" end="7"/>
+                                            </p:txEl>
+                                          </p:spTgt>
+                                        </p:tgtEl>
+                                        <p:attrNameLst>
+                                          <p:attrName>style.visibility</p:attrName>
+                                        </p:attrNameLst>
+                                      </p:cBhvr>
+                                      <p:to>
+                                        <p:strVal val="visible"/>
+                                      </p:to>
+                                    </p:set>
+                                  </p:childTnLst>
+                                </p:cTn>
+                              </p:par>
+                            </p:childTnLst>
+                          </p:cTn>
+                        </p:par>
+                      </p:childTnLst>
+                    </p:cTn>
+                  </p:par>
+                </p:childTnLst>
+              </p:cTn>
+              <p:prevCondLst>
+                <p:cond evt="onPrev" delay="0">
+                  <p:tgtEl>
+                    <p:sldTgt/>
+                  </p:tgtEl>
+                </p:cond>
+              </p:prevCondLst>
+              <p:nextCondLst>
+                <p:cond evt="onNext" delay="0">
+                  <p:tgtEl>
+                    <p:sldTgt/>
+                  </p:tgtEl>
+                </p:cond>
+              </p:nextCondLst>
+            </p:seq>
+          </p:childTnLst>
+        </p:cTn>
+      </p:par>
+    </p:tnLst>
+  </p:timing>
+</p:sld>
+</file>
+
+<file path=ppt/slides/slide22.xml><?xml version="1.0" encoding="utf-8"?>
+<p:sld xmlns:a="http://schemas.openxmlformats.org/drawingml/2006/main" xmlns:r="http://schemas.openxmlformats.org/officeDocument/2006/relationships" xmlns:p="http://schemas.openxmlformats.org/presentationml/2006/main">
+  <p:cSld>
+    <p:spTree>
+      <p:nvGrpSpPr>
+        <p:cNvPr id="1" name=""/>
+        <p:cNvGrpSpPr/>
+        <p:nvPr/>
+      </p:nvGrpSpPr>
+      <p:grpSpPr>
+        <a:xfrm>
+          <a:off x="0" y="0"/>
+          <a:ext cx="0" cy="0"/>
+          <a:chOff x="0" y="0"/>
+          <a:chExt cx="0" cy="0"/>
+        </a:xfrm>
+      </p:grpSpPr>
+      <p:sp>
+        <p:nvSpPr>
+          <p:cNvPr id="2" name="Title 1"/>
+          <p:cNvSpPr>
+            <a:spLocks noGrp="1"/>
+          </p:cNvSpPr>
+          <p:nvPr>
+            <p:ph type="title"/>
+          </p:nvPr>
+        </p:nvSpPr>
+        <p:spPr/>
+        <p:txBody>
+          <a:bodyPr>
+            <a:normAutofit fontScale="90000"/>
+          </a:bodyPr>
+          <a:lstStyle/>
+          <a:p>
+            <a:r>
+              <a:rPr lang="en-US" sz="4900" dirty="0">
+                <a:solidFill>
+                  <a:schemeClr val="tx1"/>
+                </a:solidFill>
+              </a:rPr>
+              <a:t>Preferred solution: Azure Stack taxonomy</a:t>
+            </a:r>
+            <a:br>
+              <a:rPr lang="en-US" dirty="0">
+                <a:solidFill>
+                  <a:schemeClr val="tx1"/>
+                </a:solidFill>
+                <a:latin typeface="Segoe UI" panose="020B0502040204020203" pitchFamily="34" charset="0"/>
+              </a:rPr>
+            </a:br>
+            <a:endParaRPr lang="en-US" sz="3236" dirty="0">
+              <a:solidFill>
+                <a:schemeClr val="tx1"/>
+              </a:solidFill>
+              <a:latin typeface="Segoe UI" panose="020B0502040204020203" pitchFamily="34" charset="0"/>
+            </a:endParaRPr>
+          </a:p>
+        </p:txBody>
+      </p:sp>
+      <p:sp>
+        <p:nvSpPr>
+          <p:cNvPr id="5" name="Text Placeholder 4">
+            <a:extLst>
+              <a:ext uri="{FF2B5EF4-FFF2-40B4-BE49-F238E27FC236}">
+                <a16:creationId xmlns:a16="http://schemas.microsoft.com/office/drawing/2014/main" id="{E28EDA45-933E-4B85-A0FB-C545307C4490}"/>
+              </a:ext>
+            </a:extLst>
+          </p:cNvPr>
+          <p:cNvSpPr>
+            <a:spLocks noGrp="1"/>
+          </p:cNvSpPr>
+          <p:nvPr>
+            <p:ph type="body" sz="quarter" idx="10"/>
+          </p:nvPr>
+        </p:nvSpPr>
+        <p:spPr>
+          <a:xfrm>
+            <a:off x="269240" y="1084701"/>
+            <a:ext cx="11653523" cy="4873642"/>
+          </a:xfrm>
+        </p:spPr>
+        <p:txBody>
+          <a:bodyPr/>
+          <a:lstStyle/>
+          <a:p>
+            <a:r>
+              <a:rPr lang="en-US" sz="3600" dirty="0"/>
+              <a:t>Plans and quotas</a:t>
+            </a:r>
+          </a:p>
+          <a:p>
+            <a:pPr lvl="1"/>
+            <a:r>
+              <a:rPr lang="en-US" sz="2800" dirty="0"/>
+              <a:t>FT will create plans to offer the Contoso tenant.</a:t>
+            </a:r>
+          </a:p>
+          <a:p>
+            <a:pPr lvl="1"/>
+            <a:r>
+              <a:rPr lang="en-US" sz="2800" dirty="0"/>
+              <a:t>Two plans will initially be created: development and production.</a:t>
+            </a:r>
+          </a:p>
+          <a:p>
+            <a:pPr lvl="1"/>
+            <a:r>
+              <a:rPr lang="en-US" sz="2800" dirty="0"/>
+              <a:t>All services will be allowed for these subscriptions with quotas set lower for development.</a:t>
+            </a:r>
+          </a:p>
+          <a:p>
+            <a:endParaRPr lang="en-US" sz="3600" dirty="0"/>
+          </a:p>
+          <a:p>
+            <a:r>
+              <a:rPr lang="en-US" sz="3600" dirty="0"/>
+              <a:t>Offers</a:t>
+            </a:r>
+          </a:p>
+          <a:p>
+            <a:pPr lvl="1"/>
+            <a:r>
+              <a:rPr lang="en-US" sz="2800" dirty="0"/>
+              <a:t>Two offers will initially be created: development and production.</a:t>
+            </a:r>
+            <a:endParaRPr lang="en-US" sz="2032" dirty="0"/>
+          </a:p>
+          <a:p>
+            <a:pPr lvl="1"/>
+            <a:endParaRPr lang="en-US" sz="2032" dirty="0"/>
+          </a:p>
+          <a:p>
+            <a:pPr lvl="1"/>
+            <a:endParaRPr lang="en-US" sz="2032" dirty="0"/>
+          </a:p>
+        </p:txBody>
+      </p:sp>
+    </p:spTree>
+    <p:extLst>
+      <p:ext uri="{BB962C8B-B14F-4D97-AF65-F5344CB8AC3E}">
+        <p14:creationId xmlns:p14="http://schemas.microsoft.com/office/powerpoint/2010/main" val="1518179681"/>
       </p:ext>
     </p:extLst>
   </p:cSld>
@@ -20715,7 +19800,7 @@
                                         <p:tgtEl>
                                           <p:spTgt spid="5">
                                             <p:txEl>
-                                              <p:pRg st="4" end="4"/>
+                                              <p:pRg st="5" end="5"/>
                                             </p:txEl>
                                           </p:spTgt>
                                         </p:tgtEl>
@@ -20746,7 +19831,7 @@
                                         <p:tgtEl>
                                           <p:spTgt spid="5">
                                             <p:txEl>
-                                              <p:pRg st="5" end="5"/>
+                                              <p:pRg st="6" end="6"/>
                                             </p:txEl>
                                           </p:spTgt>
                                         </p:tgtEl>
@@ -20792,933 +19877,7 @@
 </p:sld>
 </file>
 
-<file path=ppt/slides/slide25.xml><?xml version="1.0" encoding="utf-8"?>
-<p:sld xmlns:a="http://schemas.openxmlformats.org/drawingml/2006/main" xmlns:r="http://schemas.openxmlformats.org/officeDocument/2006/relationships" xmlns:p="http://schemas.openxmlformats.org/presentationml/2006/main">
-  <p:cSld>
-    <p:spTree>
-      <p:nvGrpSpPr>
-        <p:cNvPr id="1" name=""/>
-        <p:cNvGrpSpPr/>
-        <p:nvPr/>
-      </p:nvGrpSpPr>
-      <p:grpSpPr>
-        <a:xfrm>
-          <a:off x="0" y="0"/>
-          <a:ext cx="0" cy="0"/>
-          <a:chOff x="0" y="0"/>
-          <a:chExt cx="0" cy="0"/>
-        </a:xfrm>
-      </p:grpSpPr>
-      <p:sp>
-        <p:nvSpPr>
-          <p:cNvPr id="2" name="Title 1"/>
-          <p:cNvSpPr>
-            <a:spLocks noGrp="1"/>
-          </p:cNvSpPr>
-          <p:nvPr>
-            <p:ph type="title"/>
-          </p:nvPr>
-        </p:nvSpPr>
-        <p:spPr/>
-        <p:txBody>
-          <a:bodyPr>
-            <a:normAutofit fontScale="90000"/>
-          </a:bodyPr>
-          <a:lstStyle/>
-          <a:p>
-            <a:r>
-              <a:rPr lang="en-US" sz="4900" dirty="0">
-                <a:solidFill>
-                  <a:schemeClr val="tx1"/>
-                </a:solidFill>
-              </a:rPr>
-              <a:t>Preferred solution: Azure Stack taxonomy</a:t>
-            </a:r>
-            <a:br>
-              <a:rPr lang="en-US" dirty="0">
-                <a:solidFill>
-                  <a:schemeClr val="tx1"/>
-                </a:solidFill>
-                <a:latin typeface="Segoe UI" panose="020B0502040204020203" pitchFamily="34" charset="0"/>
-              </a:rPr>
-            </a:br>
-            <a:endParaRPr lang="en-US" sz="3236" dirty="0">
-              <a:solidFill>
-                <a:schemeClr val="tx1"/>
-              </a:solidFill>
-              <a:latin typeface="Segoe UI" panose="020B0502040204020203" pitchFamily="34" charset="0"/>
-            </a:endParaRPr>
-          </a:p>
-        </p:txBody>
-      </p:sp>
-      <p:sp>
-        <p:nvSpPr>
-          <p:cNvPr id="5" name="Text Placeholder 4">
-            <a:extLst>
-              <a:ext uri="{FF2B5EF4-FFF2-40B4-BE49-F238E27FC236}">
-                <a16:creationId xmlns:a16="http://schemas.microsoft.com/office/drawing/2014/main" id="{E28EDA45-933E-4B85-A0FB-C545307C4490}"/>
-              </a:ext>
-            </a:extLst>
-          </p:cNvPr>
-          <p:cNvSpPr>
-            <a:spLocks noGrp="1"/>
-          </p:cNvSpPr>
-          <p:nvPr>
-            <p:ph type="body" sz="quarter" idx="10"/>
-          </p:nvPr>
-        </p:nvSpPr>
-        <p:spPr>
-          <a:xfrm>
-            <a:off x="269240" y="1163813"/>
-            <a:ext cx="11653523" cy="3532505"/>
-          </a:xfrm>
-        </p:spPr>
-        <p:txBody>
-          <a:bodyPr/>
-          <a:lstStyle/>
-          <a:p>
-            <a:pPr marL="0" indent="0">
-              <a:spcAft>
-                <a:spcPts val="600"/>
-              </a:spcAft>
-              <a:buNone/>
-            </a:pPr>
-            <a:r>
-              <a:rPr lang="en-US" sz="3600" dirty="0"/>
-              <a:t>Tenants</a:t>
-            </a:r>
-          </a:p>
-          <a:p>
-            <a:pPr lvl="1">
-              <a:spcAft>
-                <a:spcPts val="600"/>
-              </a:spcAft>
-            </a:pPr>
-            <a:r>
-              <a:rPr lang="en-US" sz="2800" dirty="0"/>
-              <a:t>Contoso will be setup as the primary tenant</a:t>
-            </a:r>
-          </a:p>
-          <a:p>
-            <a:pPr lvl="1">
-              <a:spcAft>
-                <a:spcPts val="600"/>
-              </a:spcAft>
-            </a:pPr>
-            <a:r>
-              <a:rPr lang="en-US" sz="2800" dirty="0"/>
-              <a:t>To accommodate requirements for integration with </a:t>
-            </a:r>
-            <a:r>
-              <a:rPr lang="en-US" sz="2800" dirty="0" err="1"/>
-              <a:t>Fabrikam</a:t>
-            </a:r>
-            <a:r>
-              <a:rPr lang="en-US" sz="2800" dirty="0"/>
-              <a:t> Azure Active Directory, FT will implement multi-tenant Azure Stack topology.</a:t>
-            </a:r>
-          </a:p>
-          <a:p>
-            <a:pPr lvl="1">
-              <a:spcAft>
-                <a:spcPts val="600"/>
-              </a:spcAft>
-            </a:pPr>
-            <a:r>
-              <a:rPr lang="en-US" sz="2800" dirty="0"/>
-              <a:t>The same topology can be further extended to include other tenants as Contoso grows its business</a:t>
-            </a:r>
-          </a:p>
-          <a:p>
-            <a:pPr lvl="1"/>
-            <a:endParaRPr lang="en-US" sz="2032" dirty="0"/>
-          </a:p>
-        </p:txBody>
-      </p:sp>
-    </p:spTree>
-    <p:extLst>
-      <p:ext uri="{BB962C8B-B14F-4D97-AF65-F5344CB8AC3E}">
-        <p14:creationId xmlns:p14="http://schemas.microsoft.com/office/powerpoint/2010/main" val="2952100936"/>
-      </p:ext>
-    </p:extLst>
-  </p:cSld>
-  <p:clrMapOvr>
-    <a:masterClrMapping/>
-  </p:clrMapOvr>
-  <mc:AlternateContent xmlns:mc="http://schemas.openxmlformats.org/markup-compatibility/2006" xmlns:p14="http://schemas.microsoft.com/office/powerpoint/2010/main">
-    <mc:Choice Requires="p14">
-      <p:transition p14:dur="0"/>
-    </mc:Choice>
-    <mc:Fallback xmlns="">
-      <p:transition/>
-    </mc:Fallback>
-  </mc:AlternateContent>
-  <p:timing>
-    <p:tnLst>
-      <p:par>
-        <p:cTn id="1" dur="indefinite" restart="never" nodeType="tmRoot">
-          <p:childTnLst>
-            <p:seq concurrent="1" nextAc="seek">
-              <p:cTn id="2" dur="indefinite" nodeType="mainSeq">
-                <p:childTnLst>
-                  <p:par>
-                    <p:cTn id="3" fill="hold">
-                      <p:stCondLst>
-                        <p:cond delay="indefinite"/>
-                      </p:stCondLst>
-                      <p:childTnLst>
-                        <p:par>
-                          <p:cTn id="4" fill="hold">
-                            <p:stCondLst>
-                              <p:cond delay="0"/>
-                            </p:stCondLst>
-                            <p:childTnLst>
-                              <p:par>
-                                <p:cTn id="5" presetID="1" presetClass="entr" presetSubtype="0" fill="hold" nodeType="clickEffect">
-                                  <p:stCondLst>
-                                    <p:cond delay="0"/>
-                                  </p:stCondLst>
-                                  <p:childTnLst>
-                                    <p:set>
-                                      <p:cBhvr>
-                                        <p:cTn id="6" dur="1" fill="hold">
-                                          <p:stCondLst>
-                                            <p:cond delay="0"/>
-                                          </p:stCondLst>
-                                        </p:cTn>
-                                        <p:tgtEl>
-                                          <p:spTgt spid="5">
-                                            <p:txEl>
-                                              <p:pRg st="0" end="0"/>
-                                            </p:txEl>
-                                          </p:spTgt>
-                                        </p:tgtEl>
-                                        <p:attrNameLst>
-                                          <p:attrName>style.visibility</p:attrName>
-                                        </p:attrNameLst>
-                                      </p:cBhvr>
-                                      <p:to>
-                                        <p:strVal val="visible"/>
-                                      </p:to>
-                                    </p:set>
-                                  </p:childTnLst>
-                                </p:cTn>
-                              </p:par>
-                              <p:par>
-                                <p:cTn id="7" presetID="1" presetClass="entr" presetSubtype="0" fill="hold" nodeType="withEffect">
-                                  <p:stCondLst>
-                                    <p:cond delay="0"/>
-                                  </p:stCondLst>
-                                  <p:childTnLst>
-                                    <p:set>
-                                      <p:cBhvr>
-                                        <p:cTn id="8" dur="1" fill="hold">
-                                          <p:stCondLst>
-                                            <p:cond delay="0"/>
-                                          </p:stCondLst>
-                                        </p:cTn>
-                                        <p:tgtEl>
-                                          <p:spTgt spid="5">
-                                            <p:txEl>
-                                              <p:pRg st="1" end="1"/>
-                                            </p:txEl>
-                                          </p:spTgt>
-                                        </p:tgtEl>
-                                        <p:attrNameLst>
-                                          <p:attrName>style.visibility</p:attrName>
-                                        </p:attrNameLst>
-                                      </p:cBhvr>
-                                      <p:to>
-                                        <p:strVal val="visible"/>
-                                      </p:to>
-                                    </p:set>
-                                  </p:childTnLst>
-                                </p:cTn>
-                              </p:par>
-                              <p:par>
-                                <p:cTn id="9" presetID="1" presetClass="entr" presetSubtype="0" fill="hold" nodeType="withEffect">
-                                  <p:stCondLst>
-                                    <p:cond delay="0"/>
-                                  </p:stCondLst>
-                                  <p:childTnLst>
-                                    <p:set>
-                                      <p:cBhvr>
-                                        <p:cTn id="10" dur="1" fill="hold">
-                                          <p:stCondLst>
-                                            <p:cond delay="0"/>
-                                          </p:stCondLst>
-                                        </p:cTn>
-                                        <p:tgtEl>
-                                          <p:spTgt spid="5">
-                                            <p:txEl>
-                                              <p:pRg st="2" end="2"/>
-                                            </p:txEl>
-                                          </p:spTgt>
-                                        </p:tgtEl>
-                                        <p:attrNameLst>
-                                          <p:attrName>style.visibility</p:attrName>
-                                        </p:attrNameLst>
-                                      </p:cBhvr>
-                                      <p:to>
-                                        <p:strVal val="visible"/>
-                                      </p:to>
-                                    </p:set>
-                                  </p:childTnLst>
-                                </p:cTn>
-                              </p:par>
-                              <p:par>
-                                <p:cTn id="11" presetID="1" presetClass="entr" presetSubtype="0" fill="hold" nodeType="withEffect">
-                                  <p:stCondLst>
-                                    <p:cond delay="0"/>
-                                  </p:stCondLst>
-                                  <p:childTnLst>
-                                    <p:set>
-                                      <p:cBhvr>
-                                        <p:cTn id="12" dur="1" fill="hold">
-                                          <p:stCondLst>
-                                            <p:cond delay="0"/>
-                                          </p:stCondLst>
-                                        </p:cTn>
-                                        <p:tgtEl>
-                                          <p:spTgt spid="5">
-                                            <p:txEl>
-                                              <p:pRg st="3" end="3"/>
-                                            </p:txEl>
-                                          </p:spTgt>
-                                        </p:tgtEl>
-                                        <p:attrNameLst>
-                                          <p:attrName>style.visibility</p:attrName>
-                                        </p:attrNameLst>
-                                      </p:cBhvr>
-                                      <p:to>
-                                        <p:strVal val="visible"/>
-                                      </p:to>
-                                    </p:set>
-                                  </p:childTnLst>
-                                </p:cTn>
-                              </p:par>
-                            </p:childTnLst>
-                          </p:cTn>
-                        </p:par>
-                      </p:childTnLst>
-                    </p:cTn>
-                  </p:par>
-                </p:childTnLst>
-              </p:cTn>
-              <p:prevCondLst>
-                <p:cond evt="onPrev" delay="0">
-                  <p:tgtEl>
-                    <p:sldTgt/>
-                  </p:tgtEl>
-                </p:cond>
-              </p:prevCondLst>
-              <p:nextCondLst>
-                <p:cond evt="onNext" delay="0">
-                  <p:tgtEl>
-                    <p:sldTgt/>
-                  </p:tgtEl>
-                </p:cond>
-              </p:nextCondLst>
-            </p:seq>
-          </p:childTnLst>
-        </p:cTn>
-      </p:par>
-    </p:tnLst>
-  </p:timing>
-</p:sld>
-</file>
-
-<file path=ppt/slides/slide26.xml><?xml version="1.0" encoding="utf-8"?>
-<p:sld xmlns:a="http://schemas.openxmlformats.org/drawingml/2006/main" xmlns:r="http://schemas.openxmlformats.org/officeDocument/2006/relationships" xmlns:p="http://schemas.openxmlformats.org/presentationml/2006/main">
-  <p:cSld>
-    <p:spTree>
-      <p:nvGrpSpPr>
-        <p:cNvPr id="1" name=""/>
-        <p:cNvGrpSpPr/>
-        <p:nvPr/>
-      </p:nvGrpSpPr>
-      <p:grpSpPr>
-        <a:xfrm>
-          <a:off x="0" y="0"/>
-          <a:ext cx="0" cy="0"/>
-          <a:chOff x="0" y="0"/>
-          <a:chExt cx="0" cy="0"/>
-        </a:xfrm>
-      </p:grpSpPr>
-      <p:sp>
-        <p:nvSpPr>
-          <p:cNvPr id="2" name="Title 1"/>
-          <p:cNvSpPr>
-            <a:spLocks noGrp="1"/>
-          </p:cNvSpPr>
-          <p:nvPr>
-            <p:ph type="title"/>
-          </p:nvPr>
-        </p:nvSpPr>
-        <p:spPr/>
-        <p:txBody>
-          <a:bodyPr>
-            <a:normAutofit fontScale="90000"/>
-          </a:bodyPr>
-          <a:lstStyle/>
-          <a:p>
-            <a:r>
-              <a:rPr lang="en-US" sz="4900" dirty="0">
-                <a:solidFill>
-                  <a:schemeClr val="tx1"/>
-                </a:solidFill>
-              </a:rPr>
-              <a:t>Preferred solution: Azure Stack taxonomy</a:t>
-            </a:r>
-            <a:br>
-              <a:rPr lang="en-US" dirty="0">
-                <a:solidFill>
-                  <a:schemeClr val="tx1"/>
-                </a:solidFill>
-                <a:latin typeface="Segoe UI" panose="020B0502040204020203" pitchFamily="34" charset="0"/>
-              </a:rPr>
-            </a:br>
-            <a:endParaRPr lang="en-US" sz="3236" dirty="0">
-              <a:solidFill>
-                <a:schemeClr val="tx1"/>
-              </a:solidFill>
-              <a:latin typeface="Segoe UI" panose="020B0502040204020203" pitchFamily="34" charset="0"/>
-            </a:endParaRPr>
-          </a:p>
-        </p:txBody>
-      </p:sp>
-      <p:sp>
-        <p:nvSpPr>
-          <p:cNvPr id="5" name="Text Placeholder 4">
-            <a:extLst>
-              <a:ext uri="{FF2B5EF4-FFF2-40B4-BE49-F238E27FC236}">
-                <a16:creationId xmlns:a16="http://schemas.microsoft.com/office/drawing/2014/main" id="{E28EDA45-933E-4B85-A0FB-C545307C4490}"/>
-              </a:ext>
-            </a:extLst>
-          </p:cNvPr>
-          <p:cNvSpPr>
-            <a:spLocks noGrp="1"/>
-          </p:cNvSpPr>
-          <p:nvPr>
-            <p:ph type="body" sz="quarter" idx="10"/>
-          </p:nvPr>
-        </p:nvSpPr>
-        <p:spPr>
-          <a:xfrm>
-            <a:off x="269240" y="1084701"/>
-            <a:ext cx="11653523" cy="6440225"/>
-          </a:xfrm>
-        </p:spPr>
-        <p:txBody>
-          <a:bodyPr/>
-          <a:lstStyle/>
-          <a:p>
-            <a:pPr marL="0" indent="0">
-              <a:spcAft>
-                <a:spcPts val="600"/>
-              </a:spcAft>
-              <a:buNone/>
-            </a:pPr>
-            <a:r>
-              <a:rPr lang="en-US" sz="3600" dirty="0"/>
-              <a:t>Subscriptions</a:t>
-            </a:r>
-          </a:p>
-          <a:p>
-            <a:pPr lvl="1">
-              <a:spcAft>
-                <a:spcPts val="600"/>
-              </a:spcAft>
-            </a:pPr>
-            <a:r>
-              <a:rPr lang="en-US" sz="2800" dirty="0"/>
-              <a:t>The Azure Stack environment will contain multiple subscriptions. </a:t>
-            </a:r>
-          </a:p>
-          <a:p>
-            <a:pPr lvl="1">
-              <a:spcAft>
-                <a:spcPts val="600"/>
-              </a:spcAft>
-            </a:pPr>
-            <a:r>
-              <a:rPr lang="en-US" sz="2800" dirty="0"/>
-              <a:t>Distinct subscriptions will facilitate cost allocation and chargeback processes.</a:t>
-            </a:r>
-            <a:endParaRPr lang="en-US" sz="2032" dirty="0"/>
-          </a:p>
-          <a:p>
-            <a:r>
-              <a:rPr lang="en-US" sz="3600" dirty="0"/>
-              <a:t>Plans and quotas</a:t>
-            </a:r>
-          </a:p>
-          <a:p>
-            <a:pPr lvl="1"/>
-            <a:r>
-              <a:rPr lang="en-US" sz="2800" dirty="0"/>
-              <a:t>FT will create plans to offer the Contoso tenant.</a:t>
-            </a:r>
-          </a:p>
-          <a:p>
-            <a:pPr lvl="1"/>
-            <a:r>
-              <a:rPr lang="en-US" sz="2800" dirty="0"/>
-              <a:t>Two plans will initially be created: development and production.</a:t>
-            </a:r>
-          </a:p>
-          <a:p>
-            <a:pPr lvl="1"/>
-            <a:r>
-              <a:rPr lang="en-US" sz="2800" dirty="0"/>
-              <a:t>All services will be allowed for these subscriptions with quotas set lower for development.</a:t>
-            </a:r>
-          </a:p>
-          <a:p>
-            <a:r>
-              <a:rPr lang="en-US" sz="3600" dirty="0"/>
-              <a:t>Offers</a:t>
-            </a:r>
-          </a:p>
-          <a:p>
-            <a:pPr lvl="1"/>
-            <a:r>
-              <a:rPr lang="en-US" sz="2800" dirty="0"/>
-              <a:t>Two offers will initially be created: development and production.</a:t>
-            </a:r>
-            <a:endParaRPr lang="en-US" sz="2032" dirty="0"/>
-          </a:p>
-          <a:p>
-            <a:pPr lvl="1"/>
-            <a:endParaRPr lang="en-US" sz="2032" dirty="0"/>
-          </a:p>
-          <a:p>
-            <a:pPr lvl="1"/>
-            <a:endParaRPr lang="en-US" sz="2032" dirty="0"/>
-          </a:p>
-        </p:txBody>
-      </p:sp>
-    </p:spTree>
-    <p:extLst>
-      <p:ext uri="{BB962C8B-B14F-4D97-AF65-F5344CB8AC3E}">
-        <p14:creationId xmlns:p14="http://schemas.microsoft.com/office/powerpoint/2010/main" val="1518179681"/>
-      </p:ext>
-    </p:extLst>
-  </p:cSld>
-  <p:clrMapOvr>
-    <a:masterClrMapping/>
-  </p:clrMapOvr>
-  <mc:AlternateContent xmlns:mc="http://schemas.openxmlformats.org/markup-compatibility/2006" xmlns:p14="http://schemas.microsoft.com/office/powerpoint/2010/main">
-    <mc:Choice Requires="p14">
-      <p:transition p14:dur="0"/>
-    </mc:Choice>
-    <mc:Fallback xmlns="">
-      <p:transition/>
-    </mc:Fallback>
-  </mc:AlternateContent>
-  <p:timing>
-    <p:tnLst>
-      <p:par>
-        <p:cTn id="1" dur="indefinite" restart="never" nodeType="tmRoot">
-          <p:childTnLst>
-            <p:seq concurrent="1" nextAc="seek">
-              <p:cTn id="2" dur="indefinite" nodeType="mainSeq">
-                <p:childTnLst>
-                  <p:par>
-                    <p:cTn id="3" fill="hold">
-                      <p:stCondLst>
-                        <p:cond delay="indefinite"/>
-                      </p:stCondLst>
-                      <p:childTnLst>
-                        <p:par>
-                          <p:cTn id="4" fill="hold">
-                            <p:stCondLst>
-                              <p:cond delay="0"/>
-                            </p:stCondLst>
-                            <p:childTnLst>
-                              <p:par>
-                                <p:cTn id="5" presetID="1" presetClass="entr" presetSubtype="0" fill="hold" nodeType="clickEffect">
-                                  <p:stCondLst>
-                                    <p:cond delay="0"/>
-                                  </p:stCondLst>
-                                  <p:childTnLst>
-                                    <p:set>
-                                      <p:cBhvr>
-                                        <p:cTn id="6" dur="1" fill="hold">
-                                          <p:stCondLst>
-                                            <p:cond delay="0"/>
-                                          </p:stCondLst>
-                                        </p:cTn>
-                                        <p:tgtEl>
-                                          <p:spTgt spid="5">
-                                            <p:txEl>
-                                              <p:pRg st="0" end="0"/>
-                                            </p:txEl>
-                                          </p:spTgt>
-                                        </p:tgtEl>
-                                        <p:attrNameLst>
-                                          <p:attrName>style.visibility</p:attrName>
-                                        </p:attrNameLst>
-                                      </p:cBhvr>
-                                      <p:to>
-                                        <p:strVal val="visible"/>
-                                      </p:to>
-                                    </p:set>
-                                  </p:childTnLst>
-                                </p:cTn>
-                              </p:par>
-                            </p:childTnLst>
-                          </p:cTn>
-                        </p:par>
-                      </p:childTnLst>
-                    </p:cTn>
-                  </p:par>
-                  <p:par>
-                    <p:cTn id="7" fill="hold">
-                      <p:stCondLst>
-                        <p:cond delay="indefinite"/>
-                      </p:stCondLst>
-                      <p:childTnLst>
-                        <p:par>
-                          <p:cTn id="8" fill="hold">
-                            <p:stCondLst>
-                              <p:cond delay="0"/>
-                            </p:stCondLst>
-                            <p:childTnLst>
-                              <p:par>
-                                <p:cTn id="9" presetID="1" presetClass="entr" presetSubtype="0" fill="hold" nodeType="clickEffect">
-                                  <p:stCondLst>
-                                    <p:cond delay="0"/>
-                                  </p:stCondLst>
-                                  <p:childTnLst>
-                                    <p:set>
-                                      <p:cBhvr>
-                                        <p:cTn id="10" dur="1" fill="hold">
-                                          <p:stCondLst>
-                                            <p:cond delay="0"/>
-                                          </p:stCondLst>
-                                        </p:cTn>
-                                        <p:tgtEl>
-                                          <p:spTgt spid="5">
-                                            <p:txEl>
-                                              <p:pRg st="1" end="1"/>
-                                            </p:txEl>
-                                          </p:spTgt>
-                                        </p:tgtEl>
-                                        <p:attrNameLst>
-                                          <p:attrName>style.visibility</p:attrName>
-                                        </p:attrNameLst>
-                                      </p:cBhvr>
-                                      <p:to>
-                                        <p:strVal val="visible"/>
-                                      </p:to>
-                                    </p:set>
-                                  </p:childTnLst>
-                                </p:cTn>
-                              </p:par>
-                            </p:childTnLst>
-                          </p:cTn>
-                        </p:par>
-                      </p:childTnLst>
-                    </p:cTn>
-                  </p:par>
-                  <p:par>
-                    <p:cTn id="11" fill="hold">
-                      <p:stCondLst>
-                        <p:cond delay="indefinite"/>
-                      </p:stCondLst>
-                      <p:childTnLst>
-                        <p:par>
-                          <p:cTn id="12" fill="hold">
-                            <p:stCondLst>
-                              <p:cond delay="0"/>
-                            </p:stCondLst>
-                            <p:childTnLst>
-                              <p:par>
-                                <p:cTn id="13" presetID="1" presetClass="entr" presetSubtype="0" fill="hold" nodeType="clickEffect">
-                                  <p:stCondLst>
-                                    <p:cond delay="0"/>
-                                  </p:stCondLst>
-                                  <p:childTnLst>
-                                    <p:set>
-                                      <p:cBhvr>
-                                        <p:cTn id="14" dur="1" fill="hold">
-                                          <p:stCondLst>
-                                            <p:cond delay="0"/>
-                                          </p:stCondLst>
-                                        </p:cTn>
-                                        <p:tgtEl>
-                                          <p:spTgt spid="5">
-                                            <p:txEl>
-                                              <p:pRg st="2" end="2"/>
-                                            </p:txEl>
-                                          </p:spTgt>
-                                        </p:tgtEl>
-                                        <p:attrNameLst>
-                                          <p:attrName>style.visibility</p:attrName>
-                                        </p:attrNameLst>
-                                      </p:cBhvr>
-                                      <p:to>
-                                        <p:strVal val="visible"/>
-                                      </p:to>
-                                    </p:set>
-                                  </p:childTnLst>
-                                </p:cTn>
-                              </p:par>
-                            </p:childTnLst>
-                          </p:cTn>
-                        </p:par>
-                      </p:childTnLst>
-                    </p:cTn>
-                  </p:par>
-                  <p:par>
-                    <p:cTn id="15" fill="hold">
-                      <p:stCondLst>
-                        <p:cond delay="indefinite"/>
-                      </p:stCondLst>
-                      <p:childTnLst>
-                        <p:par>
-                          <p:cTn id="16" fill="hold">
-                            <p:stCondLst>
-                              <p:cond delay="0"/>
-                            </p:stCondLst>
-                            <p:childTnLst>
-                              <p:par>
-                                <p:cTn id="17" presetID="1" presetClass="entr" presetSubtype="0" fill="hold" nodeType="clickEffect">
-                                  <p:stCondLst>
-                                    <p:cond delay="0"/>
-                                  </p:stCondLst>
-                                  <p:childTnLst>
-                                    <p:set>
-                                      <p:cBhvr>
-                                        <p:cTn id="18" dur="1" fill="hold">
-                                          <p:stCondLst>
-                                            <p:cond delay="0"/>
-                                          </p:stCondLst>
-                                        </p:cTn>
-                                        <p:tgtEl>
-                                          <p:spTgt spid="5">
-                                            <p:txEl>
-                                              <p:pRg st="3" end="3"/>
-                                            </p:txEl>
-                                          </p:spTgt>
-                                        </p:tgtEl>
-                                        <p:attrNameLst>
-                                          <p:attrName>style.visibility</p:attrName>
-                                        </p:attrNameLst>
-                                      </p:cBhvr>
-                                      <p:to>
-                                        <p:strVal val="visible"/>
-                                      </p:to>
-                                    </p:set>
-                                  </p:childTnLst>
-                                </p:cTn>
-                              </p:par>
-                              <p:par>
-                                <p:cTn id="19" presetID="1" presetClass="entr" presetSubtype="0" fill="hold" nodeType="withEffect">
-                                  <p:stCondLst>
-                                    <p:cond delay="0"/>
-                                  </p:stCondLst>
-                                  <p:childTnLst>
-                                    <p:set>
-                                      <p:cBhvr>
-                                        <p:cTn id="20" dur="1" fill="hold">
-                                          <p:stCondLst>
-                                            <p:cond delay="0"/>
-                                          </p:stCondLst>
-                                        </p:cTn>
-                                        <p:tgtEl>
-                                          <p:spTgt spid="5">
-                                            <p:txEl>
-                                              <p:pRg st="4" end="4"/>
-                                            </p:txEl>
-                                          </p:spTgt>
-                                        </p:tgtEl>
-                                        <p:attrNameLst>
-                                          <p:attrName>style.visibility</p:attrName>
-                                        </p:attrNameLst>
-                                      </p:cBhvr>
-                                      <p:to>
-                                        <p:strVal val="visible"/>
-                                      </p:to>
-                                    </p:set>
-                                  </p:childTnLst>
-                                </p:cTn>
-                              </p:par>
-                              <p:par>
-                                <p:cTn id="21" presetID="1" presetClass="entr" presetSubtype="0" fill="hold" nodeType="withEffect">
-                                  <p:stCondLst>
-                                    <p:cond delay="0"/>
-                                  </p:stCondLst>
-                                  <p:childTnLst>
-                                    <p:set>
-                                      <p:cBhvr>
-                                        <p:cTn id="22" dur="1" fill="hold">
-                                          <p:stCondLst>
-                                            <p:cond delay="0"/>
-                                          </p:stCondLst>
-                                        </p:cTn>
-                                        <p:tgtEl>
-                                          <p:spTgt spid="5">
-                                            <p:txEl>
-                                              <p:pRg st="5" end="5"/>
-                                            </p:txEl>
-                                          </p:spTgt>
-                                        </p:tgtEl>
-                                        <p:attrNameLst>
-                                          <p:attrName>style.visibility</p:attrName>
-                                        </p:attrNameLst>
-                                      </p:cBhvr>
-                                      <p:to>
-                                        <p:strVal val="visible"/>
-                                      </p:to>
-                                    </p:set>
-                                  </p:childTnLst>
-                                </p:cTn>
-                              </p:par>
-                              <p:par>
-                                <p:cTn id="23" presetID="1" presetClass="entr" presetSubtype="0" fill="hold" nodeType="withEffect">
-                                  <p:stCondLst>
-                                    <p:cond delay="0"/>
-                                  </p:stCondLst>
-                                  <p:childTnLst>
-                                    <p:set>
-                                      <p:cBhvr>
-                                        <p:cTn id="24" dur="1" fill="hold">
-                                          <p:stCondLst>
-                                            <p:cond delay="0"/>
-                                          </p:stCondLst>
-                                        </p:cTn>
-                                        <p:tgtEl>
-                                          <p:spTgt spid="5">
-                                            <p:txEl>
-                                              <p:pRg st="6" end="6"/>
-                                            </p:txEl>
-                                          </p:spTgt>
-                                        </p:tgtEl>
-                                        <p:attrNameLst>
-                                          <p:attrName>style.visibility</p:attrName>
-                                        </p:attrNameLst>
-                                      </p:cBhvr>
-                                      <p:to>
-                                        <p:strVal val="visible"/>
-                                      </p:to>
-                                    </p:set>
-                                  </p:childTnLst>
-                                </p:cTn>
-                              </p:par>
-                            </p:childTnLst>
-                          </p:cTn>
-                        </p:par>
-                      </p:childTnLst>
-                    </p:cTn>
-                  </p:par>
-                  <p:par>
-                    <p:cTn id="25" fill="hold">
-                      <p:stCondLst>
-                        <p:cond delay="indefinite"/>
-                      </p:stCondLst>
-                      <p:childTnLst>
-                        <p:par>
-                          <p:cTn id="26" fill="hold">
-                            <p:stCondLst>
-                              <p:cond delay="0"/>
-                            </p:stCondLst>
-                            <p:childTnLst>
-                              <p:par>
-                                <p:cTn id="27" presetID="1" presetClass="entr" presetSubtype="0" fill="hold" nodeType="clickEffect">
-                                  <p:stCondLst>
-                                    <p:cond delay="0"/>
-                                  </p:stCondLst>
-                                  <p:childTnLst>
-                                    <p:set>
-                                      <p:cBhvr>
-                                        <p:cTn id="28" dur="1" fill="hold">
-                                          <p:stCondLst>
-                                            <p:cond delay="0"/>
-                                          </p:stCondLst>
-                                        </p:cTn>
-                                        <p:tgtEl>
-                                          <p:spTgt spid="5">
-                                            <p:txEl>
-                                              <p:pRg st="7" end="7"/>
-                                            </p:txEl>
-                                          </p:spTgt>
-                                        </p:tgtEl>
-                                        <p:attrNameLst>
-                                          <p:attrName>style.visibility</p:attrName>
-                                        </p:attrNameLst>
-                                      </p:cBhvr>
-                                      <p:to>
-                                        <p:strVal val="visible"/>
-                                      </p:to>
-                                    </p:set>
-                                  </p:childTnLst>
-                                </p:cTn>
-                              </p:par>
-                              <p:par>
-                                <p:cTn id="29" presetID="1" presetClass="entr" presetSubtype="0" fill="hold" nodeType="withEffect">
-                                  <p:stCondLst>
-                                    <p:cond delay="0"/>
-                                  </p:stCondLst>
-                                  <p:childTnLst>
-                                    <p:set>
-                                      <p:cBhvr>
-                                        <p:cTn id="30" dur="1" fill="hold">
-                                          <p:stCondLst>
-                                            <p:cond delay="0"/>
-                                          </p:stCondLst>
-                                        </p:cTn>
-                                        <p:tgtEl>
-                                          <p:spTgt spid="5">
-                                            <p:txEl>
-                                              <p:pRg st="8" end="8"/>
-                                            </p:txEl>
-                                          </p:spTgt>
-                                        </p:tgtEl>
-                                        <p:attrNameLst>
-                                          <p:attrName>style.visibility</p:attrName>
-                                        </p:attrNameLst>
-                                      </p:cBhvr>
-                                      <p:to>
-                                        <p:strVal val="visible"/>
-                                      </p:to>
-                                    </p:set>
-                                  </p:childTnLst>
-                                </p:cTn>
-                              </p:par>
-                            </p:childTnLst>
-                          </p:cTn>
-                        </p:par>
-                      </p:childTnLst>
-                    </p:cTn>
-                  </p:par>
-                </p:childTnLst>
-              </p:cTn>
-              <p:prevCondLst>
-                <p:cond evt="onPrev" delay="0">
-                  <p:tgtEl>
-                    <p:sldTgt/>
-                  </p:tgtEl>
-                </p:cond>
-              </p:prevCondLst>
-              <p:nextCondLst>
-                <p:cond evt="onNext" delay="0">
-                  <p:tgtEl>
-                    <p:sldTgt/>
-                  </p:tgtEl>
-                </p:cond>
-              </p:nextCondLst>
-            </p:seq>
-          </p:childTnLst>
-        </p:cTn>
-      </p:par>
-    </p:tnLst>
-  </p:timing>
-</p:sld>
-</file>
-
-<file path=ppt/slides/slide27.xml><?xml version="1.0" encoding="utf-8"?>
+<file path=ppt/slides/slide23.xml><?xml version="1.0" encoding="utf-8"?>
 <p:sld xmlns:a="http://schemas.openxmlformats.org/drawingml/2006/main" xmlns:r="http://schemas.openxmlformats.org/officeDocument/2006/relationships" xmlns:p="http://schemas.openxmlformats.org/presentationml/2006/main">
   <p:cSld>
     <p:spTree>
@@ -22154,7 +20313,7 @@
 </p:sld>
 </file>
 
-<file path=ppt/slides/slide28.xml><?xml version="1.0" encoding="utf-8"?>
+<file path=ppt/slides/slide24.xml><?xml version="1.0" encoding="utf-8"?>
 <p:sld xmlns:a="http://schemas.openxmlformats.org/drawingml/2006/main" xmlns:r="http://schemas.openxmlformats.org/officeDocument/2006/relationships" xmlns:p="http://schemas.openxmlformats.org/presentationml/2006/main">
   <p:cSld>
     <p:spTree>
@@ -22264,7 +20423,7 @@
 </p:sld>
 </file>
 
-<file path=ppt/slides/slide29.xml><?xml version="1.0" encoding="utf-8"?>
+<file path=ppt/slides/slide25.xml><?xml version="1.0" encoding="utf-8"?>
 <p:sld xmlns:a="http://schemas.openxmlformats.org/drawingml/2006/main" xmlns:r="http://schemas.openxmlformats.org/officeDocument/2006/relationships" xmlns:p="http://schemas.openxmlformats.org/presentationml/2006/main">
   <p:cSld>
     <p:spTree>
@@ -22471,189 +20630,7 @@
 </p:sld>
 </file>
 
-<file path=ppt/slides/slide3.xml><?xml version="1.0" encoding="utf-8"?>
-<p:sld xmlns:a="http://schemas.openxmlformats.org/drawingml/2006/main" xmlns:r="http://schemas.openxmlformats.org/officeDocument/2006/relationships" xmlns:p="http://schemas.openxmlformats.org/presentationml/2006/main">
-  <p:cSld>
-    <p:bg>
-      <p:bgPr>
-        <a:solidFill>
-          <a:schemeClr val="bg2"/>
-        </a:solidFill>
-        <a:effectLst/>
-      </p:bgPr>
-    </p:bg>
-    <p:spTree>
-      <p:nvGrpSpPr>
-        <p:cNvPr id="1" name=""/>
-        <p:cNvGrpSpPr/>
-        <p:nvPr/>
-      </p:nvGrpSpPr>
-      <p:grpSpPr>
-        <a:xfrm>
-          <a:off x="0" y="0"/>
-          <a:ext cx="0" cy="0"/>
-          <a:chOff x="0" y="0"/>
-          <a:chExt cx="0" cy="0"/>
-        </a:xfrm>
-      </p:grpSpPr>
-      <p:sp>
-        <p:nvSpPr>
-          <p:cNvPr id="2" name="Title 1"/>
-          <p:cNvSpPr>
-            <a:spLocks noGrp="1"/>
-          </p:cNvSpPr>
-          <p:nvPr>
-            <p:ph type="title"/>
-          </p:nvPr>
-        </p:nvSpPr>
-        <p:spPr/>
-        <p:txBody>
-          <a:bodyPr>
-            <a:normAutofit/>
-          </a:bodyPr>
-          <a:lstStyle/>
-          <a:p>
-            <a:r>
-              <a:rPr lang="en-US" sz="4400" dirty="0">
-                <a:solidFill>
-                  <a:schemeClr val="tx1"/>
-                </a:solidFill>
-                <a:latin typeface="Segoe UI Light" panose="020B0502040204020203" pitchFamily="34" charset="0"/>
-                <a:cs typeface="Segoe UI Light" panose="020B0502040204020203" pitchFamily="34" charset="0"/>
-              </a:rPr>
-              <a:t>Step 1: Review the customer case study</a:t>
-            </a:r>
-          </a:p>
-        </p:txBody>
-      </p:sp>
-      <p:sp>
-        <p:nvSpPr>
-          <p:cNvPr id="9" name="TextBox 8">
-            <a:extLst>
-              <a:ext uri="{FF2B5EF4-FFF2-40B4-BE49-F238E27FC236}">
-                <a16:creationId xmlns:a16="http://schemas.microsoft.com/office/drawing/2014/main" id="{0F86F9F9-39B5-4CE6-AF48-9ADAE40EA728}"/>
-              </a:ext>
-            </a:extLst>
-          </p:cNvPr>
-          <p:cNvSpPr txBox="1"/>
-          <p:nvPr/>
-        </p:nvSpPr>
-        <p:spPr>
-          <a:xfrm>
-            <a:off x="340285" y="1741246"/>
-            <a:ext cx="7247965" cy="2597634"/>
-          </a:xfrm>
-          <a:prstGeom prst="rect">
-            <a:avLst/>
-          </a:prstGeom>
-          <a:noFill/>
-        </p:spPr>
-        <p:txBody>
-          <a:bodyPr wrap="square" lIns="182880" tIns="146304" rIns="182880" bIns="146304" rtlCol="0">
-            <a:spAutoFit/>
-          </a:bodyPr>
-          <a:lstStyle/>
-          <a:p>
-            <a:pPr>
-              <a:lnSpc>
-                <a:spcPct val="90000"/>
-              </a:lnSpc>
-              <a:spcAft>
-                <a:spcPts val="600"/>
-              </a:spcAft>
-            </a:pPr>
-            <a:r>
-              <a:rPr lang="en-US" sz="3600" dirty="0">
-                <a:latin typeface="+mj-lt"/>
-              </a:rPr>
-              <a:t>Outcome</a:t>
-            </a:r>
-          </a:p>
-          <a:p>
-            <a:pPr>
-              <a:lnSpc>
-                <a:spcPct val="90000"/>
-              </a:lnSpc>
-              <a:spcAft>
-                <a:spcPts val="600"/>
-              </a:spcAft>
-            </a:pPr>
-            <a:r>
-              <a:rPr lang="en-US" sz="2400" dirty="0">
-                <a:latin typeface="Segoe UI Semilight" panose="020B0402040204020203" pitchFamily="34" charset="0"/>
-                <a:cs typeface="Segoe UI Semilight" panose="020B0402040204020203" pitchFamily="34" charset="0"/>
-              </a:rPr>
-              <a:t>Analyze your customer needs.</a:t>
-            </a:r>
-          </a:p>
-          <a:p>
-            <a:pPr>
-              <a:lnSpc>
-                <a:spcPct val="90000"/>
-              </a:lnSpc>
-              <a:spcAft>
-                <a:spcPts val="600"/>
-              </a:spcAft>
-            </a:pPr>
-            <a:endParaRPr lang="en-US" sz="2400" dirty="0"/>
-          </a:p>
-          <a:p>
-            <a:pPr>
-              <a:lnSpc>
-                <a:spcPct val="90000"/>
-              </a:lnSpc>
-              <a:spcAft>
-                <a:spcPts val="600"/>
-              </a:spcAft>
-            </a:pPr>
-            <a:r>
-              <a:rPr lang="en-US" sz="3600" dirty="0">
-                <a:latin typeface="+mj-lt"/>
-              </a:rPr>
-              <a:t>Timeframe</a:t>
-            </a:r>
-          </a:p>
-          <a:p>
-            <a:pPr>
-              <a:lnSpc>
-                <a:spcPct val="90000"/>
-              </a:lnSpc>
-              <a:spcAft>
-                <a:spcPts val="600"/>
-              </a:spcAft>
-            </a:pPr>
-            <a:r>
-              <a:rPr lang="en-US" sz="2400" dirty="0">
-                <a:latin typeface="Segoe UI Semilight" panose="020B0402040204020203" pitchFamily="34" charset="0"/>
-                <a:cs typeface="Segoe UI Semilight" panose="020B0402040204020203" pitchFamily="34" charset="0"/>
-              </a:rPr>
-              <a:t>15 minutes</a:t>
-            </a:r>
-          </a:p>
-        </p:txBody>
-      </p:sp>
-    </p:spTree>
-    <p:extLst>
-      <p:ext uri="{BB962C8B-B14F-4D97-AF65-F5344CB8AC3E}">
-        <p14:creationId xmlns:p14="http://schemas.microsoft.com/office/powerpoint/2010/main" val="2071289292"/>
-      </p:ext>
-    </p:extLst>
-  </p:cSld>
-  <p:clrMapOvr>
-    <a:masterClrMapping/>
-  </p:clrMapOvr>
-  <mc:AlternateContent xmlns:mc="http://schemas.openxmlformats.org/markup-compatibility/2006" xmlns:p14="http://schemas.microsoft.com/office/powerpoint/2010/main">
-    <mc:Choice Requires="p14">
-      <p:transition p14:dur="0"/>
-    </mc:Choice>
-    <mc:Fallback xmlns="">
-      <p:transition/>
-    </mc:Fallback>
-  </mc:AlternateContent>
-</p:sld>
-</file>
-
-<file path=ppt/slides/slide30.xml><?xml version="1.0" encoding="utf-8"?>
+<file path=ppt/slides/slide26.xml><?xml version="1.0" encoding="utf-8"?>
 <p:sld xmlns:a="http://schemas.openxmlformats.org/drawingml/2006/main" xmlns:r="http://schemas.openxmlformats.org/officeDocument/2006/relationships" xmlns:p="http://schemas.openxmlformats.org/presentationml/2006/main">
   <p:cSld>
     <p:spTree>
@@ -22778,7 +20755,7 @@
 </p:sld>
 </file>
 
-<file path=ppt/slides/slide31.xml><?xml version="1.0" encoding="utf-8"?>
+<file path=ppt/slides/slide27.xml><?xml version="1.0" encoding="utf-8"?>
 <p:sld xmlns:a="http://schemas.openxmlformats.org/drawingml/2006/main" xmlns:r="http://schemas.openxmlformats.org/officeDocument/2006/relationships" xmlns:p="http://schemas.openxmlformats.org/presentationml/2006/main">
   <p:cSld>
     <p:spTree>
@@ -22896,7 +20873,7 @@
 </p:sld>
 </file>
 
-<file path=ppt/slides/slide32.xml><?xml version="1.0" encoding="utf-8"?>
+<file path=ppt/slides/slide28.xml><?xml version="1.0" encoding="utf-8"?>
 <p:sld xmlns:a="http://schemas.openxmlformats.org/drawingml/2006/main" xmlns:r="http://schemas.openxmlformats.org/officeDocument/2006/relationships" xmlns:p="http://schemas.openxmlformats.org/presentationml/2006/main">
   <p:cSld>
     <p:spTree>
@@ -23244,7 +21221,7 @@
 </p:sld>
 </file>
 
-<file path=ppt/slides/slide33.xml><?xml version="1.0" encoding="utf-8"?>
+<file path=ppt/slides/slide29.xml><?xml version="1.0" encoding="utf-8"?>
 <p:sld xmlns:a="http://schemas.openxmlformats.org/drawingml/2006/main" xmlns:r="http://schemas.openxmlformats.org/officeDocument/2006/relationships" xmlns:p="http://schemas.openxmlformats.org/presentationml/2006/main">
   <p:cSld>
     <p:spTree>
@@ -23569,7 +21546,189 @@
 </p:sld>
 </file>
 
-<file path=ppt/slides/slide34.xml><?xml version="1.0" encoding="utf-8"?>
+<file path=ppt/slides/slide3.xml><?xml version="1.0" encoding="utf-8"?>
+<p:sld xmlns:a="http://schemas.openxmlformats.org/drawingml/2006/main" xmlns:r="http://schemas.openxmlformats.org/officeDocument/2006/relationships" xmlns:p="http://schemas.openxmlformats.org/presentationml/2006/main">
+  <p:cSld>
+    <p:bg>
+      <p:bgPr>
+        <a:solidFill>
+          <a:schemeClr val="bg2"/>
+        </a:solidFill>
+        <a:effectLst/>
+      </p:bgPr>
+    </p:bg>
+    <p:spTree>
+      <p:nvGrpSpPr>
+        <p:cNvPr id="1" name=""/>
+        <p:cNvGrpSpPr/>
+        <p:nvPr/>
+      </p:nvGrpSpPr>
+      <p:grpSpPr>
+        <a:xfrm>
+          <a:off x="0" y="0"/>
+          <a:ext cx="0" cy="0"/>
+          <a:chOff x="0" y="0"/>
+          <a:chExt cx="0" cy="0"/>
+        </a:xfrm>
+      </p:grpSpPr>
+      <p:sp>
+        <p:nvSpPr>
+          <p:cNvPr id="2" name="Title 1"/>
+          <p:cNvSpPr>
+            <a:spLocks noGrp="1"/>
+          </p:cNvSpPr>
+          <p:nvPr>
+            <p:ph type="title"/>
+          </p:nvPr>
+        </p:nvSpPr>
+        <p:spPr/>
+        <p:txBody>
+          <a:bodyPr>
+            <a:normAutofit/>
+          </a:bodyPr>
+          <a:lstStyle/>
+          <a:p>
+            <a:r>
+              <a:rPr lang="en-US" sz="4400" dirty="0">
+                <a:solidFill>
+                  <a:schemeClr val="tx1"/>
+                </a:solidFill>
+                <a:latin typeface="Segoe UI Light" panose="020B0502040204020203" pitchFamily="34" charset="0"/>
+                <a:cs typeface="Segoe UI Light" panose="020B0502040204020203" pitchFamily="34" charset="0"/>
+              </a:rPr>
+              <a:t>Step 1: Review the customer case study</a:t>
+            </a:r>
+          </a:p>
+        </p:txBody>
+      </p:sp>
+      <p:sp>
+        <p:nvSpPr>
+          <p:cNvPr id="9" name="TextBox 8">
+            <a:extLst>
+              <a:ext uri="{FF2B5EF4-FFF2-40B4-BE49-F238E27FC236}">
+                <a16:creationId xmlns:a16="http://schemas.microsoft.com/office/drawing/2014/main" id="{0F86F9F9-39B5-4CE6-AF48-9ADAE40EA728}"/>
+              </a:ext>
+            </a:extLst>
+          </p:cNvPr>
+          <p:cNvSpPr txBox="1"/>
+          <p:nvPr/>
+        </p:nvSpPr>
+        <p:spPr>
+          <a:xfrm>
+            <a:off x="340285" y="1741246"/>
+            <a:ext cx="7247965" cy="2597634"/>
+          </a:xfrm>
+          <a:prstGeom prst="rect">
+            <a:avLst/>
+          </a:prstGeom>
+          <a:noFill/>
+        </p:spPr>
+        <p:txBody>
+          <a:bodyPr wrap="square" lIns="182880" tIns="146304" rIns="182880" bIns="146304" rtlCol="0">
+            <a:spAutoFit/>
+          </a:bodyPr>
+          <a:lstStyle/>
+          <a:p>
+            <a:pPr>
+              <a:lnSpc>
+                <a:spcPct val="90000"/>
+              </a:lnSpc>
+              <a:spcAft>
+                <a:spcPts val="600"/>
+              </a:spcAft>
+            </a:pPr>
+            <a:r>
+              <a:rPr lang="en-US" sz="3600" dirty="0">
+                <a:latin typeface="+mj-lt"/>
+              </a:rPr>
+              <a:t>Outcome</a:t>
+            </a:r>
+          </a:p>
+          <a:p>
+            <a:pPr>
+              <a:lnSpc>
+                <a:spcPct val="90000"/>
+              </a:lnSpc>
+              <a:spcAft>
+                <a:spcPts val="600"/>
+              </a:spcAft>
+            </a:pPr>
+            <a:r>
+              <a:rPr lang="en-US" sz="2400" dirty="0">
+                <a:latin typeface="Segoe UI Semilight" panose="020B0402040204020203" pitchFamily="34" charset="0"/>
+                <a:cs typeface="Segoe UI Semilight" panose="020B0402040204020203" pitchFamily="34" charset="0"/>
+              </a:rPr>
+              <a:t>Analyze your customer needs.</a:t>
+            </a:r>
+          </a:p>
+          <a:p>
+            <a:pPr>
+              <a:lnSpc>
+                <a:spcPct val="90000"/>
+              </a:lnSpc>
+              <a:spcAft>
+                <a:spcPts val="600"/>
+              </a:spcAft>
+            </a:pPr>
+            <a:endParaRPr lang="en-US" sz="2400" dirty="0"/>
+          </a:p>
+          <a:p>
+            <a:pPr>
+              <a:lnSpc>
+                <a:spcPct val="90000"/>
+              </a:lnSpc>
+              <a:spcAft>
+                <a:spcPts val="600"/>
+              </a:spcAft>
+            </a:pPr>
+            <a:r>
+              <a:rPr lang="en-US" sz="3600" dirty="0">
+                <a:latin typeface="+mj-lt"/>
+              </a:rPr>
+              <a:t>Timeframe</a:t>
+            </a:r>
+          </a:p>
+          <a:p>
+            <a:pPr>
+              <a:lnSpc>
+                <a:spcPct val="90000"/>
+              </a:lnSpc>
+              <a:spcAft>
+                <a:spcPts val="600"/>
+              </a:spcAft>
+            </a:pPr>
+            <a:r>
+              <a:rPr lang="en-US" sz="2400" dirty="0">
+                <a:latin typeface="Segoe UI Semilight" panose="020B0402040204020203" pitchFamily="34" charset="0"/>
+                <a:cs typeface="Segoe UI Semilight" panose="020B0402040204020203" pitchFamily="34" charset="0"/>
+              </a:rPr>
+              <a:t>15 minutes</a:t>
+            </a:r>
+          </a:p>
+        </p:txBody>
+      </p:sp>
+    </p:spTree>
+    <p:extLst>
+      <p:ext uri="{BB962C8B-B14F-4D97-AF65-F5344CB8AC3E}">
+        <p14:creationId xmlns:p14="http://schemas.microsoft.com/office/powerpoint/2010/main" val="2071289292"/>
+      </p:ext>
+    </p:extLst>
+  </p:cSld>
+  <p:clrMapOvr>
+    <a:masterClrMapping/>
+  </p:clrMapOvr>
+  <mc:AlternateContent xmlns:mc="http://schemas.openxmlformats.org/markup-compatibility/2006" xmlns:p14="http://schemas.microsoft.com/office/powerpoint/2010/main">
+    <mc:Choice Requires="p14">
+      <p:transition p14:dur="0"/>
+    </mc:Choice>
+    <mc:Fallback xmlns="">
+      <p:transition/>
+    </mc:Fallback>
+  </mc:AlternateContent>
+</p:sld>
+</file>
+
+<file path=ppt/slides/slide30.xml><?xml version="1.0" encoding="utf-8"?>
 <p:sld xmlns:a="http://schemas.openxmlformats.org/drawingml/2006/main" xmlns:r="http://schemas.openxmlformats.org/officeDocument/2006/relationships" xmlns:p="http://schemas.openxmlformats.org/presentationml/2006/main">
   <p:cSld>
     <p:spTree>
@@ -23871,7 +22030,7 @@
 </p:sld>
 </file>
 
-<file path=ppt/slides/slide35.xml><?xml version="1.0" encoding="utf-8"?>
+<file path=ppt/slides/slide31.xml><?xml version="1.0" encoding="utf-8"?>
 <p:sld xmlns:a="http://schemas.openxmlformats.org/drawingml/2006/main" xmlns:r="http://schemas.openxmlformats.org/officeDocument/2006/relationships" xmlns:p="http://schemas.openxmlformats.org/presentationml/2006/main">
   <p:cSld>
     <p:spTree>
@@ -24181,7 +22340,7 @@
 </p:sld>
 </file>
 
-<file path=ppt/slides/slide36.xml><?xml version="1.0" encoding="utf-8"?>
+<file path=ppt/slides/slide32.xml><?xml version="1.0" encoding="utf-8"?>
 <p:sld xmlns:a="http://schemas.openxmlformats.org/drawingml/2006/main" xmlns:r="http://schemas.openxmlformats.org/officeDocument/2006/relationships" xmlns:p="http://schemas.openxmlformats.org/presentationml/2006/main">
   <p:cSld>
     <p:spTree>
@@ -24222,384 +22381,6 @@
                 </a:solidFill>
                 <a:cs typeface="Segoe UI" panose="020B0502040204020203" pitchFamily="34" charset="0"/>
               </a:rPr>
-              <a:t>Customer </a:t>
-            </a:r>
-            <a:r>
-              <a:rPr lang="en-US" sz="4900" dirty="0">
-                <a:solidFill>
-                  <a:schemeClr val="tx1"/>
-                </a:solidFill>
-              </a:rPr>
-              <a:t>objections</a:t>
-            </a:r>
-            <a:br>
-              <a:rPr lang="en-US" dirty="0">
-                <a:solidFill>
-                  <a:schemeClr val="tx1"/>
-                </a:solidFill>
-                <a:latin typeface="Segoe UI" panose="020B0502040204020203" pitchFamily="34" charset="0"/>
-              </a:rPr>
-            </a:br>
-            <a:endParaRPr lang="en-US" sz="3236" dirty="0">
-              <a:solidFill>
-                <a:schemeClr val="tx1"/>
-              </a:solidFill>
-              <a:latin typeface="Segoe UI" panose="020B0502040204020203" pitchFamily="34" charset="0"/>
-            </a:endParaRPr>
-          </a:p>
-        </p:txBody>
-      </p:sp>
-      <p:sp>
-        <p:nvSpPr>
-          <p:cNvPr id="9" name="TextBox 8">
-            <a:extLst>
-              <a:ext uri="{FF2B5EF4-FFF2-40B4-BE49-F238E27FC236}">
-                <a16:creationId xmlns:a16="http://schemas.microsoft.com/office/drawing/2014/main" id="{1436F8EA-C4FB-4C98-AEB1-08DF6713D14E}"/>
-              </a:ext>
-            </a:extLst>
-          </p:cNvPr>
-          <p:cNvSpPr txBox="1"/>
-          <p:nvPr/>
-        </p:nvSpPr>
-        <p:spPr>
-          <a:xfrm>
-            <a:off x="339498" y="1273448"/>
-            <a:ext cx="11720596" cy="4792081"/>
-          </a:xfrm>
-          <a:prstGeom prst="rect">
-            <a:avLst/>
-          </a:prstGeom>
-          <a:noFill/>
-        </p:spPr>
-        <p:txBody>
-          <a:bodyPr wrap="square" lIns="182880" tIns="146304" rIns="182880" bIns="146304" rtlCol="0">
-            <a:spAutoFit/>
-          </a:bodyPr>
-          <a:lstStyle/>
-          <a:p>
-            <a:pPr>
-              <a:lnSpc>
-                <a:spcPct val="90000"/>
-              </a:lnSpc>
-              <a:spcAft>
-                <a:spcPts val="600"/>
-              </a:spcAft>
-            </a:pPr>
-            <a:r>
-              <a:rPr lang="en-US" sz="2800" dirty="0" err="1">
-                <a:gradFill>
-                  <a:gsLst>
-                    <a:gs pos="2917">
-                      <a:schemeClr val="tx1"/>
-                    </a:gs>
-                    <a:gs pos="30000">
-                      <a:schemeClr val="tx1"/>
-                    </a:gs>
-                  </a:gsLst>
-                  <a:lin ang="5400000" scaled="0"/>
-                </a:gradFill>
-                <a:latin typeface="Segoe UI Semilight" panose="020B0402040204020203" pitchFamily="34" charset="0"/>
-                <a:cs typeface="Segoe UI Semilight" panose="020B0402040204020203" pitchFamily="34" charset="0"/>
-              </a:rPr>
-              <a:t>Fabrikam</a:t>
-            </a:r>
-            <a:r>
-              <a:rPr lang="en-US" sz="2800" dirty="0">
-                <a:gradFill>
-                  <a:gsLst>
-                    <a:gs pos="2917">
-                      <a:schemeClr val="tx1"/>
-                    </a:gs>
-                    <a:gs pos="30000">
-                      <a:schemeClr val="tx1"/>
-                    </a:gs>
-                  </a:gsLst>
-                  <a:lin ang="5400000" scaled="0"/>
-                </a:gradFill>
-                <a:latin typeface="Segoe UI Semilight" panose="020B0402040204020203" pitchFamily="34" charset="0"/>
-                <a:cs typeface="Segoe UI Semilight" panose="020B0402040204020203" pitchFamily="34" charset="0"/>
-              </a:rPr>
-              <a:t> has already its own Azure Active Directory tenant. Will it be necessary to create duplicate accounts for </a:t>
-            </a:r>
-            <a:r>
-              <a:rPr lang="en-US" sz="2800" dirty="0" err="1">
-                <a:gradFill>
-                  <a:gsLst>
-                    <a:gs pos="2917">
-                      <a:schemeClr val="tx1"/>
-                    </a:gs>
-                    <a:gs pos="30000">
-                      <a:schemeClr val="tx1"/>
-                    </a:gs>
-                  </a:gsLst>
-                  <a:lin ang="5400000" scaled="0"/>
-                </a:gradFill>
-                <a:latin typeface="Segoe UI Semilight" panose="020B0402040204020203" pitchFamily="34" charset="0"/>
-                <a:cs typeface="Segoe UI Semilight" panose="020B0402040204020203" pitchFamily="34" charset="0"/>
-              </a:rPr>
-              <a:t>Fabrikam</a:t>
-            </a:r>
-            <a:r>
-              <a:rPr lang="en-US" sz="2800" dirty="0">
-                <a:gradFill>
-                  <a:gsLst>
-                    <a:gs pos="2917">
-                      <a:schemeClr val="tx1"/>
-                    </a:gs>
-                    <a:gs pos="30000">
-                      <a:schemeClr val="tx1"/>
-                    </a:gs>
-                  </a:gsLst>
-                  <a:lin ang="5400000" scaled="0"/>
-                </a:gradFill>
-                <a:latin typeface="Segoe UI Semilight" panose="020B0402040204020203" pitchFamily="34" charset="0"/>
-                <a:cs typeface="Segoe UI Semilight" panose="020B0402040204020203" pitchFamily="34" charset="0"/>
-              </a:rPr>
-              <a:t> users?</a:t>
-            </a:r>
-          </a:p>
-          <a:p>
-            <a:pPr>
-              <a:lnSpc>
-                <a:spcPct val="90000"/>
-              </a:lnSpc>
-              <a:spcAft>
-                <a:spcPts val="600"/>
-              </a:spcAft>
-            </a:pPr>
-            <a:endParaRPr lang="en-US" sz="2800" b="1" i="1" dirty="0">
-              <a:gradFill>
-                <a:gsLst>
-                  <a:gs pos="2917">
-                    <a:schemeClr val="tx1"/>
-                  </a:gs>
-                  <a:gs pos="30000">
-                    <a:schemeClr val="tx1"/>
-                  </a:gs>
-                </a:gsLst>
-                <a:lin ang="5400000" scaled="0"/>
-              </a:gradFill>
-              <a:latin typeface="Segoe UI Semilight" panose="020B0402040204020203" pitchFamily="34" charset="0"/>
-              <a:cs typeface="Segoe UI Semilight" panose="020B0402040204020203" pitchFamily="34" charset="0"/>
-            </a:endParaRPr>
-          </a:p>
-          <a:p>
-            <a:pPr>
-              <a:lnSpc>
-                <a:spcPct val="90000"/>
-              </a:lnSpc>
-              <a:spcAft>
-                <a:spcPts val="600"/>
-              </a:spcAft>
-            </a:pPr>
-            <a:r>
-              <a:rPr lang="en-US" sz="2800" dirty="0">
-                <a:gradFill>
-                  <a:gsLst>
-                    <a:gs pos="2917">
-                      <a:schemeClr val="tx1"/>
-                    </a:gs>
-                    <a:gs pos="30000">
-                      <a:schemeClr val="tx1"/>
-                    </a:gs>
-                  </a:gsLst>
-                  <a:lin ang="5400000" scaled="0"/>
-                </a:gradFill>
-                <a:latin typeface="Segoe UI Semilight" panose="020B0402040204020203" pitchFamily="34" charset="0"/>
-                <a:cs typeface="Segoe UI Semilight" panose="020B0402040204020203" pitchFamily="34" charset="0"/>
-              </a:rPr>
-              <a:t>Potential Answer</a:t>
-            </a:r>
-          </a:p>
-          <a:p>
-            <a:pPr>
-              <a:lnSpc>
-                <a:spcPct val="90000"/>
-              </a:lnSpc>
-              <a:spcAft>
-                <a:spcPts val="600"/>
-              </a:spcAft>
-            </a:pPr>
-            <a:r>
-              <a:rPr lang="en-US" sz="2800" dirty="0">
-                <a:latin typeface="Segoe UI Semilight" panose="020B0402040204020203" pitchFamily="34" charset="0"/>
-                <a:cs typeface="Segoe UI Semilight" panose="020B0402040204020203" pitchFamily="34" charset="0"/>
-              </a:rPr>
-              <a:t>There is no need for creating duplicate accounts for </a:t>
-            </a:r>
-            <a:r>
-              <a:rPr lang="en-US" sz="2800" dirty="0" err="1">
-                <a:latin typeface="Segoe UI Semilight" panose="020B0402040204020203" pitchFamily="34" charset="0"/>
-                <a:cs typeface="Segoe UI Semilight" panose="020B0402040204020203" pitchFamily="34" charset="0"/>
-              </a:rPr>
-              <a:t>Fabrikam</a:t>
-            </a:r>
-            <a:r>
-              <a:rPr lang="en-US" sz="2800" dirty="0">
-                <a:latin typeface="Segoe UI Semilight" panose="020B0402040204020203" pitchFamily="34" charset="0"/>
-                <a:cs typeface="Segoe UI Semilight" panose="020B0402040204020203" pitchFamily="34" charset="0"/>
-              </a:rPr>
-              <a:t> users. When using Azure Active Directory as the identity provider, Azure Stack supports multi-tenant topology. Once implemented, the topology allows users from different Azure Active Directory tenants provision and access Azure Stack offers directly from the Azure Stack User portal. When using Active Directory Federation Services (AD FS) as the identity provider, multi-tenancy can be provided through federation trusts.</a:t>
-            </a:r>
-            <a:endParaRPr lang="en-US" sz="2800" dirty="0">
-              <a:gradFill>
-                <a:gsLst>
-                  <a:gs pos="2917">
-                    <a:schemeClr val="tx1"/>
-                  </a:gs>
-                  <a:gs pos="30000">
-                    <a:schemeClr val="tx1"/>
-                  </a:gs>
-                </a:gsLst>
-                <a:lin ang="5400000" scaled="0"/>
-              </a:gradFill>
-              <a:latin typeface="Segoe UI Semilight" panose="020B0402040204020203" pitchFamily="34" charset="0"/>
-              <a:cs typeface="Segoe UI Semilight" panose="020B0402040204020203" pitchFamily="34" charset="0"/>
-            </a:endParaRPr>
-          </a:p>
-        </p:txBody>
-      </p:sp>
-    </p:spTree>
-    <p:extLst>
-      <p:ext uri="{BB962C8B-B14F-4D97-AF65-F5344CB8AC3E}">
-        <p14:creationId xmlns:p14="http://schemas.microsoft.com/office/powerpoint/2010/main" val="2895015349"/>
-      </p:ext>
-    </p:extLst>
-  </p:cSld>
-  <p:clrMapOvr>
-    <a:masterClrMapping/>
-  </p:clrMapOvr>
-  <mc:AlternateContent xmlns:mc="http://schemas.openxmlformats.org/markup-compatibility/2006" xmlns:p14="http://schemas.microsoft.com/office/powerpoint/2010/main">
-    <mc:Choice Requires="p14">
-      <p:transition p14:dur="0"/>
-    </mc:Choice>
-    <mc:Fallback xmlns="">
-      <p:transition/>
-    </mc:Fallback>
-  </mc:AlternateContent>
-  <p:timing>
-    <p:tnLst>
-      <p:par>
-        <p:cTn id="1" dur="indefinite" restart="never" nodeType="tmRoot">
-          <p:childTnLst>
-            <p:seq concurrent="1" nextAc="seek">
-              <p:cTn id="2" dur="indefinite" nodeType="mainSeq">
-                <p:childTnLst>
-                  <p:par>
-                    <p:cTn id="3" fill="hold">
-                      <p:stCondLst>
-                        <p:cond delay="indefinite"/>
-                      </p:stCondLst>
-                      <p:childTnLst>
-                        <p:par>
-                          <p:cTn id="4" fill="hold">
-                            <p:stCondLst>
-                              <p:cond delay="0"/>
-                            </p:stCondLst>
-                            <p:childTnLst>
-                              <p:par>
-                                <p:cTn id="5" presetID="1" presetClass="entr" presetSubtype="0" fill="hold" nodeType="clickEffect">
-                                  <p:stCondLst>
-                                    <p:cond delay="0"/>
-                                  </p:stCondLst>
-                                  <p:childTnLst>
-                                    <p:set>
-                                      <p:cBhvr>
-                                        <p:cTn id="6" dur="1" fill="hold">
-                                          <p:stCondLst>
-                                            <p:cond delay="0"/>
-                                          </p:stCondLst>
-                                        </p:cTn>
-                                        <p:tgtEl>
-                                          <p:spTgt spid="9">
-                                            <p:txEl>
-                                              <p:pRg st="2" end="2"/>
-                                            </p:txEl>
-                                          </p:spTgt>
-                                        </p:tgtEl>
-                                        <p:attrNameLst>
-                                          <p:attrName>style.visibility</p:attrName>
-                                        </p:attrNameLst>
-                                      </p:cBhvr>
-                                      <p:to>
-                                        <p:strVal val="visible"/>
-                                      </p:to>
-                                    </p:set>
-                                  </p:childTnLst>
-                                </p:cTn>
-                              </p:par>
-                            </p:childTnLst>
-                          </p:cTn>
-                        </p:par>
-                      </p:childTnLst>
-                    </p:cTn>
-                  </p:par>
-                </p:childTnLst>
-              </p:cTn>
-              <p:prevCondLst>
-                <p:cond evt="onPrev" delay="0">
-                  <p:tgtEl>
-                    <p:sldTgt/>
-                  </p:tgtEl>
-                </p:cond>
-              </p:prevCondLst>
-              <p:nextCondLst>
-                <p:cond evt="onNext" delay="0">
-                  <p:tgtEl>
-                    <p:sldTgt/>
-                  </p:tgtEl>
-                </p:cond>
-              </p:nextCondLst>
-            </p:seq>
-          </p:childTnLst>
-        </p:cTn>
-      </p:par>
-    </p:tnLst>
-  </p:timing>
-</p:sld>
-</file>
-
-<file path=ppt/slides/slide37.xml><?xml version="1.0" encoding="utf-8"?>
-<p:sld xmlns:a="http://schemas.openxmlformats.org/drawingml/2006/main" xmlns:r="http://schemas.openxmlformats.org/officeDocument/2006/relationships" xmlns:p="http://schemas.openxmlformats.org/presentationml/2006/main">
-  <p:cSld>
-    <p:spTree>
-      <p:nvGrpSpPr>
-        <p:cNvPr id="1" name=""/>
-        <p:cNvGrpSpPr/>
-        <p:nvPr/>
-      </p:nvGrpSpPr>
-      <p:grpSpPr>
-        <a:xfrm>
-          <a:off x="0" y="0"/>
-          <a:ext cx="0" cy="0"/>
-          <a:chOff x="0" y="0"/>
-          <a:chExt cx="0" cy="0"/>
-        </a:xfrm>
-      </p:grpSpPr>
-      <p:sp>
-        <p:nvSpPr>
-          <p:cNvPr id="2" name="Title 1"/>
-          <p:cNvSpPr>
-            <a:spLocks noGrp="1"/>
-          </p:cNvSpPr>
-          <p:nvPr>
-            <p:ph type="title"/>
-          </p:nvPr>
-        </p:nvSpPr>
-        <p:spPr/>
-        <p:txBody>
-          <a:bodyPr>
-            <a:normAutofit fontScale="90000"/>
-          </a:bodyPr>
-          <a:lstStyle/>
-          <a:p>
-            <a:r>
-              <a:rPr lang="en-US" sz="4900" dirty="0">
-                <a:solidFill>
-                  <a:schemeClr val="tx1"/>
-                </a:solidFill>
-                <a:cs typeface="Segoe UI" panose="020B0502040204020203" pitchFamily="34" charset="0"/>
-              </a:rPr>
               <a:t>Customer quote</a:t>
             </a:r>
             <a:br>
@@ -24696,7 +22477,7 @@
 </p:sld>
 </file>
 
-<file path=ppt/slides/slide38.xml><?xml version="1.0" encoding="utf-8"?>
+<file path=ppt/slides/slide33.xml><?xml version="1.0" encoding="utf-8"?>
 <p:sld xmlns:a="http://schemas.openxmlformats.org/drawingml/2006/main" xmlns:r="http://schemas.openxmlformats.org/officeDocument/2006/relationships" xmlns:p="http://schemas.openxmlformats.org/presentationml/2006/main">
   <p:cSld>
     <p:bg>
@@ -24991,330 +22772,6 @@
 </file>
 
 <file path=ppt/slides/slide5.xml><?xml version="1.0" encoding="utf-8"?>
-<p:sld xmlns:a="http://schemas.openxmlformats.org/drawingml/2006/main" xmlns:r="http://schemas.openxmlformats.org/officeDocument/2006/relationships" xmlns:p="http://schemas.openxmlformats.org/presentationml/2006/main">
-  <p:cSld>
-    <p:spTree>
-      <p:nvGrpSpPr>
-        <p:cNvPr id="1" name=""/>
-        <p:cNvGrpSpPr/>
-        <p:nvPr/>
-      </p:nvGrpSpPr>
-      <p:grpSpPr>
-        <a:xfrm>
-          <a:off x="0" y="0"/>
-          <a:ext cx="0" cy="0"/>
-          <a:chOff x="0" y="0"/>
-          <a:chExt cx="0" cy="0"/>
-        </a:xfrm>
-      </p:grpSpPr>
-      <p:sp>
-        <p:nvSpPr>
-          <p:cNvPr id="2" name="Title 1"/>
-          <p:cNvSpPr>
-            <a:spLocks noGrp="1"/>
-          </p:cNvSpPr>
-          <p:nvPr>
-            <p:ph type="title"/>
-          </p:nvPr>
-        </p:nvSpPr>
-        <p:spPr/>
-        <p:txBody>
-          <a:bodyPr>
-            <a:normAutofit fontScale="90000"/>
-          </a:bodyPr>
-          <a:lstStyle/>
-          <a:p>
-            <a:r>
-              <a:rPr lang="en-US" sz="4900" dirty="0">
-                <a:solidFill>
-                  <a:schemeClr val="tx1"/>
-                </a:solidFill>
-                <a:cs typeface="Segoe UI" panose="020B0502040204020203" pitchFamily="34" charset="0"/>
-              </a:rPr>
-              <a:t>Customer situation - </a:t>
-            </a:r>
-            <a:r>
-              <a:rPr lang="en-US" sz="4900" dirty="0">
-                <a:solidFill>
-                  <a:schemeClr val="tx1"/>
-                </a:solidFill>
-              </a:rPr>
-              <a:t>Contoso Financial</a:t>
-            </a:r>
-            <a:br>
-              <a:rPr lang="en-US" sz="4800" i="1" dirty="0"/>
-            </a:br>
-            <a:br>
-              <a:rPr lang="en-US" dirty="0">
-                <a:solidFill>
-                  <a:schemeClr val="tx1"/>
-                </a:solidFill>
-                <a:latin typeface="Segoe UI" panose="020B0502040204020203" pitchFamily="34" charset="0"/>
-              </a:rPr>
-            </a:br>
-            <a:endParaRPr lang="en-US" sz="3236" dirty="0">
-              <a:solidFill>
-                <a:schemeClr val="tx1"/>
-              </a:solidFill>
-              <a:latin typeface="Segoe UI" panose="020B0502040204020203" pitchFamily="34" charset="0"/>
-            </a:endParaRPr>
-          </a:p>
-        </p:txBody>
-      </p:sp>
-      <p:sp>
-        <p:nvSpPr>
-          <p:cNvPr id="5" name="Text Placeholder 4">
-            <a:extLst>
-              <a:ext uri="{FF2B5EF4-FFF2-40B4-BE49-F238E27FC236}">
-                <a16:creationId xmlns:a16="http://schemas.microsoft.com/office/drawing/2014/main" id="{2747A1CA-9959-4552-B25E-ADE90B252A6B}"/>
-              </a:ext>
-            </a:extLst>
-          </p:cNvPr>
-          <p:cNvSpPr>
-            <a:spLocks noGrp="1"/>
-          </p:cNvSpPr>
-          <p:nvPr>
-            <p:ph type="body" sz="quarter" idx="10"/>
-          </p:nvPr>
-        </p:nvSpPr>
-        <p:spPr>
-          <a:xfrm>
-            <a:off x="452063" y="1189177"/>
-            <a:ext cx="11054993" cy="5906232"/>
-          </a:xfrm>
-        </p:spPr>
-        <p:txBody>
-          <a:bodyPr/>
-          <a:lstStyle/>
-          <a:p>
-            <a:pPr marL="571500" indent="-571500">
-              <a:spcAft>
-                <a:spcPts val="600"/>
-              </a:spcAft>
-              <a:buFont typeface="Arial" panose="020B0604020202020204" pitchFamily="34" charset="0"/>
-              <a:buChar char="•"/>
-            </a:pPr>
-            <a:r>
-              <a:rPr lang="en-US" sz="3600" dirty="0">
-                <a:gradFill>
-                  <a:gsLst>
-                    <a:gs pos="2917">
-                      <a:schemeClr val="tx1"/>
-                    </a:gs>
-                    <a:gs pos="30000">
-                      <a:schemeClr val="tx1"/>
-                    </a:gs>
-                  </a:gsLst>
-                  <a:lin ang="5400000" scaled="0"/>
-                </a:gradFill>
-              </a:rPr>
-              <a:t>Contoso recently acquired </a:t>
-            </a:r>
-            <a:r>
-              <a:rPr lang="en-US" sz="3600" dirty="0" err="1">
-                <a:gradFill>
-                  <a:gsLst>
-                    <a:gs pos="2917">
-                      <a:schemeClr val="tx1"/>
-                    </a:gs>
-                    <a:gs pos="30000">
-                      <a:schemeClr val="tx1"/>
-                    </a:gs>
-                  </a:gsLst>
-                  <a:lin ang="5400000" scaled="0"/>
-                </a:gradFill>
-              </a:rPr>
-              <a:t>Fabrikam</a:t>
-            </a:r>
-            <a:r>
-              <a:rPr lang="en-US" sz="3600" dirty="0">
-                <a:gradFill>
-                  <a:gsLst>
-                    <a:gs pos="2917">
-                      <a:schemeClr val="tx1"/>
-                    </a:gs>
-                    <a:gs pos="30000">
-                      <a:schemeClr val="tx1"/>
-                    </a:gs>
-                  </a:gsLst>
-                  <a:lin ang="5400000" scaled="0"/>
-                </a:gradFill>
-              </a:rPr>
-              <a:t>, a financial analytics company based in Houston, TX.</a:t>
-            </a:r>
-          </a:p>
-          <a:p>
-            <a:pPr marL="571500" indent="-571500">
-              <a:spcAft>
-                <a:spcPts val="600"/>
-              </a:spcAft>
-              <a:buFont typeface="Arial" panose="020B0604020202020204" pitchFamily="34" charset="0"/>
-              <a:buChar char="•"/>
-            </a:pPr>
-            <a:endParaRPr lang="en-US" sz="2800" dirty="0">
-              <a:gradFill>
-                <a:gsLst>
-                  <a:gs pos="2917">
-                    <a:schemeClr val="tx1"/>
-                  </a:gs>
-                  <a:gs pos="30000">
-                    <a:schemeClr val="tx1"/>
-                  </a:gs>
-                </a:gsLst>
-                <a:lin ang="5400000" scaled="0"/>
-              </a:gradFill>
-            </a:endParaRPr>
-          </a:p>
-          <a:p>
-            <a:pPr marL="571500" indent="-571500">
-              <a:spcAft>
-                <a:spcPts val="600"/>
-              </a:spcAft>
-              <a:buFont typeface="Arial" panose="020B0604020202020204" pitchFamily="34" charset="0"/>
-              <a:buChar char="•"/>
-            </a:pPr>
-            <a:r>
-              <a:rPr lang="en-US" sz="3600" dirty="0" err="1">
-                <a:gradFill>
-                  <a:gsLst>
-                    <a:gs pos="2917">
-                      <a:schemeClr val="tx1"/>
-                    </a:gs>
-                    <a:gs pos="30000">
-                      <a:schemeClr val="tx1"/>
-                    </a:gs>
-                  </a:gsLst>
-                  <a:lin ang="5400000" scaled="0"/>
-                </a:gradFill>
-              </a:rPr>
-              <a:t>Fabrikam</a:t>
-            </a:r>
-            <a:r>
-              <a:rPr lang="en-US" sz="3600" dirty="0">
-                <a:gradFill>
-                  <a:gsLst>
-                    <a:gs pos="2917">
-                      <a:schemeClr val="tx1"/>
-                    </a:gs>
-                    <a:gs pos="30000">
-                      <a:schemeClr val="tx1"/>
-                    </a:gs>
-                  </a:gsLst>
-                  <a:lin ang="5400000" scaled="0"/>
-                </a:gradFill>
-              </a:rPr>
-              <a:t> has already its Azure AD tenant and significant experience in working with Azure</a:t>
-            </a:r>
-          </a:p>
-          <a:p>
-            <a:pPr marL="571500" indent="-571500">
-              <a:spcAft>
-                <a:spcPts val="600"/>
-              </a:spcAft>
-              <a:buFont typeface="Arial" panose="020B0604020202020204" pitchFamily="34" charset="0"/>
-              <a:buChar char="•"/>
-            </a:pPr>
-            <a:endParaRPr lang="en-US" sz="3600" dirty="0">
-              <a:gradFill>
-                <a:gsLst>
-                  <a:gs pos="2917">
-                    <a:schemeClr val="tx1"/>
-                  </a:gs>
-                  <a:gs pos="30000">
-                    <a:schemeClr val="tx1"/>
-                  </a:gs>
-                </a:gsLst>
-                <a:lin ang="5400000" scaled="0"/>
-              </a:gradFill>
-            </a:endParaRPr>
-          </a:p>
-          <a:p>
-            <a:pPr marL="571500" indent="-571500">
-              <a:spcAft>
-                <a:spcPts val="600"/>
-              </a:spcAft>
-              <a:buFont typeface="Arial" panose="020B0604020202020204" pitchFamily="34" charset="0"/>
-              <a:buChar char="•"/>
-            </a:pPr>
-            <a:r>
-              <a:rPr lang="en-US" sz="3600" dirty="0">
-                <a:gradFill>
-                  <a:gsLst>
-                    <a:gs pos="2917">
-                      <a:schemeClr val="tx1"/>
-                    </a:gs>
-                    <a:gs pos="30000">
-                      <a:schemeClr val="tx1"/>
-                    </a:gs>
-                  </a:gsLst>
-                  <a:lin ang="5400000" scaled="0"/>
-                </a:gradFill>
-              </a:rPr>
-              <a:t>Contoso wants to leverage </a:t>
-            </a:r>
-            <a:r>
-              <a:rPr lang="en-US" sz="3600" dirty="0" err="1">
-                <a:gradFill>
-                  <a:gsLst>
-                    <a:gs pos="2917">
-                      <a:schemeClr val="tx1"/>
-                    </a:gs>
-                    <a:gs pos="30000">
-                      <a:schemeClr val="tx1"/>
-                    </a:gs>
-                  </a:gsLst>
-                  <a:lin ang="5400000" scaled="0"/>
-                </a:gradFill>
-              </a:rPr>
-              <a:t>Fabrikam’s</a:t>
-            </a:r>
-            <a:r>
-              <a:rPr lang="en-US" sz="3600" dirty="0">
-                <a:gradFill>
-                  <a:gsLst>
-                    <a:gs pos="2917">
-                      <a:schemeClr val="tx1"/>
-                    </a:gs>
-                    <a:gs pos="30000">
-                      <a:schemeClr val="tx1"/>
-                    </a:gs>
-                  </a:gsLst>
-                  <a:lin ang="5400000" scaled="0"/>
-                </a:gradFill>
-              </a:rPr>
-              <a:t> experience and provide its IT staff a sufficient level of autonomy in managing computing resources.</a:t>
-            </a:r>
-          </a:p>
-          <a:p>
-            <a:pPr marL="0" indent="0">
-              <a:buNone/>
-            </a:pPr>
-            <a:endParaRPr lang="en-US" sz="3200" i="1" dirty="0"/>
-          </a:p>
-        </p:txBody>
-      </p:sp>
-    </p:spTree>
-    <p:extLst>
-      <p:ext uri="{BB962C8B-B14F-4D97-AF65-F5344CB8AC3E}">
-        <p14:creationId xmlns:p14="http://schemas.microsoft.com/office/powerpoint/2010/main" val="2924984209"/>
-      </p:ext>
-    </p:extLst>
-  </p:cSld>
-  <p:clrMapOvr>
-    <a:masterClrMapping/>
-  </p:clrMapOvr>
-  <mc:AlternateContent xmlns:mc="http://schemas.openxmlformats.org/markup-compatibility/2006" xmlns:p14="http://schemas.microsoft.com/office/powerpoint/2010/main">
-    <mc:Choice Requires="p14">
-      <p:transition p14:dur="0"/>
-    </mc:Choice>
-    <mc:Fallback xmlns="">
-      <p:transition/>
-    </mc:Fallback>
-  </mc:AlternateContent>
-</p:sld>
-</file>
-
-<file path=ppt/slides/slide6.xml><?xml version="1.0" encoding="utf-8"?>
 <p:sld xmlns:a="http://schemas.openxmlformats.org/drawingml/2006/main" xmlns:r="http://schemas.openxmlformats.org/officeDocument/2006/relationships" xmlns:p="http://schemas.openxmlformats.org/presentationml/2006/main">
   <p:cSld>
     <p:spTree>
@@ -25567,7 +23024,7 @@
 </p:sld>
 </file>
 
-<file path=ppt/slides/slide7.xml><?xml version="1.0" encoding="utf-8"?>
+<file path=ppt/slides/slide6.xml><?xml version="1.0" encoding="utf-8"?>
 <p:sld xmlns:a="http://schemas.openxmlformats.org/drawingml/2006/main" xmlns:r="http://schemas.openxmlformats.org/officeDocument/2006/relationships" xmlns:p="http://schemas.openxmlformats.org/presentationml/2006/main">
   <p:cSld>
     <p:spTree>
@@ -25649,7 +23106,7 @@
         <p:spPr>
           <a:xfrm>
             <a:off x="538477" y="1227813"/>
-            <a:ext cx="11071321" cy="6112443"/>
+            <a:ext cx="11071321" cy="3813352"/>
           </a:xfrm>
         </p:spPr>
         <p:txBody>
@@ -25718,104 +23175,8 @@
                   <a:lin ang="5400000" scaled="0"/>
                 </a:gradFill>
               </a:rPr>
-              <a:t>This application is responsible for new applications and consumer access to their current mortgage information.</a:t>
-            </a:r>
-          </a:p>
-          <a:p>
-            <a:pPr marL="571500" indent="-571500">
-              <a:spcAft>
-                <a:spcPts val="600"/>
-              </a:spcAft>
-            </a:pPr>
-            <a:endParaRPr lang="en-US" sz="3200" dirty="0">
-              <a:gradFill>
-                <a:gsLst>
-                  <a:gs pos="2917">
-                    <a:schemeClr val="tx1"/>
-                  </a:gs>
-                  <a:gs pos="30000">
-                    <a:schemeClr val="tx1"/>
-                  </a:gs>
-                </a:gsLst>
-                <a:lin ang="5400000" scaled="0"/>
-              </a:gradFill>
-            </a:endParaRPr>
-          </a:p>
-          <a:p>
-            <a:pPr marL="571500" indent="-571500">
-              <a:spcAft>
-                <a:spcPts val="600"/>
-              </a:spcAft>
-            </a:pPr>
-            <a:r>
-              <a:rPr lang="en-US" sz="3200" dirty="0">
-                <a:gradFill>
-                  <a:gsLst>
-                    <a:gs pos="2917">
-                      <a:schemeClr val="tx1"/>
-                    </a:gs>
-                    <a:gs pos="30000">
-                      <a:schemeClr val="tx1"/>
-                    </a:gs>
-                  </a:gsLst>
-                  <a:lin ang="5400000" scaled="0"/>
-                </a:gradFill>
-              </a:rPr>
-              <a:t>Contoso wants to integrate </a:t>
-            </a:r>
-            <a:r>
-              <a:rPr lang="en-US" sz="3200" dirty="0" err="1">
-                <a:gradFill>
-                  <a:gsLst>
-                    <a:gs pos="2917">
-                      <a:schemeClr val="tx1"/>
-                    </a:gs>
-                    <a:gs pos="30000">
-                      <a:schemeClr val="tx1"/>
-                    </a:gs>
-                  </a:gsLst>
-                  <a:lin ang="5400000" scaled="0"/>
-                </a:gradFill>
-              </a:rPr>
-              <a:t>Fabrikam’s</a:t>
-            </a:r>
-            <a:r>
-              <a:rPr lang="en-US" sz="3200" dirty="0">
-                <a:gradFill>
-                  <a:gsLst>
-                    <a:gs pos="2917">
-                      <a:schemeClr val="tx1"/>
-                    </a:gs>
-                    <a:gs pos="30000">
-                      <a:schemeClr val="tx1"/>
-                    </a:gs>
-                  </a:gsLst>
-                  <a:lin ang="5400000" scaled="0"/>
-                </a:gradFill>
-              </a:rPr>
-              <a:t> internal apps to process and analyze data used by its mortgage application.</a:t>
-            </a:r>
-          </a:p>
-          <a:p>
-            <a:pPr marL="0" indent="0">
-              <a:spcAft>
-                <a:spcPts val="600"/>
-              </a:spcAft>
-              <a:buNone/>
-            </a:pPr>
-            <a:endParaRPr lang="en-US" sz="3200" dirty="0">
-              <a:gradFill>
-                <a:gsLst>
-                  <a:gs pos="2917">
-                    <a:schemeClr val="tx1"/>
-                  </a:gs>
-                  <a:gs pos="30000">
-                    <a:schemeClr val="tx1"/>
-                  </a:gs>
-                </a:gsLst>
-                <a:lin ang="5400000" scaled="0"/>
-              </a:gradFill>
-            </a:endParaRPr>
+              <a:t>This application is responsible for new applications and consumer access to their current mortgage information .</a:t>
+            </a:r>
           </a:p>
           <a:p>
             <a:pPr marL="0" indent="0">
@@ -25846,7 +23207,7 @@
 </p:sld>
 </file>
 
-<file path=ppt/slides/slide8.xml><?xml version="1.0" encoding="utf-8"?>
+<file path=ppt/slides/slide7.xml><?xml version="1.0" encoding="utf-8"?>
 <p:sld xmlns:a="http://schemas.openxmlformats.org/drawingml/2006/main" xmlns:r="http://schemas.openxmlformats.org/officeDocument/2006/relationships" xmlns:p="http://schemas.openxmlformats.org/presentationml/2006/main">
   <p:cSld>
     <p:spTree>
@@ -26162,7 +23523,7 @@
 </p:sld>
 </file>
 
-<file path=ppt/slides/slide9.xml><?xml version="1.0" encoding="utf-8"?>
+<file path=ppt/slides/slide8.xml><?xml version="1.0" encoding="utf-8"?>
 <p:sld xmlns:a="http://schemas.openxmlformats.org/drawingml/2006/main" xmlns:r="http://schemas.openxmlformats.org/officeDocument/2006/relationships" xmlns:p="http://schemas.openxmlformats.org/presentationml/2006/main">
   <p:cSld>
     <p:spTree>
@@ -26262,6 +23623,220 @@
   <p:transition>
     <p:fade/>
   </p:transition>
+</p:sld>
+</file>
+
+<file path=ppt/slides/slide9.xml><?xml version="1.0" encoding="utf-8"?>
+<p:sld xmlns:a="http://schemas.openxmlformats.org/drawingml/2006/main" xmlns:r="http://schemas.openxmlformats.org/officeDocument/2006/relationships" xmlns:p="http://schemas.openxmlformats.org/presentationml/2006/main">
+  <p:cSld>
+    <p:spTree>
+      <p:nvGrpSpPr>
+        <p:cNvPr id="1" name=""/>
+        <p:cNvGrpSpPr/>
+        <p:nvPr/>
+      </p:nvGrpSpPr>
+      <p:grpSpPr>
+        <a:xfrm>
+          <a:off x="0" y="0"/>
+          <a:ext cx="0" cy="0"/>
+          <a:chOff x="0" y="0"/>
+          <a:chExt cx="0" cy="0"/>
+        </a:xfrm>
+      </p:grpSpPr>
+      <p:sp>
+        <p:nvSpPr>
+          <p:cNvPr id="2" name="Title 1"/>
+          <p:cNvSpPr>
+            <a:spLocks noGrp="1"/>
+          </p:cNvSpPr>
+          <p:nvPr>
+            <p:ph type="title"/>
+          </p:nvPr>
+        </p:nvSpPr>
+        <p:spPr/>
+        <p:txBody>
+          <a:bodyPr/>
+          <a:lstStyle/>
+          <a:p>
+            <a:r>
+              <a:rPr lang="en-US" dirty="0"/>
+              <a:t>Customer situation - Contoso Financial</a:t>
+            </a:r>
+            <a:br>
+              <a:rPr lang="en-US" dirty="0"/>
+            </a:br>
+            <a:br>
+              <a:rPr lang="en-US" dirty="0"/>
+            </a:br>
+            <a:endParaRPr lang="en-US" dirty="0"/>
+          </a:p>
+        </p:txBody>
+      </p:sp>
+      <p:sp>
+        <p:nvSpPr>
+          <p:cNvPr id="5" name="Text Placeholder 4">
+            <a:extLst>
+              <a:ext uri="{FF2B5EF4-FFF2-40B4-BE49-F238E27FC236}">
+                <a16:creationId xmlns:a16="http://schemas.microsoft.com/office/drawing/2014/main" id="{5198A72B-D72C-4F52-8D74-C6093B508DAA}"/>
+              </a:ext>
+            </a:extLst>
+          </p:cNvPr>
+          <p:cNvSpPr>
+            <a:spLocks noGrp="1"/>
+          </p:cNvSpPr>
+          <p:nvPr>
+            <p:ph type="body" sz="quarter" idx="10"/>
+          </p:nvPr>
+        </p:nvSpPr>
+        <p:spPr>
+          <a:xfrm>
+            <a:off x="269239" y="1227814"/>
+            <a:ext cx="11653523" cy="5991320"/>
+          </a:xfrm>
+        </p:spPr>
+        <p:txBody>
+          <a:bodyPr/>
+          <a:lstStyle/>
+          <a:p>
+            <a:pPr marL="457200" indent="-457200">
+              <a:spcAft>
+                <a:spcPts val="600"/>
+              </a:spcAft>
+              <a:buFont typeface="Arial" panose="020B0604020202020204" pitchFamily="34" charset="0"/>
+              <a:buChar char="•"/>
+            </a:pPr>
+            <a:r>
+              <a:rPr lang="en-US" sz="3200" dirty="0">
+                <a:gradFill>
+                  <a:gsLst>
+                    <a:gs pos="2917">
+                      <a:schemeClr val="tx1"/>
+                    </a:gs>
+                    <a:gs pos="30000">
+                      <a:schemeClr val="tx1"/>
+                    </a:gs>
+                  </a:gsLst>
+                  <a:lin ang="5400000" scaled="0"/>
+                </a:gradFill>
+              </a:rPr>
+              <a:t>During the planning stages, the corporate compliance team determined that customer data cannot reside in the Azure public cloud.</a:t>
+            </a:r>
+          </a:p>
+          <a:p>
+            <a:pPr marL="571500" indent="-571500">
+              <a:spcAft>
+                <a:spcPts val="600"/>
+              </a:spcAft>
+              <a:buFont typeface="Arial" panose="020B0604020202020204" pitchFamily="34" charset="0"/>
+              <a:buChar char="•"/>
+            </a:pPr>
+            <a:endParaRPr lang="en-US" sz="2800" dirty="0">
+              <a:gradFill>
+                <a:gsLst>
+                  <a:gs pos="2917">
+                    <a:schemeClr val="tx1"/>
+                  </a:gs>
+                  <a:gs pos="30000">
+                    <a:schemeClr val="tx1"/>
+                  </a:gs>
+                </a:gsLst>
+                <a:lin ang="5400000" scaled="0"/>
+              </a:gradFill>
+            </a:endParaRPr>
+          </a:p>
+          <a:p>
+            <a:pPr marL="571500" indent="-571500">
+              <a:spcAft>
+                <a:spcPts val="600"/>
+              </a:spcAft>
+              <a:buFont typeface="Arial" panose="020B0604020202020204" pitchFamily="34" charset="0"/>
+              <a:buChar char="•"/>
+            </a:pPr>
+            <a:r>
+              <a:rPr lang="en-US" sz="3200" dirty="0">
+                <a:gradFill>
+                  <a:gsLst>
+                    <a:gs pos="2917">
+                      <a:schemeClr val="tx1"/>
+                    </a:gs>
+                    <a:gs pos="30000">
+                      <a:schemeClr val="tx1"/>
+                    </a:gs>
+                  </a:gsLst>
+                  <a:lin ang="5400000" scaled="0"/>
+                </a:gradFill>
+              </a:rPr>
+              <a:t>“This was a cause for great concern, as this means Contoso may not be able to move to cloud-based services as fast as we initially envisioned” says Max Rubin VP of Network engineering.</a:t>
+            </a:r>
+          </a:p>
+          <a:p>
+            <a:pPr>
+              <a:spcAft>
+                <a:spcPts val="600"/>
+              </a:spcAft>
+            </a:pPr>
+            <a:endParaRPr lang="en-US" sz="2800" dirty="0">
+              <a:gradFill>
+                <a:gsLst>
+                  <a:gs pos="2917">
+                    <a:schemeClr val="tx1"/>
+                  </a:gs>
+                  <a:gs pos="30000">
+                    <a:schemeClr val="tx1"/>
+                  </a:gs>
+                </a:gsLst>
+                <a:lin ang="5400000" scaled="0"/>
+              </a:gradFill>
+            </a:endParaRPr>
+          </a:p>
+          <a:p>
+            <a:pPr marL="571500" indent="-571500">
+              <a:spcAft>
+                <a:spcPts val="600"/>
+              </a:spcAft>
+              <a:buFont typeface="Arial" panose="020B0604020202020204" pitchFamily="34" charset="0"/>
+              <a:buChar char="•"/>
+            </a:pPr>
+            <a:r>
+              <a:rPr lang="en-US" sz="3200" dirty="0">
+                <a:gradFill>
+                  <a:gsLst>
+                    <a:gs pos="2917">
+                      <a:schemeClr val="tx1"/>
+                    </a:gs>
+                    <a:gs pos="30000">
+                      <a:schemeClr val="tx1"/>
+                    </a:gs>
+                  </a:gsLst>
+                  <a:lin ang="5400000" scaled="0"/>
+                </a:gradFill>
+              </a:rPr>
+              <a:t>Doreen Newton took on the challenge to investigate alternatives by turning to FusionTumo.</a:t>
+            </a:r>
+          </a:p>
+          <a:p>
+            <a:endParaRPr lang="en-US" dirty="0"/>
+          </a:p>
+        </p:txBody>
+      </p:sp>
+    </p:spTree>
+    <p:extLst>
+      <p:ext uri="{BB962C8B-B14F-4D97-AF65-F5344CB8AC3E}">
+        <p14:creationId xmlns:p14="http://schemas.microsoft.com/office/powerpoint/2010/main" val="3858583010"/>
+      </p:ext>
+    </p:extLst>
+  </p:cSld>
+  <p:clrMapOvr>
+    <a:masterClrMapping/>
+  </p:clrMapOvr>
+  <mc:AlternateContent xmlns:mc="http://schemas.openxmlformats.org/markup-compatibility/2006" xmlns:p14="http://schemas.microsoft.com/office/powerpoint/2010/main">
+    <mc:Choice Requires="p14">
+      <p:transition p14:dur="0"/>
+    </mc:Choice>
+    <mc:Fallback xmlns="">
+      <p:transition/>
+    </mc:Fallback>
+  </mc:AlternateContent>
 </p:sld>
 </file>
 
@@ -27131,6 +24706,15 @@
 </file>
 
 <file path=customXml/item1.xml><?xml version="1.0" encoding="utf-8"?>
+<p:properties xmlns:p="http://schemas.microsoft.com/office/2006/metadata/properties" xmlns:xsi="http://www.w3.org/2001/XMLSchema-instance" xmlns:pc="http://schemas.microsoft.com/office/infopath/2007/PartnerControls">
+  <documentManagement>
+    <_ip_UnifiedCompliancePolicyUIAction xmlns="http://schemas.microsoft.com/sharepoint/v3" xsi:nil="true"/>
+    <_ip_UnifiedCompliancePolicyProperties xmlns="http://schemas.microsoft.com/sharepoint/v3" xsi:nil="true"/>
+  </documentManagement>
+</p:properties>
+</file>
+
+<file path=customXml/item2.xml><?xml version="1.0" encoding="utf-8"?>
 <ct:contentTypeSchema xmlns:ct="http://schemas.microsoft.com/office/2006/metadata/contentType" xmlns:ma="http://schemas.microsoft.com/office/2006/metadata/properties/metaAttributes" ct:_="" ma:_="" ma:contentTypeName="Document" ma:contentTypeID="0x010100D15DFA3690A15B4081582BBCC6BEAC3E" ma:contentTypeVersion="9" ma:contentTypeDescription="Create a new document." ma:contentTypeScope="" ma:versionID="642da1784587cbe85a7fdbbe4dc36103">
   <xsd:schema xmlns:xsd="http://www.w3.org/2001/XMLSchema" xmlns:xs="http://www.w3.org/2001/XMLSchema" xmlns:p="http://schemas.microsoft.com/office/2006/metadata/properties" xmlns:ns1="http://schemas.microsoft.com/sharepoint/v3" xmlns:ns2="2023ac63-7b75-4916-a9ee-591457758eee" xmlns:ns3="d9c797ad-d7c3-4982-82b7-81352a75e4a5" targetNamespace="http://schemas.microsoft.com/office/2006/metadata/properties" ma:root="true" ma:fieldsID="91198b0246576053cc55dd2c67035a89" ns1:_="" ns2:_="" ns3:_="">
     <xsd:import namespace="http://schemas.microsoft.com/sharepoint/v3"/>
@@ -27332,15 +24916,6 @@
 </ct:contentTypeSchema>
 </file>
 
-<file path=customXml/item2.xml><?xml version="1.0" encoding="utf-8"?>
-<p:properties xmlns:p="http://schemas.microsoft.com/office/2006/metadata/properties" xmlns:xsi="http://www.w3.org/2001/XMLSchema-instance" xmlns:pc="http://schemas.microsoft.com/office/infopath/2007/PartnerControls">
-  <documentManagement>
-    <_ip_UnifiedCompliancePolicyUIAction xmlns="http://schemas.microsoft.com/sharepoint/v3" xsi:nil="true"/>
-    <_ip_UnifiedCompliancePolicyProperties xmlns="http://schemas.microsoft.com/sharepoint/v3" xsi:nil="true"/>
-  </documentManagement>
-</p:properties>
-</file>
-
 <file path=customXml/item3.xml><?xml version="1.0" encoding="utf-8"?>
 <?mso-contentType ?>
 <FormTemplates xmlns="http://schemas.microsoft.com/sharepoint/v3/contenttype/forms">
@@ -27351,6 +24926,24 @@
 </file>
 
 <file path=customXml/itemProps1.xml><?xml version="1.0" encoding="utf-8"?>
+<ds:datastoreItem xmlns:ds="http://schemas.openxmlformats.org/officeDocument/2006/customXml" ds:itemID="{BAF7D529-36AB-45DA-B239-2F912F2D1610}">
+  <ds:schemaRefs>
+    <ds:schemaRef ds:uri="http://purl.org/dc/terms/"/>
+    <ds:schemaRef ds:uri="http://schemas.openxmlformats.org/package/2006/metadata/core-properties"/>
+    <ds:schemaRef ds:uri="http://purl.org/dc/dcmitype/"/>
+    <ds:schemaRef ds:uri="http://schemas.microsoft.com/office/infopath/2007/PartnerControls"/>
+    <ds:schemaRef ds:uri="2023ac63-7b75-4916-a9ee-591457758eee"/>
+    <ds:schemaRef ds:uri="http://purl.org/dc/elements/1.1/"/>
+    <ds:schemaRef ds:uri="http://schemas.microsoft.com/office/2006/metadata/properties"/>
+    <ds:schemaRef ds:uri="http://schemas.microsoft.com/office/2006/documentManagement/types"/>
+    <ds:schemaRef ds:uri="http://schemas.microsoft.com/sharepoint/v3"/>
+    <ds:schemaRef ds:uri="d9c797ad-d7c3-4982-82b7-81352a75e4a5"/>
+    <ds:schemaRef ds:uri="http://www.w3.org/XML/1998/namespace"/>
+  </ds:schemaRefs>
+</ds:datastoreItem>
+</file>
+
+<file path=customXml/itemProps2.xml><?xml version="1.0" encoding="utf-8"?>
 <ds:datastoreItem xmlns:ds="http://schemas.openxmlformats.org/officeDocument/2006/customXml" ds:itemID="{255F5BEB-6AD6-480A-8556-C80C5EBC10F2}">
   <ds:schemaRefs>
     <ds:schemaRef ds:uri="http://schemas.microsoft.com/office/2006/metadata/contentType"/>
@@ -27370,24 +24963,6 @@
 </ds:datastoreItem>
 </file>
 
-<file path=customXml/itemProps2.xml><?xml version="1.0" encoding="utf-8"?>
-<ds:datastoreItem xmlns:ds="http://schemas.openxmlformats.org/officeDocument/2006/customXml" ds:itemID="{BAF7D529-36AB-45DA-B239-2F912F2D1610}">
-  <ds:schemaRefs>
-    <ds:schemaRef ds:uri="http://purl.org/dc/terms/"/>
-    <ds:schemaRef ds:uri="http://schemas.openxmlformats.org/package/2006/metadata/core-properties"/>
-    <ds:schemaRef ds:uri="http://purl.org/dc/dcmitype/"/>
-    <ds:schemaRef ds:uri="http://schemas.microsoft.com/office/infopath/2007/PartnerControls"/>
-    <ds:schemaRef ds:uri="2023ac63-7b75-4916-a9ee-591457758eee"/>
-    <ds:schemaRef ds:uri="http://purl.org/dc/elements/1.1/"/>
-    <ds:schemaRef ds:uri="http://schemas.microsoft.com/office/2006/metadata/properties"/>
-    <ds:schemaRef ds:uri="http://schemas.microsoft.com/office/2006/documentManagement/types"/>
-    <ds:schemaRef ds:uri="http://schemas.microsoft.com/sharepoint/v3"/>
-    <ds:schemaRef ds:uri="d9c797ad-d7c3-4982-82b7-81352a75e4a5"/>
-    <ds:schemaRef ds:uri="http://www.w3.org/XML/1998/namespace"/>
-  </ds:schemaRefs>
-</ds:datastoreItem>
-</file>
-
 <file path=customXml/itemProps3.xml><?xml version="1.0" encoding="utf-8"?>
 <ds:datastoreItem xmlns:ds="http://schemas.openxmlformats.org/officeDocument/2006/customXml" ds:itemID="{F18501AF-04CF-4482-BAE1-607B49DDC378}">
   <ds:schemaRefs>
